--- a/docs/5_Interim Presentation.pptx
+++ b/docs/5_Interim Presentation.pptx
@@ -5,7 +5,7 @@
     <p:sldMasterId id="2147483659" r:id="rId1"/>
   </p:sldMasterIdLst>
   <p:notesMasterIdLst>
-    <p:notesMasterId r:id="rId23"/>
+    <p:notesMasterId r:id="rId19"/>
   </p:notesMasterIdLst>
   <p:sldIdLst>
     <p:sldId id="256" r:id="rId2"/>
@@ -19,40 +19,36 @@
     <p:sldId id="394" r:id="rId10"/>
     <p:sldId id="396" r:id="rId11"/>
     <p:sldId id="382" r:id="rId12"/>
-    <p:sldId id="383" r:id="rId13"/>
-    <p:sldId id="381" r:id="rId14"/>
-    <p:sldId id="384" r:id="rId15"/>
-    <p:sldId id="385" r:id="rId16"/>
-    <p:sldId id="386" r:id="rId17"/>
-    <p:sldId id="387" r:id="rId18"/>
-    <p:sldId id="388" r:id="rId19"/>
-    <p:sldId id="400" r:id="rId20"/>
-    <p:sldId id="392" r:id="rId21"/>
-    <p:sldId id="279" r:id="rId22"/>
+    <p:sldId id="381" r:id="rId13"/>
+    <p:sldId id="385" r:id="rId14"/>
+    <p:sldId id="387" r:id="rId15"/>
+    <p:sldId id="400" r:id="rId16"/>
+    <p:sldId id="401" r:id="rId17"/>
+    <p:sldId id="279" r:id="rId18"/>
   </p:sldIdLst>
   <p:sldSz cx="9144000" cy="5143500" type="screen16x9"/>
   <p:notesSz cx="6858000" cy="9144000"/>
   <p:embeddedFontLst>
     <p:embeddedFont>
-      <p:font typeface="맑은 고딕" panose="020B0503020000020004" pitchFamily="50" charset="-127"/>
-      <p:regular r:id="rId24"/>
-      <p:bold r:id="rId25"/>
-    </p:embeddedFont>
-    <p:embeddedFont>
       <p:font typeface="a옛날목욕탕L" panose="02020600000000000000" pitchFamily="18" charset="-127"/>
-      <p:regular r:id="rId26"/>
+      <p:regular r:id="rId20"/>
     </p:embeddedFont>
     <p:embeddedFont>
       <p:font typeface="Dosis" panose="020B0600000101010101" charset="0"/>
-      <p:regular r:id="rId27"/>
-      <p:bold r:id="rId28"/>
+      <p:regular r:id="rId21"/>
+      <p:bold r:id="rId22"/>
     </p:embeddedFont>
     <p:embeddedFont>
       <p:font typeface="Roboto" panose="020B0600000101010101" charset="0"/>
-      <p:regular r:id="rId29"/>
-      <p:bold r:id="rId30"/>
-      <p:italic r:id="rId31"/>
-      <p:boldItalic r:id="rId32"/>
+      <p:regular r:id="rId23"/>
+      <p:bold r:id="rId24"/>
+      <p:italic r:id="rId25"/>
+      <p:boldItalic r:id="rId26"/>
+    </p:embeddedFont>
+    <p:embeddedFont>
+      <p:font typeface="맑은 고딕" panose="020B0503020000020004" pitchFamily="50" charset="-127"/>
+      <p:regular r:id="rId27"/>
+      <p:bold r:id="rId28"/>
     </p:embeddedFont>
   </p:embeddedFontLst>
   <p:defaultTextStyle>
@@ -1054,7 +1050,7 @@
     </p:spTree>
     <p:extLst>
       <p:ext uri="{BB962C8B-B14F-4D97-AF65-F5344CB8AC3E}">
-        <p14:creationId xmlns:p14="http://schemas.microsoft.com/office/powerpoint/2010/main" val="2131921589"/>
+        <p14:creationId xmlns:p14="http://schemas.microsoft.com/office/powerpoint/2010/main" val="2692145379"/>
       </p:ext>
     </p:extLst>
   </p:cSld>
@@ -1163,7 +1159,7 @@
     </p:spTree>
     <p:extLst>
       <p:ext uri="{BB962C8B-B14F-4D97-AF65-F5344CB8AC3E}">
-        <p14:creationId xmlns:p14="http://schemas.microsoft.com/office/powerpoint/2010/main" val="2692145379"/>
+        <p14:creationId xmlns:p14="http://schemas.microsoft.com/office/powerpoint/2010/main" val="3642289072"/>
       </p:ext>
     </p:extLst>
   </p:cSld>
@@ -1272,7 +1268,7 @@
     </p:spTree>
     <p:extLst>
       <p:ext uri="{BB962C8B-B14F-4D97-AF65-F5344CB8AC3E}">
-        <p14:creationId xmlns:p14="http://schemas.microsoft.com/office/powerpoint/2010/main" val="847170829"/>
+        <p14:creationId xmlns:p14="http://schemas.microsoft.com/office/powerpoint/2010/main" val="2010258590"/>
       </p:ext>
     </p:extLst>
   </p:cSld>
@@ -1287,7 +1283,7 @@
   <p:cSld>
     <p:spTree>
       <p:nvGrpSpPr>
-        <p:cNvPr id="1" name="Shape 106"/>
+        <p:cNvPr id="1" name="Shape 123"/>
         <p:cNvGrpSpPr/>
         <p:nvPr/>
       </p:nvGrpSpPr>
@@ -1301,7 +1297,7 @@
       </p:grpSpPr>
       <p:sp>
         <p:nvSpPr>
-          <p:cNvPr id="107" name="Google Shape;107;g3606f1c2d_30:notes"/>
+          <p:cNvPr id="124" name="Google Shape;124;g35f391192_029:notes"/>
           <p:cNvSpPr>
             <a:spLocks noGrp="1" noRot="1" noChangeAspect="1"/>
           </p:cNvSpPr>
@@ -1342,7 +1338,7 @@
       </p:sp>
       <p:sp>
         <p:nvSpPr>
-          <p:cNvPr id="108" name="Google Shape;108;g3606f1c2d_30:notes"/>
+          <p:cNvPr id="125" name="Google Shape;125;g35f391192_029:notes"/>
           <p:cNvSpPr txBox="1">
             <a:spLocks noGrp="1"/>
           </p:cNvSpPr>
@@ -1374,14 +1370,14 @@
               </a:spcAft>
               <a:buNone/>
             </a:pPr>
-            <a:endParaRPr dirty="0"/>
+            <a:endParaRPr/>
           </a:p>
         </p:txBody>
       </p:sp>
     </p:spTree>
     <p:extLst>
       <p:ext uri="{BB962C8B-B14F-4D97-AF65-F5344CB8AC3E}">
-        <p14:creationId xmlns:p14="http://schemas.microsoft.com/office/powerpoint/2010/main" val="3642289072"/>
+        <p14:creationId xmlns:p14="http://schemas.microsoft.com/office/powerpoint/2010/main" val="4178651437"/>
       </p:ext>
     </p:extLst>
   </p:cSld>
@@ -1483,14 +1479,14 @@
               </a:spcAft>
               <a:buNone/>
             </a:pPr>
-            <a:endParaRPr dirty="0"/>
+            <a:endParaRPr/>
           </a:p>
         </p:txBody>
       </p:sp>
     </p:spTree>
     <p:extLst>
       <p:ext uri="{BB962C8B-B14F-4D97-AF65-F5344CB8AC3E}">
-        <p14:creationId xmlns:p14="http://schemas.microsoft.com/office/powerpoint/2010/main" val="2595113328"/>
+        <p14:creationId xmlns:p14="http://schemas.microsoft.com/office/powerpoint/2010/main" val="2380756454"/>
       </p:ext>
     </p:extLst>
   </p:cSld>
@@ -1505,7 +1501,7 @@
   <p:cSld>
     <p:spTree>
       <p:nvGrpSpPr>
-        <p:cNvPr id="1" name="Shape 106"/>
+        <p:cNvPr id="1" name="Shape 300"/>
         <p:cNvGrpSpPr/>
         <p:nvPr/>
       </p:nvGrpSpPr>
@@ -1519,7 +1515,7 @@
       </p:grpSpPr>
       <p:sp>
         <p:nvSpPr>
-          <p:cNvPr id="107" name="Google Shape;107;g3606f1c2d_30:notes"/>
+          <p:cNvPr id="301" name="Google Shape;301;g35ed75ccf_022:notes"/>
           <p:cNvSpPr>
             <a:spLocks noGrp="1" noRot="1" noChangeAspect="1"/>
           </p:cNvSpPr>
@@ -1560,7 +1556,7 @@
       </p:sp>
       <p:sp>
         <p:nvSpPr>
-          <p:cNvPr id="108" name="Google Shape;108;g3606f1c2d_30:notes"/>
+          <p:cNvPr id="302" name="Google Shape;302;g35ed75ccf_022:notes"/>
           <p:cNvSpPr txBox="1">
             <a:spLocks noGrp="1"/>
           </p:cNvSpPr>
@@ -1592,343 +1588,11 @@
               </a:spcAft>
               <a:buNone/>
             </a:pPr>
-            <a:endParaRPr dirty="0"/>
-          </a:p>
-        </p:txBody>
-      </p:sp>
-    </p:spTree>
-    <p:extLst>
-      <p:ext uri="{BB962C8B-B14F-4D97-AF65-F5344CB8AC3E}">
-        <p14:creationId xmlns:p14="http://schemas.microsoft.com/office/powerpoint/2010/main" val="2010258590"/>
-      </p:ext>
-    </p:extLst>
-  </p:cSld>
-  <p:clrMapOvr>
-    <a:masterClrMapping/>
-  </p:clrMapOvr>
-</p:notes>
-</file>
-
-<file path=ppt/notesSlides/notesSlide17.xml><?xml version="1.0" encoding="utf-8"?>
-<p:notes xmlns:a="http://schemas.openxmlformats.org/drawingml/2006/main" xmlns:r="http://schemas.openxmlformats.org/officeDocument/2006/relationships" xmlns:p="http://schemas.openxmlformats.org/presentationml/2006/main" showMasterSp="0" showMasterPhAnim="0">
-  <p:cSld>
-    <p:spTree>
-      <p:nvGrpSpPr>
-        <p:cNvPr id="1" name="Shape 106"/>
-        <p:cNvGrpSpPr/>
-        <p:nvPr/>
-      </p:nvGrpSpPr>
-      <p:grpSpPr>
-        <a:xfrm>
-          <a:off x="0" y="0"/>
-          <a:ext cx="0" cy="0"/>
-          <a:chOff x="0" y="0"/>
-          <a:chExt cx="0" cy="0"/>
-        </a:xfrm>
-      </p:grpSpPr>
-      <p:sp>
-        <p:nvSpPr>
-          <p:cNvPr id="107" name="Google Shape;107;g3606f1c2d_30:notes"/>
-          <p:cNvSpPr>
-            <a:spLocks noGrp="1" noRot="1" noChangeAspect="1"/>
-          </p:cNvSpPr>
-          <p:nvPr>
-            <p:ph type="sldImg" idx="2"/>
-          </p:nvPr>
-        </p:nvSpPr>
-        <p:spPr>
-          <a:xfrm>
-            <a:off x="381000" y="685800"/>
-            <a:ext cx="6096000" cy="3429000"/>
-          </a:xfrm>
-          <a:custGeom>
-            <a:avLst/>
-            <a:gdLst/>
-            <a:ahLst/>
-            <a:cxnLst/>
-            <a:rect l="l" t="t" r="r" b="b"/>
-            <a:pathLst>
-              <a:path w="120000" h="120000" extrusionOk="0">
-                <a:moveTo>
-                  <a:pt x="0" y="0"/>
-                </a:moveTo>
-                <a:lnTo>
-                  <a:pt x="120000" y="0"/>
-                </a:lnTo>
-                <a:lnTo>
-                  <a:pt x="120000" y="120000"/>
-                </a:lnTo>
-                <a:lnTo>
-                  <a:pt x="0" y="120000"/>
-                </a:lnTo>
-                <a:close/>
-              </a:path>
-            </a:pathLst>
-          </a:custGeom>
-        </p:spPr>
-      </p:sp>
-      <p:sp>
-        <p:nvSpPr>
-          <p:cNvPr id="108" name="Google Shape;108;g3606f1c2d_30:notes"/>
-          <p:cNvSpPr txBox="1">
-            <a:spLocks noGrp="1"/>
-          </p:cNvSpPr>
-          <p:nvPr>
-            <p:ph type="body" idx="1"/>
-          </p:nvPr>
-        </p:nvSpPr>
-        <p:spPr>
-          <a:xfrm>
-            <a:off x="685800" y="4343400"/>
-            <a:ext cx="5486400" cy="4114800"/>
-          </a:xfrm>
-          <a:prstGeom prst="rect">
-            <a:avLst/>
-          </a:prstGeom>
-        </p:spPr>
-        <p:txBody>
-          <a:bodyPr spcFirstLastPara="1" wrap="square" lIns="91425" tIns="91425" rIns="91425" bIns="91425" anchor="t" anchorCtr="0">
-            <a:noAutofit/>
-          </a:bodyPr>
-          <a:lstStyle/>
-          <a:p>
-            <a:pPr marL="0" lvl="0" indent="0" algn="l" rtl="0">
-              <a:spcBef>
-                <a:spcPts val="0"/>
-              </a:spcBef>
-              <a:spcAft>
-                <a:spcPts val="0"/>
-              </a:spcAft>
-              <a:buNone/>
-            </a:pPr>
-            <a:endParaRPr dirty="0"/>
-          </a:p>
-        </p:txBody>
-      </p:sp>
-    </p:spTree>
-    <p:extLst>
-      <p:ext uri="{BB962C8B-B14F-4D97-AF65-F5344CB8AC3E}">
-        <p14:creationId xmlns:p14="http://schemas.microsoft.com/office/powerpoint/2010/main" val="1843555734"/>
-      </p:ext>
-    </p:extLst>
-  </p:cSld>
-  <p:clrMapOvr>
-    <a:masterClrMapping/>
-  </p:clrMapOvr>
-</p:notes>
-</file>
-
-<file path=ppt/notesSlides/notesSlide18.xml><?xml version="1.0" encoding="utf-8"?>
-<p:notes xmlns:a="http://schemas.openxmlformats.org/drawingml/2006/main" xmlns:r="http://schemas.openxmlformats.org/officeDocument/2006/relationships" xmlns:p="http://schemas.openxmlformats.org/presentationml/2006/main" showMasterSp="0" showMasterPhAnim="0">
-  <p:cSld>
-    <p:spTree>
-      <p:nvGrpSpPr>
-        <p:cNvPr id="1" name="Shape 123"/>
-        <p:cNvGrpSpPr/>
-        <p:nvPr/>
-      </p:nvGrpSpPr>
-      <p:grpSpPr>
-        <a:xfrm>
-          <a:off x="0" y="0"/>
-          <a:ext cx="0" cy="0"/>
-          <a:chOff x="0" y="0"/>
-          <a:chExt cx="0" cy="0"/>
-        </a:xfrm>
-      </p:grpSpPr>
-      <p:sp>
-        <p:nvSpPr>
-          <p:cNvPr id="124" name="Google Shape;124;g35f391192_029:notes"/>
-          <p:cNvSpPr>
-            <a:spLocks noGrp="1" noRot="1" noChangeAspect="1"/>
-          </p:cNvSpPr>
-          <p:nvPr>
-            <p:ph type="sldImg" idx="2"/>
-          </p:nvPr>
-        </p:nvSpPr>
-        <p:spPr>
-          <a:xfrm>
-            <a:off x="381000" y="685800"/>
-            <a:ext cx="6096000" cy="3429000"/>
-          </a:xfrm>
-          <a:custGeom>
-            <a:avLst/>
-            <a:gdLst/>
-            <a:ahLst/>
-            <a:cxnLst/>
-            <a:rect l="l" t="t" r="r" b="b"/>
-            <a:pathLst>
-              <a:path w="120000" h="120000" extrusionOk="0">
-                <a:moveTo>
-                  <a:pt x="0" y="0"/>
-                </a:moveTo>
-                <a:lnTo>
-                  <a:pt x="120000" y="0"/>
-                </a:lnTo>
-                <a:lnTo>
-                  <a:pt x="120000" y="120000"/>
-                </a:lnTo>
-                <a:lnTo>
-                  <a:pt x="0" y="120000"/>
-                </a:lnTo>
-                <a:close/>
-              </a:path>
-            </a:pathLst>
-          </a:custGeom>
-        </p:spPr>
-      </p:sp>
-      <p:sp>
-        <p:nvSpPr>
-          <p:cNvPr id="125" name="Google Shape;125;g35f391192_029:notes"/>
-          <p:cNvSpPr txBox="1">
-            <a:spLocks noGrp="1"/>
-          </p:cNvSpPr>
-          <p:nvPr>
-            <p:ph type="body" idx="1"/>
-          </p:nvPr>
-        </p:nvSpPr>
-        <p:spPr>
-          <a:xfrm>
-            <a:off x="685800" y="4343400"/>
-            <a:ext cx="5486400" cy="4114800"/>
-          </a:xfrm>
-          <a:prstGeom prst="rect">
-            <a:avLst/>
-          </a:prstGeom>
-        </p:spPr>
-        <p:txBody>
-          <a:bodyPr spcFirstLastPara="1" wrap="square" lIns="91425" tIns="91425" rIns="91425" bIns="91425" anchor="t" anchorCtr="0">
-            <a:noAutofit/>
-          </a:bodyPr>
-          <a:lstStyle/>
-          <a:p>
-            <a:pPr marL="0" lvl="0" indent="0" algn="l" rtl="0">
-              <a:spcBef>
-                <a:spcPts val="0"/>
-              </a:spcBef>
-              <a:spcAft>
-                <a:spcPts val="0"/>
-              </a:spcAft>
-              <a:buNone/>
-            </a:pPr>
             <a:endParaRPr/>
           </a:p>
         </p:txBody>
       </p:sp>
     </p:spTree>
-    <p:extLst>
-      <p:ext uri="{BB962C8B-B14F-4D97-AF65-F5344CB8AC3E}">
-        <p14:creationId xmlns:p14="http://schemas.microsoft.com/office/powerpoint/2010/main" val="4178651437"/>
-      </p:ext>
-    </p:extLst>
-  </p:cSld>
-  <p:clrMapOvr>
-    <a:masterClrMapping/>
-  </p:clrMapOvr>
-</p:notes>
-</file>
-
-<file path=ppt/notesSlides/notesSlide19.xml><?xml version="1.0" encoding="utf-8"?>
-<p:notes xmlns:a="http://schemas.openxmlformats.org/drawingml/2006/main" xmlns:r="http://schemas.openxmlformats.org/officeDocument/2006/relationships" xmlns:p="http://schemas.openxmlformats.org/presentationml/2006/main" showMasterSp="0" showMasterPhAnim="0">
-  <p:cSld>
-    <p:spTree>
-      <p:nvGrpSpPr>
-        <p:cNvPr id="1" name="Shape 106"/>
-        <p:cNvGrpSpPr/>
-        <p:nvPr/>
-      </p:nvGrpSpPr>
-      <p:grpSpPr>
-        <a:xfrm>
-          <a:off x="0" y="0"/>
-          <a:ext cx="0" cy="0"/>
-          <a:chOff x="0" y="0"/>
-          <a:chExt cx="0" cy="0"/>
-        </a:xfrm>
-      </p:grpSpPr>
-      <p:sp>
-        <p:nvSpPr>
-          <p:cNvPr id="107" name="Google Shape;107;g3606f1c2d_30:notes"/>
-          <p:cNvSpPr>
-            <a:spLocks noGrp="1" noRot="1" noChangeAspect="1"/>
-          </p:cNvSpPr>
-          <p:nvPr>
-            <p:ph type="sldImg" idx="2"/>
-          </p:nvPr>
-        </p:nvSpPr>
-        <p:spPr>
-          <a:xfrm>
-            <a:off x="381000" y="685800"/>
-            <a:ext cx="6096000" cy="3429000"/>
-          </a:xfrm>
-          <a:custGeom>
-            <a:avLst/>
-            <a:gdLst/>
-            <a:ahLst/>
-            <a:cxnLst/>
-            <a:rect l="l" t="t" r="r" b="b"/>
-            <a:pathLst>
-              <a:path w="120000" h="120000" extrusionOk="0">
-                <a:moveTo>
-                  <a:pt x="0" y="0"/>
-                </a:moveTo>
-                <a:lnTo>
-                  <a:pt x="120000" y="0"/>
-                </a:lnTo>
-                <a:lnTo>
-                  <a:pt x="120000" y="120000"/>
-                </a:lnTo>
-                <a:lnTo>
-                  <a:pt x="0" y="120000"/>
-                </a:lnTo>
-                <a:close/>
-              </a:path>
-            </a:pathLst>
-          </a:custGeom>
-        </p:spPr>
-      </p:sp>
-      <p:sp>
-        <p:nvSpPr>
-          <p:cNvPr id="108" name="Google Shape;108;g3606f1c2d_30:notes"/>
-          <p:cNvSpPr txBox="1">
-            <a:spLocks noGrp="1"/>
-          </p:cNvSpPr>
-          <p:nvPr>
-            <p:ph type="body" idx="1"/>
-          </p:nvPr>
-        </p:nvSpPr>
-        <p:spPr>
-          <a:xfrm>
-            <a:off x="685800" y="4343400"/>
-            <a:ext cx="5486400" cy="4114800"/>
-          </a:xfrm>
-          <a:prstGeom prst="rect">
-            <a:avLst/>
-          </a:prstGeom>
-        </p:spPr>
-        <p:txBody>
-          <a:bodyPr spcFirstLastPara="1" wrap="square" lIns="91425" tIns="91425" rIns="91425" bIns="91425" anchor="t" anchorCtr="0">
-            <a:noAutofit/>
-          </a:bodyPr>
-          <a:lstStyle/>
-          <a:p>
-            <a:pPr marL="0" lvl="0" indent="0" algn="l" rtl="0">
-              <a:spcBef>
-                <a:spcPts val="0"/>
-              </a:spcBef>
-              <a:spcAft>
-                <a:spcPts val="0"/>
-              </a:spcAft>
-              <a:buNone/>
-            </a:pPr>
-            <a:endParaRPr/>
-          </a:p>
-        </p:txBody>
-      </p:sp>
-    </p:spTree>
-    <p:extLst>
-      <p:ext uri="{BB962C8B-B14F-4D97-AF65-F5344CB8AC3E}">
-        <p14:creationId xmlns:p14="http://schemas.microsoft.com/office/powerpoint/2010/main" val="2380756454"/>
-      </p:ext>
-    </p:extLst>
   </p:cSld>
   <p:clrMapOvr>
     <a:masterClrMapping/>
@@ -2038,110 +1702,6 @@
         <p14:creationId xmlns:p14="http://schemas.microsoft.com/office/powerpoint/2010/main" val="1586926314"/>
       </p:ext>
     </p:extLst>
-  </p:cSld>
-  <p:clrMapOvr>
-    <a:masterClrMapping/>
-  </p:clrMapOvr>
-</p:notes>
-</file>
-
-<file path=ppt/notesSlides/notesSlide20.xml><?xml version="1.0" encoding="utf-8"?>
-<p:notes xmlns:a="http://schemas.openxmlformats.org/drawingml/2006/main" xmlns:r="http://schemas.openxmlformats.org/officeDocument/2006/relationships" xmlns:p="http://schemas.openxmlformats.org/presentationml/2006/main" showMasterSp="0" showMasterPhAnim="0">
-  <p:cSld>
-    <p:spTree>
-      <p:nvGrpSpPr>
-        <p:cNvPr id="1" name="Shape 300"/>
-        <p:cNvGrpSpPr/>
-        <p:nvPr/>
-      </p:nvGrpSpPr>
-      <p:grpSpPr>
-        <a:xfrm>
-          <a:off x="0" y="0"/>
-          <a:ext cx="0" cy="0"/>
-          <a:chOff x="0" y="0"/>
-          <a:chExt cx="0" cy="0"/>
-        </a:xfrm>
-      </p:grpSpPr>
-      <p:sp>
-        <p:nvSpPr>
-          <p:cNvPr id="301" name="Google Shape;301;g35ed75ccf_022:notes"/>
-          <p:cNvSpPr>
-            <a:spLocks noGrp="1" noRot="1" noChangeAspect="1"/>
-          </p:cNvSpPr>
-          <p:nvPr>
-            <p:ph type="sldImg" idx="2"/>
-          </p:nvPr>
-        </p:nvSpPr>
-        <p:spPr>
-          <a:xfrm>
-            <a:off x="381000" y="685800"/>
-            <a:ext cx="6096000" cy="3429000"/>
-          </a:xfrm>
-          <a:custGeom>
-            <a:avLst/>
-            <a:gdLst/>
-            <a:ahLst/>
-            <a:cxnLst/>
-            <a:rect l="l" t="t" r="r" b="b"/>
-            <a:pathLst>
-              <a:path w="120000" h="120000" extrusionOk="0">
-                <a:moveTo>
-                  <a:pt x="0" y="0"/>
-                </a:moveTo>
-                <a:lnTo>
-                  <a:pt x="120000" y="0"/>
-                </a:lnTo>
-                <a:lnTo>
-                  <a:pt x="120000" y="120000"/>
-                </a:lnTo>
-                <a:lnTo>
-                  <a:pt x="0" y="120000"/>
-                </a:lnTo>
-                <a:close/>
-              </a:path>
-            </a:pathLst>
-          </a:custGeom>
-        </p:spPr>
-      </p:sp>
-      <p:sp>
-        <p:nvSpPr>
-          <p:cNvPr id="302" name="Google Shape;302;g35ed75ccf_022:notes"/>
-          <p:cNvSpPr txBox="1">
-            <a:spLocks noGrp="1"/>
-          </p:cNvSpPr>
-          <p:nvPr>
-            <p:ph type="body" idx="1"/>
-          </p:nvPr>
-        </p:nvSpPr>
-        <p:spPr>
-          <a:xfrm>
-            <a:off x="685800" y="4343400"/>
-            <a:ext cx="5486400" cy="4114800"/>
-          </a:xfrm>
-          <a:prstGeom prst="rect">
-            <a:avLst/>
-          </a:prstGeom>
-        </p:spPr>
-        <p:txBody>
-          <a:bodyPr spcFirstLastPara="1" wrap="square" lIns="91425" tIns="91425" rIns="91425" bIns="91425" anchor="t" anchorCtr="0">
-            <a:noAutofit/>
-          </a:bodyPr>
-          <a:lstStyle/>
-          <a:p>
-            <a:pPr marL="0" lvl="0" indent="0" algn="l" rtl="0">
-              <a:spcBef>
-                <a:spcPts val="0"/>
-              </a:spcBef>
-              <a:spcAft>
-                <a:spcPts val="0"/>
-              </a:spcAft>
-              <a:buNone/>
-            </a:pPr>
-            <a:endParaRPr/>
-          </a:p>
-        </p:txBody>
-      </p:sp>
-    </p:spTree>
   </p:cSld>
   <p:clrMapOvr>
     <a:masterClrMapping/>
@@ -6241,18 +5801,24 @@
           </a:bodyPr>
           <a:lstStyle/>
           <a:p>
-            <a:pPr marL="0" lvl="0" indent="0" algn="l" rtl="0">
-              <a:spcBef>
-                <a:spcPts val="0"/>
-              </a:spcBef>
-              <a:spcAft>
-                <a:spcPts val="0"/>
-              </a:spcAft>
-              <a:buNone/>
-            </a:pPr>
+            <a:pPr lvl="0"/>
             <a:br>
               <a:rPr lang="en-US" dirty="0"/>
             </a:br>
+            <a:r>
+              <a:rPr lang="en-US" altLang="ko-KR" sz="4800" dirty="0">
+                <a:latin typeface="a옛날목욕탕L" panose="02020600000000000000" pitchFamily="18" charset="-127"/>
+                <a:ea typeface="a옛날목욕탕L" panose="02020600000000000000" pitchFamily="18" charset="-127"/>
+              </a:rPr>
+              <a:t>3</a:t>
+            </a:r>
+            <a:r>
+              <a:rPr lang="ko-KR" altLang="en-US" sz="4800" dirty="0">
+                <a:latin typeface="a옛날목욕탕L" panose="02020600000000000000" pitchFamily="18" charset="-127"/>
+                <a:ea typeface="a옛날목욕탕L" panose="02020600000000000000" pitchFamily="18" charset="-127"/>
+              </a:rPr>
+              <a:t>조 </a:t>
+            </a:r>
             <a:r>
               <a:rPr lang="en-US" sz="4800" dirty="0">
                 <a:latin typeface="a옛날목욕탕L" panose="02020600000000000000" pitchFamily="18" charset="-127"/>
@@ -6446,6 +6012,202 @@
           </a:prstGeom>
         </p:spPr>
       </p:pic>
+      <p:sp>
+        <p:nvSpPr>
+          <p:cNvPr id="9" name="TextBox 8">
+            <a:extLst>
+              <a:ext uri="{FF2B5EF4-FFF2-40B4-BE49-F238E27FC236}">
+                <a16:creationId xmlns:a16="http://schemas.microsoft.com/office/drawing/2014/main" id="{FA45B23D-B7CF-448A-8920-FB41BCF1457C}"/>
+              </a:ext>
+            </a:extLst>
+          </p:cNvPr>
+          <p:cNvSpPr txBox="1"/>
+          <p:nvPr/>
+        </p:nvSpPr>
+        <p:spPr>
+          <a:xfrm>
+            <a:off x="7514694" y="42228"/>
+            <a:ext cx="1767191" cy="2536848"/>
+          </a:xfrm>
+          <a:prstGeom prst="rect">
+            <a:avLst/>
+          </a:prstGeom>
+          <a:noFill/>
+        </p:spPr>
+        <p:txBody>
+          <a:bodyPr wrap="square" rtlCol="0">
+            <a:spAutoFit/>
+          </a:bodyPr>
+          <a:lstStyle/>
+          <a:p>
+            <a:pPr algn="ctr">
+              <a:lnSpc>
+                <a:spcPct val="150000"/>
+              </a:lnSpc>
+            </a:pPr>
+            <a:r>
+              <a:rPr lang="ko-KR" altLang="en-US" sz="1800" dirty="0">
+                <a:solidFill>
+                  <a:schemeClr val="bg1"/>
+                </a:solidFill>
+                <a:latin typeface="a옛날목욕탕L" panose="02020600000000000000" pitchFamily="18" charset="-127"/>
+                <a:ea typeface="a옛날목욕탕L" panose="02020600000000000000" pitchFamily="18" charset="-127"/>
+              </a:rPr>
+              <a:t>허 훈 </a:t>
+            </a:r>
+            <a:r>
+              <a:rPr lang="en-US" altLang="ko-KR" sz="1800" dirty="0">
+                <a:solidFill>
+                  <a:schemeClr val="bg1"/>
+                </a:solidFill>
+                <a:latin typeface="a옛날목욕탕L" panose="02020600000000000000" pitchFamily="18" charset="-127"/>
+                <a:ea typeface="a옛날목욕탕L" panose="02020600000000000000" pitchFamily="18" charset="-127"/>
+              </a:rPr>
+              <a:t>(</a:t>
+            </a:r>
+            <a:r>
+              <a:rPr lang="ko-KR" altLang="en-US" sz="1800" dirty="0">
+                <a:solidFill>
+                  <a:schemeClr val="bg1"/>
+                </a:solidFill>
+                <a:latin typeface="a옛날목욕탕L" panose="02020600000000000000" pitchFamily="18" charset="-127"/>
+                <a:ea typeface="a옛날목욕탕L" panose="02020600000000000000" pitchFamily="18" charset="-127"/>
+              </a:rPr>
+              <a:t>팀장</a:t>
+            </a:r>
+            <a:r>
+              <a:rPr lang="en-US" altLang="ko-KR" sz="1800" dirty="0">
+                <a:solidFill>
+                  <a:schemeClr val="bg1"/>
+                </a:solidFill>
+                <a:latin typeface="a옛날목욕탕L" panose="02020600000000000000" pitchFamily="18" charset="-127"/>
+                <a:ea typeface="a옛날목욕탕L" panose="02020600000000000000" pitchFamily="18" charset="-127"/>
+              </a:rPr>
+              <a:t>)</a:t>
+            </a:r>
+          </a:p>
+          <a:p>
+            <a:pPr algn="ctr">
+              <a:lnSpc>
+                <a:spcPct val="150000"/>
+              </a:lnSpc>
+            </a:pPr>
+            <a:r>
+              <a:rPr lang="ko-KR" altLang="en-US" sz="1800" dirty="0">
+                <a:solidFill>
+                  <a:schemeClr val="bg1"/>
+                </a:solidFill>
+                <a:latin typeface="a옛날목욕탕L" panose="02020600000000000000" pitchFamily="18" charset="-127"/>
+                <a:ea typeface="a옛날목욕탕L" panose="02020600000000000000" pitchFamily="18" charset="-127"/>
+              </a:rPr>
+              <a:t>고용규</a:t>
+            </a:r>
+            <a:endParaRPr lang="en-US" altLang="ko-KR" sz="1800" dirty="0">
+              <a:solidFill>
+                <a:schemeClr val="bg1"/>
+              </a:solidFill>
+              <a:latin typeface="a옛날목욕탕L" panose="02020600000000000000" pitchFamily="18" charset="-127"/>
+              <a:ea typeface="a옛날목욕탕L" panose="02020600000000000000" pitchFamily="18" charset="-127"/>
+            </a:endParaRPr>
+          </a:p>
+          <a:p>
+            <a:pPr algn="ctr">
+              <a:lnSpc>
+                <a:spcPct val="150000"/>
+              </a:lnSpc>
+            </a:pPr>
+            <a:r>
+              <a:rPr lang="ko-KR" altLang="en-US" sz="1800" dirty="0">
+                <a:solidFill>
+                  <a:schemeClr val="bg1"/>
+                </a:solidFill>
+                <a:latin typeface="a옛날목욕탕L" panose="02020600000000000000" pitchFamily="18" charset="-127"/>
+                <a:ea typeface="a옛날목욕탕L" panose="02020600000000000000" pitchFamily="18" charset="-127"/>
+              </a:rPr>
+              <a:t>고도현</a:t>
+            </a:r>
+            <a:endParaRPr lang="en-US" altLang="ko-KR" sz="1800" dirty="0">
+              <a:solidFill>
+                <a:schemeClr val="bg1"/>
+              </a:solidFill>
+              <a:latin typeface="a옛날목욕탕L" panose="02020600000000000000" pitchFamily="18" charset="-127"/>
+              <a:ea typeface="a옛날목욕탕L" panose="02020600000000000000" pitchFamily="18" charset="-127"/>
+            </a:endParaRPr>
+          </a:p>
+          <a:p>
+            <a:pPr algn="ctr">
+              <a:lnSpc>
+                <a:spcPct val="150000"/>
+              </a:lnSpc>
+            </a:pPr>
+            <a:r>
+              <a:rPr lang="ko-KR" altLang="en-US" sz="1800" dirty="0">
+                <a:solidFill>
+                  <a:schemeClr val="bg1"/>
+                </a:solidFill>
+                <a:latin typeface="a옛날목욕탕L" panose="02020600000000000000" pitchFamily="18" charset="-127"/>
+                <a:ea typeface="a옛날목욕탕L" panose="02020600000000000000" pitchFamily="18" charset="-127"/>
+              </a:rPr>
+              <a:t>김서연</a:t>
+            </a:r>
+            <a:endParaRPr lang="en-US" altLang="ko-KR" sz="1800" dirty="0">
+              <a:solidFill>
+                <a:schemeClr val="bg1"/>
+              </a:solidFill>
+              <a:latin typeface="a옛날목욕탕L" panose="02020600000000000000" pitchFamily="18" charset="-127"/>
+              <a:ea typeface="a옛날목욕탕L" panose="02020600000000000000" pitchFamily="18" charset="-127"/>
+            </a:endParaRPr>
+          </a:p>
+          <a:p>
+            <a:pPr algn="ctr">
+              <a:lnSpc>
+                <a:spcPct val="150000"/>
+              </a:lnSpc>
+            </a:pPr>
+            <a:r>
+              <a:rPr lang="ko-KR" altLang="en-US" sz="1800" dirty="0">
+                <a:solidFill>
+                  <a:schemeClr val="bg1"/>
+                </a:solidFill>
+                <a:latin typeface="a옛날목욕탕L" panose="02020600000000000000" pitchFamily="18" charset="-127"/>
+                <a:ea typeface="a옛날목욕탕L" panose="02020600000000000000" pitchFamily="18" charset="-127"/>
+              </a:rPr>
+              <a:t>이윤주</a:t>
+            </a:r>
+            <a:endParaRPr lang="en-US" altLang="ko-KR" sz="1800" dirty="0">
+              <a:solidFill>
+                <a:schemeClr val="bg1"/>
+              </a:solidFill>
+              <a:latin typeface="a옛날목욕탕L" panose="02020600000000000000" pitchFamily="18" charset="-127"/>
+              <a:ea typeface="a옛날목욕탕L" panose="02020600000000000000" pitchFamily="18" charset="-127"/>
+            </a:endParaRPr>
+          </a:p>
+          <a:p>
+            <a:pPr algn="ctr">
+              <a:lnSpc>
+                <a:spcPct val="150000"/>
+              </a:lnSpc>
+            </a:pPr>
+            <a:r>
+              <a:rPr lang="ko-KR" altLang="en-US" sz="1800" dirty="0" err="1">
+                <a:solidFill>
+                  <a:schemeClr val="bg1"/>
+                </a:solidFill>
+                <a:latin typeface="a옛날목욕탕L" panose="02020600000000000000" pitchFamily="18" charset="-127"/>
+                <a:ea typeface="a옛날목욕탕L" panose="02020600000000000000" pitchFamily="18" charset="-127"/>
+              </a:rPr>
+              <a:t>송무경</a:t>
+            </a:r>
+            <a:endParaRPr lang="en-US" altLang="ko-KR" sz="1800" dirty="0">
+              <a:solidFill>
+                <a:schemeClr val="bg1"/>
+              </a:solidFill>
+              <a:latin typeface="a옛날목욕탕L" panose="02020600000000000000" pitchFamily="18" charset="-127"/>
+              <a:ea typeface="a옛날목욕탕L" panose="02020600000000000000" pitchFamily="18" charset="-127"/>
+            </a:endParaRPr>
+          </a:p>
+        </p:txBody>
+      </p:sp>
     </p:spTree>
   </p:cSld>
   <p:clrMapOvr>
@@ -6503,59 +6265,12 @@
           </a:p>
         </p:txBody>
       </p:sp>
-      <p:sp>
-        <p:nvSpPr>
-          <p:cNvPr id="5" name="슬라이드 번호 개체 틀 4">
+      <p:graphicFrame>
+        <p:nvGraphicFramePr>
+          <p:cNvPr id="7" name="표 6">
             <a:extLst>
               <a:ext uri="{FF2B5EF4-FFF2-40B4-BE49-F238E27FC236}">
-                <a16:creationId xmlns:a16="http://schemas.microsoft.com/office/drawing/2014/main" id="{C506FD03-2C1B-4AD1-AD7D-2C9DA6EBA89B}"/>
-              </a:ext>
-            </a:extLst>
-          </p:cNvPr>
-          <p:cNvSpPr>
-            <a:spLocks noGrp="1"/>
-          </p:cNvSpPr>
-          <p:nvPr>
-            <p:ph type="sldNum" idx="12"/>
-          </p:nvPr>
-        </p:nvSpPr>
-        <p:spPr/>
-        <p:txBody>
-          <a:bodyPr/>
-          <a:lstStyle/>
-          <a:p>
-            <a:pPr marL="0" lvl="0" indent="0" algn="ctr" rtl="0">
-              <a:spcBef>
-                <a:spcPts val="0"/>
-              </a:spcBef>
-              <a:spcAft>
-                <a:spcPts val="0"/>
-              </a:spcAft>
-              <a:buNone/>
-            </a:pPr>
-            <a:fld id="{00000000-1234-1234-1234-123412341234}" type="slidenum">
-              <a:rPr lang="en" smtClean="0"/>
-              <a:pPr marL="0" lvl="0" indent="0" algn="ctr" rtl="0">
-                <a:spcBef>
-                  <a:spcPts val="0"/>
-                </a:spcBef>
-                <a:spcAft>
-                  <a:spcPts val="0"/>
-                </a:spcAft>
-                <a:buNone/>
-              </a:pPr>
-              <a:t>10</a:t>
-            </a:fld>
-            <a:endParaRPr lang="en"/>
-          </a:p>
-        </p:txBody>
-      </p:sp>
-      <p:graphicFrame>
-        <p:nvGraphicFramePr>
-          <p:cNvPr id="6" name="표 5">
-            <a:extLst>
-              <a:ext uri="{FF2B5EF4-FFF2-40B4-BE49-F238E27FC236}">
-                <a16:creationId xmlns:a16="http://schemas.microsoft.com/office/drawing/2014/main" id="{F15915AF-67B6-4149-8450-C11881822650}"/>
+                <a16:creationId xmlns:a16="http://schemas.microsoft.com/office/drawing/2014/main" id="{8CCB587A-DABA-418E-972B-44D368B53490}"/>
               </a:ext>
             </a:extLst>
           </p:cNvPr>
@@ -6565,14 +6280,14 @@
           <p:nvPr>
             <p:extLst>
               <p:ext uri="{D42A27DB-BD31-4B8C-83A1-F6EECF244321}">
-                <p14:modId xmlns:p14="http://schemas.microsoft.com/office/powerpoint/2010/main" val="1104980940"/>
+                <p14:modId xmlns:p14="http://schemas.microsoft.com/office/powerpoint/2010/main" val="4278008969"/>
               </p:ext>
             </p:extLst>
           </p:nvPr>
         </p:nvGraphicFramePr>
         <p:xfrm>
-          <a:off x="514541" y="2091040"/>
-          <a:ext cx="8114917" cy="1910080"/>
+          <a:off x="514541" y="1810821"/>
+          <a:ext cx="8114917" cy="2336800"/>
         </p:xfrm>
         <a:graphic>
           <a:graphicData uri="http://schemas.openxmlformats.org/drawingml/2006/table">
@@ -7062,6 +6777,10 @@
                         </a:rPr>
                         <a:t>텍스트의 점자 변환</a:t>
                       </a:r>
+                      <a:endParaRPr lang="en-US" altLang="ko-KR" sz="1100" dirty="0">
+                        <a:latin typeface="a옛날목욕탕L" panose="02020600000000000000" pitchFamily="18" charset="-127"/>
+                        <a:ea typeface="a옛날목욕탕L" panose="02020600000000000000" pitchFamily="18" charset="-127"/>
+                      </a:endParaRPr>
                     </a:p>
                   </a:txBody>
                   <a:tcPr anchor="ctr"/>
@@ -7077,14 +6796,14 @@
                           <a:latin typeface="a옛날목욕탕L" panose="02020600000000000000" pitchFamily="18" charset="-127"/>
                           <a:ea typeface="a옛날목욕탕L" panose="02020600000000000000" pitchFamily="18" charset="-127"/>
                         </a:rPr>
-                        <a:t>BEE Device</a:t>
+                        <a:t>BEE Application</a:t>
                       </a:r>
                       <a:r>
                         <a:rPr lang="ko-KR" altLang="en-US" sz="1100" dirty="0">
                           <a:latin typeface="a옛날목욕탕L" panose="02020600000000000000" pitchFamily="18" charset="-127"/>
                           <a:ea typeface="a옛날목욕탕L" panose="02020600000000000000" pitchFamily="18" charset="-127"/>
                         </a:rPr>
-                        <a:t>로부터 전달받은 데이터를</a:t>
+                        <a:t>으로부터 전달받은 텍스트를</a:t>
                       </a:r>
                       <a:endParaRPr lang="en-US" altLang="ko-KR" sz="1100" dirty="0">
                         <a:latin typeface="a옛날목욕탕L" panose="02020600000000000000" pitchFamily="18" charset="-127"/>
@@ -7163,10 +6882,204 @@
                   </a:ext>
                 </a:extLst>
               </a:tr>
+              <a:tr h="370840">
+                <a:tc>
+                  <a:txBody>
+                    <a:bodyPr/>
+                    <a:lstStyle/>
+                    <a:p>
+                      <a:pPr algn="ctr" latinLnBrk="1"/>
+                      <a:r>
+                        <a:rPr lang="en-US" altLang="ko-KR" sz="1100" dirty="0">
+                          <a:latin typeface="a옛날목욕탕L" panose="02020600000000000000" pitchFamily="18" charset="-127"/>
+                          <a:ea typeface="a옛날목욕탕L" panose="02020600000000000000" pitchFamily="18" charset="-127"/>
+                        </a:rPr>
+                        <a:t>5</a:t>
+                      </a:r>
+                      <a:endParaRPr lang="ko-KR" altLang="en-US" sz="1100" dirty="0">
+                        <a:latin typeface="a옛날목욕탕L" panose="02020600000000000000" pitchFamily="18" charset="-127"/>
+                        <a:ea typeface="a옛날목욕탕L" panose="02020600000000000000" pitchFamily="18" charset="-127"/>
+                      </a:endParaRPr>
+                    </a:p>
+                  </a:txBody>
+                  <a:tcPr anchor="ctr"/>
+                </a:tc>
+                <a:tc>
+                  <a:txBody>
+                    <a:bodyPr/>
+                    <a:lstStyle/>
+                    <a:p>
+                      <a:pPr algn="ctr" latinLnBrk="1"/>
+                      <a:r>
+                        <a:rPr lang="ko-KR" altLang="en-US" sz="1100" dirty="0">
+                          <a:latin typeface="a옛날목욕탕L" panose="02020600000000000000" pitchFamily="18" charset="-127"/>
+                          <a:ea typeface="a옛날목욕탕L" panose="02020600000000000000" pitchFamily="18" charset="-127"/>
+                        </a:rPr>
+                        <a:t>점자의 텍스트 변환</a:t>
+                      </a:r>
+                      <a:endParaRPr lang="en-US" altLang="ko-KR" sz="1100" dirty="0">
+                        <a:latin typeface="a옛날목욕탕L" panose="02020600000000000000" pitchFamily="18" charset="-127"/>
+                        <a:ea typeface="a옛날목욕탕L" panose="02020600000000000000" pitchFamily="18" charset="-127"/>
+                      </a:endParaRPr>
+                    </a:p>
+                  </a:txBody>
+                  <a:tcPr anchor="ctr"/>
+                </a:tc>
+                <a:tc>
+                  <a:txBody>
+                    <a:bodyPr/>
+                    <a:lstStyle/>
+                    <a:p>
+                      <a:pPr algn="ctr" latinLnBrk="1"/>
+                      <a:r>
+                        <a:rPr lang="en-US" altLang="ko-KR" sz="1100" dirty="0">
+                          <a:latin typeface="a옛날목욕탕L" panose="02020600000000000000" pitchFamily="18" charset="-127"/>
+                          <a:ea typeface="a옛날목욕탕L" panose="02020600000000000000" pitchFamily="18" charset="-127"/>
+                        </a:rPr>
+                        <a:t>BEE Device</a:t>
+                      </a:r>
+                      <a:r>
+                        <a:rPr lang="ko-KR" altLang="en-US" sz="1100" dirty="0">
+                          <a:latin typeface="a옛날목욕탕L" panose="02020600000000000000" pitchFamily="18" charset="-127"/>
+                          <a:ea typeface="a옛날목욕탕L" panose="02020600000000000000" pitchFamily="18" charset="-127"/>
+                        </a:rPr>
+                        <a:t>로부터 전달받은 점자</a:t>
+                      </a:r>
+                      <a:r>
+                        <a:rPr lang="en-US" altLang="ko-KR" sz="1100" dirty="0">
+                          <a:latin typeface="a옛날목욕탕L" panose="02020600000000000000" pitchFamily="18" charset="-127"/>
+                          <a:ea typeface="a옛날목욕탕L" panose="02020600000000000000" pitchFamily="18" charset="-127"/>
+                        </a:rPr>
+                        <a:t> </a:t>
+                      </a:r>
+                      <a:r>
+                        <a:rPr lang="ko-KR" altLang="en-US" sz="1100" dirty="0">
+                          <a:latin typeface="a옛날목욕탕L" panose="02020600000000000000" pitchFamily="18" charset="-127"/>
+                          <a:ea typeface="a옛날목욕탕L" panose="02020600000000000000" pitchFamily="18" charset="-127"/>
+                        </a:rPr>
+                        <a:t>정보를</a:t>
+                      </a:r>
+                      <a:endParaRPr lang="en-US" altLang="ko-KR" sz="1100" dirty="0">
+                        <a:latin typeface="a옛날목욕탕L" panose="02020600000000000000" pitchFamily="18" charset="-127"/>
+                        <a:ea typeface="a옛날목욕탕L" panose="02020600000000000000" pitchFamily="18" charset="-127"/>
+                      </a:endParaRPr>
+                    </a:p>
+                    <a:p>
+                      <a:pPr algn="ctr" latinLnBrk="1"/>
+                      <a:r>
+                        <a:rPr lang="ko-KR" altLang="en-US" sz="1100" dirty="0">
+                          <a:latin typeface="a옛날목욕탕L" panose="02020600000000000000" pitchFamily="18" charset="-127"/>
+                          <a:ea typeface="a옛날목욕탕L" panose="02020600000000000000" pitchFamily="18" charset="-127"/>
+                        </a:rPr>
+                        <a:t> 텍스트로 바꾸기 위한 기능 </a:t>
+                      </a:r>
+                    </a:p>
+                  </a:txBody>
+                  <a:tcPr anchor="ctr"/>
+                </a:tc>
+                <a:tc>
+                  <a:txBody>
+                    <a:bodyPr/>
+                    <a:lstStyle/>
+                    <a:p>
+                      <a:pPr marL="0" marR="0" lvl="0" indent="0" algn="ctr" defTabSz="914400" rtl="0" eaLnBrk="1" fontAlgn="auto" latinLnBrk="1" hangingPunct="1">
+                        <a:lnSpc>
+                          <a:spcPct val="100000"/>
+                        </a:lnSpc>
+                        <a:spcBef>
+                          <a:spcPts val="0"/>
+                        </a:spcBef>
+                        <a:spcAft>
+                          <a:spcPts val="0"/>
+                        </a:spcAft>
+                        <a:buClr>
+                          <a:srgbClr val="000000"/>
+                        </a:buClr>
+                        <a:buSzTx/>
+                        <a:buFont typeface="Arial"/>
+                        <a:buNone/>
+                        <a:tabLst/>
+                        <a:defRPr/>
+                      </a:pPr>
+                      <a:r>
+                        <a:rPr lang="en-US" altLang="ko-KR" sz="1100" dirty="0">
+                          <a:latin typeface="a옛날목욕탕L" panose="02020600000000000000" pitchFamily="18" charset="-127"/>
+                          <a:ea typeface="a옛날목욕탕L" panose="02020600000000000000" pitchFamily="18" charset="-127"/>
+                        </a:rPr>
+                        <a:t>braille_to_text.py</a:t>
+                      </a:r>
+                      <a:endParaRPr lang="ko-KR" altLang="en-US" sz="1100" dirty="0">
+                        <a:latin typeface="a옛날목욕탕L" panose="02020600000000000000" pitchFamily="18" charset="-127"/>
+                        <a:ea typeface="a옛날목욕탕L" panose="02020600000000000000" pitchFamily="18" charset="-127"/>
+                      </a:endParaRPr>
+                    </a:p>
+                  </a:txBody>
+                  <a:tcPr anchor="ctr"/>
+                </a:tc>
+                <a:extLst>
+                  <a:ext uri="{0D108BD9-81ED-4DB2-BD59-A6C34878D82A}">
+                    <a16:rowId xmlns:a16="http://schemas.microsoft.com/office/drawing/2014/main" val="3528021543"/>
+                  </a:ext>
+                </a:extLst>
+              </a:tr>
             </a:tbl>
           </a:graphicData>
         </a:graphic>
       </p:graphicFrame>
+      <p:sp>
+        <p:nvSpPr>
+          <p:cNvPr id="8" name="Google Shape;114;p14">
+            <a:extLst>
+              <a:ext uri="{FF2B5EF4-FFF2-40B4-BE49-F238E27FC236}">
+                <a16:creationId xmlns:a16="http://schemas.microsoft.com/office/drawing/2014/main" id="{9A993CE5-D656-4561-8FC6-54000DFD8017}"/>
+              </a:ext>
+            </a:extLst>
+          </p:cNvPr>
+          <p:cNvSpPr txBox="1">
+            <a:spLocks noGrp="1"/>
+          </p:cNvSpPr>
+          <p:nvPr>
+            <p:ph type="sldNum" idx="12"/>
+          </p:nvPr>
+        </p:nvSpPr>
+        <p:spPr>
+          <a:xfrm>
+            <a:off x="0" y="0"/>
+            <a:ext cx="594900" cy="731700"/>
+          </a:xfrm>
+          <a:prstGeom prst="rect">
+            <a:avLst/>
+          </a:prstGeom>
+        </p:spPr>
+        <p:txBody>
+          <a:bodyPr spcFirstLastPara="1" wrap="square" lIns="91425" tIns="91425" rIns="91425" bIns="91425" anchor="ctr" anchorCtr="0">
+            <a:noAutofit/>
+          </a:bodyPr>
+          <a:lstStyle/>
+          <a:p>
+            <a:pPr marL="0" lvl="0" indent="0" algn="ctr" rtl="0">
+              <a:spcBef>
+                <a:spcPts val="0"/>
+              </a:spcBef>
+              <a:spcAft>
+                <a:spcPts val="0"/>
+              </a:spcAft>
+              <a:buNone/>
+            </a:pPr>
+            <a:r>
+              <a:rPr lang="en-US" b="0" dirty="0">
+                <a:latin typeface="a옛날목욕탕L" panose="02020600000000000000" pitchFamily="18" charset="-127"/>
+                <a:ea typeface="a옛날목욕탕L" panose="02020600000000000000" pitchFamily="18" charset="-127"/>
+              </a:rPr>
+              <a:t>2</a:t>
+            </a:r>
+            <a:endParaRPr b="0" dirty="0">
+              <a:latin typeface="a옛날목욕탕L" panose="02020600000000000000" pitchFamily="18" charset="-127"/>
+              <a:ea typeface="a옛날목욕탕L" panose="02020600000000000000" pitchFamily="18" charset="-127"/>
+            </a:endParaRPr>
+          </a:p>
+        </p:txBody>
+      </p:sp>
     </p:spTree>
     <p:extLst>
       <p:ext uri="{BB962C8B-B14F-4D97-AF65-F5344CB8AC3E}">
@@ -7211,8 +7124,8 @@
         </p:nvSpPr>
         <p:spPr>
           <a:xfrm>
-            <a:off x="3946897" y="1944857"/>
-            <a:ext cx="2373517" cy="2034330"/>
+            <a:off x="3785980" y="2022451"/>
+            <a:ext cx="2034331" cy="1917788"/>
           </a:xfrm>
           <a:prstGeom prst="roundRect">
             <a:avLst/>
@@ -7296,54 +7209,6 @@
           </a:p>
         </p:txBody>
       </p:sp>
-      <p:sp>
-        <p:nvSpPr>
-          <p:cNvPr id="114" name="Google Shape;114;p14"/>
-          <p:cNvSpPr txBox="1">
-            <a:spLocks noGrp="1"/>
-          </p:cNvSpPr>
-          <p:nvPr>
-            <p:ph type="sldNum" idx="12"/>
-          </p:nvPr>
-        </p:nvSpPr>
-        <p:spPr>
-          <a:xfrm>
-            <a:off x="0" y="0"/>
-            <a:ext cx="594900" cy="731700"/>
-          </a:xfrm>
-          <a:prstGeom prst="rect">
-            <a:avLst/>
-          </a:prstGeom>
-        </p:spPr>
-        <p:txBody>
-          <a:bodyPr spcFirstLastPara="1" wrap="square" lIns="91425" tIns="91425" rIns="91425" bIns="91425" anchor="ctr" anchorCtr="0">
-            <a:noAutofit/>
-          </a:bodyPr>
-          <a:lstStyle/>
-          <a:p>
-            <a:pPr marL="0" lvl="0" indent="0" algn="ctr" rtl="0">
-              <a:spcBef>
-                <a:spcPts val="0"/>
-              </a:spcBef>
-              <a:spcAft>
-                <a:spcPts val="0"/>
-              </a:spcAft>
-              <a:buNone/>
-            </a:pPr>
-            <a:r>
-              <a:rPr lang="en-US" b="0" dirty="0">
-                <a:latin typeface="a옛날목욕탕L" panose="02020600000000000000" pitchFamily="18" charset="-127"/>
-                <a:ea typeface="a옛날목욕탕L" panose="02020600000000000000" pitchFamily="18" charset="-127"/>
-              </a:rPr>
-              <a:t>0</a:t>
-            </a:r>
-            <a:endParaRPr b="0" dirty="0">
-              <a:latin typeface="a옛날목욕탕L" panose="02020600000000000000" pitchFamily="18" charset="-127"/>
-              <a:ea typeface="a옛날목욕탕L" panose="02020600000000000000" pitchFamily="18" charset="-127"/>
-            </a:endParaRPr>
-          </a:p>
-        </p:txBody>
-      </p:sp>
       <p:pic>
         <p:nvPicPr>
           <p:cNvPr id="12" name="그림 11">
@@ -7372,7 +7237,7 @@
         </p:blipFill>
         <p:spPr>
           <a:xfrm>
-            <a:off x="131568" y="1966832"/>
+            <a:off x="-129509" y="2019799"/>
             <a:ext cx="1923092" cy="1923092"/>
           </a:xfrm>
           <a:prstGeom prst="rect">
@@ -7408,8 +7273,8 @@
         </p:blipFill>
         <p:spPr>
           <a:xfrm>
-            <a:off x="3382053" y="1251629"/>
-            <a:ext cx="1541644" cy="1541644"/>
+            <a:off x="3331403" y="1413022"/>
+            <a:ext cx="1324945" cy="1324945"/>
           </a:xfrm>
           <a:prstGeom prst="rect">
             <a:avLst/>
@@ -7444,8 +7309,8 @@
         </p:blipFill>
         <p:spPr>
           <a:xfrm>
-            <a:off x="7032126" y="1966832"/>
-            <a:ext cx="2034330" cy="2034330"/>
+            <a:off x="7377502" y="2336673"/>
+            <a:ext cx="1587720" cy="1587720"/>
           </a:xfrm>
           <a:prstGeom prst="rect">
             <a:avLst/>
@@ -7474,8 +7339,8 @@
         </p:blipFill>
         <p:spPr>
           <a:xfrm>
-            <a:off x="4152875" y="1966832"/>
-            <a:ext cx="2034330" cy="2034330"/>
+            <a:off x="3944231" y="2106671"/>
+            <a:ext cx="1749348" cy="1749348"/>
           </a:xfrm>
           <a:prstGeom prst="rect">
             <a:avLst/>
@@ -7498,8 +7363,8 @@
         </p:nvCxnSpPr>
         <p:spPr>
           <a:xfrm>
-            <a:off x="2197510" y="2756402"/>
-            <a:ext cx="1184543" cy="0"/>
+            <a:off x="1592826" y="2756402"/>
+            <a:ext cx="1789227" cy="0"/>
           </a:xfrm>
           <a:prstGeom prst="straightConnector1">
             <a:avLst/>
@@ -7540,8 +7405,8 @@
         </p:nvSpPr>
         <p:spPr>
           <a:xfrm>
-            <a:off x="1794867" y="2457922"/>
-            <a:ext cx="1846980" cy="261610"/>
+            <a:off x="1379457" y="2141632"/>
+            <a:ext cx="2279791" cy="507831"/>
           </a:xfrm>
           <a:prstGeom prst="rect">
             <a:avLst/>
@@ -7555,10 +7420,80 @@
           <a:lstStyle/>
           <a:p>
             <a:r>
-              <a:rPr lang="en-US" altLang="ko-KR" sz="1100" dirty="0"/>
-              <a:t>Ec2_address/user/validate</a:t>
-            </a:r>
-            <a:endParaRPr lang="ko-KR" altLang="en-US" sz="1100" dirty="0"/>
+              <a:rPr lang="en-US" altLang="ko-KR" sz="900" dirty="0">
+                <a:latin typeface="a옛날목욕탕L" panose="02020600000000000000" pitchFamily="18" charset="-127"/>
+                <a:ea typeface="a옛날목욕탕L" panose="02020600000000000000" pitchFamily="18" charset="-127"/>
+              </a:rPr>
+              <a:t>POST</a:t>
+            </a:r>
+            <a:r>
+              <a:rPr lang="en-US" altLang="ko-KR" sz="900" b="1" dirty="0">
+                <a:latin typeface="a옛날목욕탕L" panose="02020600000000000000" pitchFamily="18" charset="-127"/>
+                <a:ea typeface="a옛날목욕탕L" panose="02020600000000000000" pitchFamily="18" charset="-127"/>
+              </a:rPr>
+              <a:t> ec2_address</a:t>
+            </a:r>
+            <a:r>
+              <a:rPr lang="en-US" altLang="ko-KR" sz="900" dirty="0">
+                <a:latin typeface="a옛날목욕탕L" panose="02020600000000000000" pitchFamily="18" charset="-127"/>
+                <a:ea typeface="a옛날목욕탕L" panose="02020600000000000000" pitchFamily="18" charset="-127"/>
+              </a:rPr>
+              <a:t>/user/validate</a:t>
+            </a:r>
+          </a:p>
+          <a:p>
+            <a:r>
+              <a:rPr lang="en-US" altLang="ko-KR" sz="900" dirty="0">
+                <a:latin typeface="a옛날목욕탕L" panose="02020600000000000000" pitchFamily="18" charset="-127"/>
+                <a:ea typeface="a옛날목욕탕L" panose="02020600000000000000" pitchFamily="18" charset="-127"/>
+              </a:rPr>
+              <a:t>POST</a:t>
+            </a:r>
+            <a:r>
+              <a:rPr lang="en-US" altLang="ko-KR" sz="900" b="1" dirty="0">
+                <a:latin typeface="a옛날목욕탕L" panose="02020600000000000000" pitchFamily="18" charset="-127"/>
+                <a:ea typeface="a옛날목욕탕L" panose="02020600000000000000" pitchFamily="18" charset="-127"/>
+              </a:rPr>
+              <a:t> ec2_address</a:t>
+            </a:r>
+            <a:r>
+              <a:rPr lang="en-US" altLang="ko-KR" sz="900" dirty="0">
+                <a:latin typeface="a옛날목욕탕L" panose="02020600000000000000" pitchFamily="18" charset="-127"/>
+                <a:ea typeface="a옛날목욕탕L" panose="02020600000000000000" pitchFamily="18" charset="-127"/>
+              </a:rPr>
+              <a:t>/user/register</a:t>
+            </a:r>
+            <a:endParaRPr lang="ko-KR" altLang="en-US" sz="900" dirty="0">
+              <a:latin typeface="a옛날목욕탕L" panose="02020600000000000000" pitchFamily="18" charset="-127"/>
+              <a:ea typeface="a옛날목욕탕L" panose="02020600000000000000" pitchFamily="18" charset="-127"/>
+            </a:endParaRPr>
+          </a:p>
+          <a:p>
+            <a:r>
+              <a:rPr lang="en-US" altLang="ko-KR" sz="900" dirty="0">
+                <a:latin typeface="a옛날목욕탕L" panose="02020600000000000000" pitchFamily="18" charset="-127"/>
+                <a:ea typeface="a옛날목욕탕L" panose="02020600000000000000" pitchFamily="18" charset="-127"/>
+              </a:rPr>
+              <a:t>POST</a:t>
+            </a:r>
+            <a:r>
+              <a:rPr lang="en-US" altLang="ko-KR" sz="900" b="1" dirty="0">
+                <a:latin typeface="a옛날목욕탕L" panose="02020600000000000000" pitchFamily="18" charset="-127"/>
+                <a:ea typeface="a옛날목욕탕L" panose="02020600000000000000" pitchFamily="18" charset="-127"/>
+              </a:rPr>
+              <a:t> ec2_address</a:t>
+            </a:r>
+            <a:r>
+              <a:rPr lang="en-US" altLang="ko-KR" sz="900" dirty="0">
+                <a:latin typeface="a옛날목욕탕L" panose="02020600000000000000" pitchFamily="18" charset="-127"/>
+                <a:ea typeface="a옛날목욕탕L" panose="02020600000000000000" pitchFamily="18" charset="-127"/>
+              </a:rPr>
+              <a:t>/user/login</a:t>
+            </a:r>
+            <a:endParaRPr lang="ko-KR" altLang="en-US" sz="900" dirty="0">
+              <a:latin typeface="a옛날목욕탕L" panose="02020600000000000000" pitchFamily="18" charset="-127"/>
+              <a:ea typeface="a옛날목욕탕L" panose="02020600000000000000" pitchFamily="18" charset="-127"/>
+            </a:endParaRPr>
           </a:p>
         </p:txBody>
       </p:sp>
@@ -7576,8 +7511,8 @@
         </p:nvSpPr>
         <p:spPr>
           <a:xfrm>
-            <a:off x="2174569" y="3478113"/>
-            <a:ext cx="1181734" cy="276999"/>
+            <a:off x="1912827" y="3485213"/>
+            <a:ext cx="1148071" cy="230832"/>
           </a:xfrm>
           <a:prstGeom prst="rect">
             <a:avLst/>
@@ -7591,10 +7526,16 @@
           <a:lstStyle/>
           <a:p>
             <a:r>
-              <a:rPr lang="en-US" altLang="ko-KR" sz="1200" dirty="0"/>
-              <a:t>response json </a:t>
-            </a:r>
-            <a:endParaRPr lang="ko-KR" altLang="en-US" sz="1200" dirty="0"/>
+              <a:rPr lang="en-US" altLang="ko-KR" sz="900" dirty="0">
+                <a:latin typeface="a옛날목욕탕L" panose="02020600000000000000" pitchFamily="18" charset="-127"/>
+                <a:ea typeface="a옛날목욕탕L" panose="02020600000000000000" pitchFamily="18" charset="-127"/>
+              </a:rPr>
+              <a:t>response JSON </a:t>
+            </a:r>
+            <a:endParaRPr lang="ko-KR" altLang="en-US" sz="900" dirty="0">
+              <a:latin typeface="a옛날목욕탕L" panose="02020600000000000000" pitchFamily="18" charset="-127"/>
+              <a:ea typeface="a옛날목욕탕L" panose="02020600000000000000" pitchFamily="18" charset="-127"/>
+            </a:endParaRPr>
           </a:p>
         </p:txBody>
       </p:sp>
@@ -7612,8 +7553,8 @@
         </p:nvSpPr>
         <p:spPr>
           <a:xfrm>
-            <a:off x="5129675" y="2135347"/>
-            <a:ext cx="3514104" cy="461665"/>
+            <a:off x="5899858" y="2188006"/>
+            <a:ext cx="2898550" cy="369332"/>
           </a:xfrm>
           <a:prstGeom prst="rect">
             <a:avLst/>
@@ -7627,32 +7568,49 @@
           <a:lstStyle/>
           <a:p>
             <a:r>
-              <a:rPr lang="en-US" altLang="ko-KR" sz="1200" dirty="0"/>
+              <a:rPr lang="en-US" altLang="ko-KR" sz="900" dirty="0">
+                <a:latin typeface="a옛날목욕탕L" panose="02020600000000000000" pitchFamily="18" charset="-127"/>
+                <a:ea typeface="a옛날목욕탕L" panose="02020600000000000000" pitchFamily="18" charset="-127"/>
+              </a:rPr>
               <a:t>SELECT </a:t>
             </a:r>
             <a:r>
-              <a:rPr lang="en-US" altLang="ko-KR" sz="1200" dirty="0" err="1"/>
+              <a:rPr lang="en-US" altLang="ko-KR" sz="900" dirty="0" err="1">
+                <a:latin typeface="a옛날목욕탕L" panose="02020600000000000000" pitchFamily="18" charset="-127"/>
+                <a:ea typeface="a옛날목욕탕L" panose="02020600000000000000" pitchFamily="18" charset="-127"/>
+              </a:rPr>
               <a:t>userID</a:t>
             </a:r>
             <a:r>
-              <a:rPr lang="en-US" altLang="ko-KR" sz="1200" dirty="0"/>
+              <a:rPr lang="en-US" altLang="ko-KR" sz="900" dirty="0">
+                <a:latin typeface="a옛날목욕탕L" panose="02020600000000000000" pitchFamily="18" charset="-127"/>
+                <a:ea typeface="a옛날목욕탕L" panose="02020600000000000000" pitchFamily="18" charset="-127"/>
+              </a:rPr>
               <a:t> from USER WHERE </a:t>
             </a:r>
             <a:r>
-              <a:rPr lang="en-US" altLang="ko-KR" sz="1200" dirty="0" err="1"/>
+              <a:rPr lang="en-US" altLang="ko-KR" sz="900" dirty="0" err="1">
+                <a:latin typeface="a옛날목욕탕L" panose="02020600000000000000" pitchFamily="18" charset="-127"/>
+                <a:ea typeface="a옛날목욕탕L" panose="02020600000000000000" pitchFamily="18" charset="-127"/>
+              </a:rPr>
               <a:t>userID</a:t>
             </a:r>
             <a:r>
-              <a:rPr lang="en-US" altLang="ko-KR" sz="1200" dirty="0"/>
+              <a:rPr lang="en-US" altLang="ko-KR" sz="900" dirty="0">
+                <a:latin typeface="a옛날목욕탕L" panose="02020600000000000000" pitchFamily="18" charset="-127"/>
+                <a:ea typeface="a옛날목욕탕L" panose="02020600000000000000" pitchFamily="18" charset="-127"/>
+              </a:rPr>
               <a:t> = ?;</a:t>
             </a:r>
           </a:p>
           <a:p>
             <a:r>
-              <a:rPr lang="en-US" altLang="ko-KR" sz="1200" dirty="0"/>
+              <a:rPr lang="en-US" altLang="ko-KR" sz="900" dirty="0">
+                <a:latin typeface="a옛날목욕탕L" panose="02020600000000000000" pitchFamily="18" charset="-127"/>
+                <a:ea typeface="a옛날목욕탕L" panose="02020600000000000000" pitchFamily="18" charset="-127"/>
+              </a:rPr>
               <a:t>INSERT INTO USER VALUES(?, ?, ?, ?);</a:t>
             </a:r>
-            <a:endParaRPr lang="ko-KR" altLang="en-US" sz="1200" dirty="0"/>
           </a:p>
         </p:txBody>
       </p:sp>
@@ -7670,8 +7628,8 @@
         </p:nvSpPr>
         <p:spPr>
           <a:xfrm>
-            <a:off x="6030052" y="3478113"/>
-            <a:ext cx="1625766" cy="276999"/>
+            <a:off x="5954236" y="3485213"/>
+            <a:ext cx="1451038" cy="230832"/>
           </a:xfrm>
           <a:prstGeom prst="rect">
             <a:avLst/>
@@ -7685,10 +7643,16 @@
           <a:lstStyle/>
           <a:p>
             <a:r>
-              <a:rPr lang="en-US" altLang="ko-KR" sz="1200" dirty="0"/>
-              <a:t>(response row result)</a:t>
-            </a:r>
-            <a:endParaRPr lang="ko-KR" altLang="en-US" sz="1200" dirty="0"/>
+              <a:rPr lang="en-US" altLang="ko-KR" sz="900" dirty="0">
+                <a:latin typeface="a옛날목욕탕L" panose="02020600000000000000" pitchFamily="18" charset="-127"/>
+                <a:ea typeface="a옛날목욕탕L" panose="02020600000000000000" pitchFamily="18" charset="-127"/>
+              </a:rPr>
+              <a:t>response row result</a:t>
+            </a:r>
+            <a:endParaRPr lang="ko-KR" altLang="en-US" sz="900" dirty="0">
+              <a:latin typeface="a옛날목욕탕L" panose="02020600000000000000" pitchFamily="18" charset="-127"/>
+              <a:ea typeface="a옛날목욕탕L" panose="02020600000000000000" pitchFamily="18" charset="-127"/>
+            </a:endParaRPr>
           </a:p>
         </p:txBody>
       </p:sp>
@@ -7708,7 +7672,7 @@
         </p:nvCxnSpPr>
         <p:spPr>
           <a:xfrm>
-            <a:off x="6199367" y="2796643"/>
+            <a:off x="6131993" y="2756402"/>
             <a:ext cx="1184543" cy="0"/>
           </a:xfrm>
           <a:prstGeom prst="straightConnector1">
@@ -7752,7 +7716,7 @@
         </p:nvCxnSpPr>
         <p:spPr>
           <a:xfrm flipH="1">
-            <a:off x="6187205" y="3470104"/>
+            <a:off x="6088892" y="3475932"/>
             <a:ext cx="1181727" cy="0"/>
           </a:xfrm>
           <a:prstGeom prst="straightConnector1">
@@ -7796,8 +7760,8 @@
         </p:nvCxnSpPr>
         <p:spPr>
           <a:xfrm flipH="1">
-            <a:off x="2200326" y="3470104"/>
-            <a:ext cx="1181727" cy="0"/>
+            <a:off x="1592826" y="3470104"/>
+            <a:ext cx="1789228" cy="5828"/>
           </a:xfrm>
           <a:prstGeom prst="straightConnector1">
             <a:avLst/>
@@ -7824,6 +7788,144 @@
           </a:fontRef>
         </p:style>
       </p:cxnSp>
+      <p:sp>
+        <p:nvSpPr>
+          <p:cNvPr id="19" name="Google Shape;114;p14">
+            <a:extLst>
+              <a:ext uri="{FF2B5EF4-FFF2-40B4-BE49-F238E27FC236}">
+                <a16:creationId xmlns:a16="http://schemas.microsoft.com/office/drawing/2014/main" id="{AE2864E1-EFBB-47A7-B78E-6C4BE6666CC4}"/>
+              </a:ext>
+            </a:extLst>
+          </p:cNvPr>
+          <p:cNvSpPr txBox="1">
+            <a:spLocks noGrp="1"/>
+          </p:cNvSpPr>
+          <p:nvPr>
+            <p:ph type="sldNum" idx="12"/>
+          </p:nvPr>
+        </p:nvSpPr>
+        <p:spPr>
+          <a:xfrm>
+            <a:off x="0" y="0"/>
+            <a:ext cx="594900" cy="731700"/>
+          </a:xfrm>
+          <a:prstGeom prst="rect">
+            <a:avLst/>
+          </a:prstGeom>
+        </p:spPr>
+        <p:txBody>
+          <a:bodyPr spcFirstLastPara="1" wrap="square" lIns="91425" tIns="91425" rIns="91425" bIns="91425" anchor="ctr" anchorCtr="0">
+            <a:noAutofit/>
+          </a:bodyPr>
+          <a:lstStyle/>
+          <a:p>
+            <a:pPr marL="0" lvl="0" indent="0" algn="ctr" rtl="0">
+              <a:spcBef>
+                <a:spcPts val="0"/>
+              </a:spcBef>
+              <a:spcAft>
+                <a:spcPts val="0"/>
+              </a:spcAft>
+              <a:buNone/>
+            </a:pPr>
+            <a:r>
+              <a:rPr lang="en-US" b="0" dirty="0">
+                <a:latin typeface="a옛날목욕탕L" panose="02020600000000000000" pitchFamily="18" charset="-127"/>
+                <a:ea typeface="a옛날목욕탕L" panose="02020600000000000000" pitchFamily="18" charset="-127"/>
+              </a:rPr>
+              <a:t>2</a:t>
+            </a:r>
+            <a:endParaRPr b="0" dirty="0">
+              <a:latin typeface="a옛날목욕탕L" panose="02020600000000000000" pitchFamily="18" charset="-127"/>
+              <a:ea typeface="a옛날목욕탕L" panose="02020600000000000000" pitchFamily="18" charset="-127"/>
+            </a:endParaRPr>
+          </a:p>
+        </p:txBody>
+      </p:sp>
+      <p:sp>
+        <p:nvSpPr>
+          <p:cNvPr id="4" name="TextBox 3">
+            <a:extLst>
+              <a:ext uri="{FF2B5EF4-FFF2-40B4-BE49-F238E27FC236}">
+                <a16:creationId xmlns:a16="http://schemas.microsoft.com/office/drawing/2014/main" id="{4AAF33A7-D1D4-4272-A565-D0FF500A81E9}"/>
+              </a:ext>
+            </a:extLst>
+          </p:cNvPr>
+          <p:cNvSpPr txBox="1"/>
+          <p:nvPr/>
+        </p:nvSpPr>
+        <p:spPr>
+          <a:xfrm>
+            <a:off x="284482" y="4076212"/>
+            <a:ext cx="1164101" cy="276999"/>
+          </a:xfrm>
+          <a:prstGeom prst="rect">
+            <a:avLst/>
+          </a:prstGeom>
+          <a:noFill/>
+        </p:spPr>
+        <p:txBody>
+          <a:bodyPr wrap="none" rtlCol="0">
+            <a:spAutoFit/>
+          </a:bodyPr>
+          <a:lstStyle/>
+          <a:p>
+            <a:r>
+              <a:rPr lang="en-US" altLang="ko-KR" sz="1200" dirty="0">
+                <a:latin typeface="a옛날목욕탕L" panose="02020600000000000000" pitchFamily="18" charset="-127"/>
+                <a:ea typeface="a옛날목욕탕L" panose="02020600000000000000" pitchFamily="18" charset="-127"/>
+              </a:rPr>
+              <a:t>BEE_MOBILE</a:t>
+            </a:r>
+            <a:endParaRPr lang="ko-KR" altLang="en-US" sz="1200" dirty="0">
+              <a:latin typeface="a옛날목욕탕L" panose="02020600000000000000" pitchFamily="18" charset="-127"/>
+              <a:ea typeface="a옛날목욕탕L" panose="02020600000000000000" pitchFamily="18" charset="-127"/>
+            </a:endParaRPr>
+          </a:p>
+        </p:txBody>
+      </p:sp>
+      <p:sp>
+        <p:nvSpPr>
+          <p:cNvPr id="20" name="TextBox 19">
+            <a:extLst>
+              <a:ext uri="{FF2B5EF4-FFF2-40B4-BE49-F238E27FC236}">
+                <a16:creationId xmlns:a16="http://schemas.microsoft.com/office/drawing/2014/main" id="{415A2CC4-A373-49E6-8A9F-74B2220ADBC3}"/>
+              </a:ext>
+            </a:extLst>
+          </p:cNvPr>
+          <p:cNvSpPr txBox="1"/>
+          <p:nvPr/>
+        </p:nvSpPr>
+        <p:spPr>
+          <a:xfrm>
+            <a:off x="5664092" y="4055083"/>
+            <a:ext cx="2031325" cy="276999"/>
+          </a:xfrm>
+          <a:prstGeom prst="rect">
+            <a:avLst/>
+          </a:prstGeom>
+          <a:noFill/>
+        </p:spPr>
+        <p:txBody>
+          <a:bodyPr wrap="none" rtlCol="0">
+            <a:spAutoFit/>
+          </a:bodyPr>
+          <a:lstStyle/>
+          <a:p>
+            <a:r>
+              <a:rPr lang="en-US" altLang="ko-KR" sz="1200" dirty="0">
+                <a:latin typeface="a옛날목욕탕L" panose="02020600000000000000" pitchFamily="18" charset="-127"/>
+                <a:ea typeface="a옛날목욕탕L" panose="02020600000000000000" pitchFamily="18" charset="-127"/>
+              </a:rPr>
+              <a:t>BEE_WEB APPLICATION</a:t>
+            </a:r>
+            <a:endParaRPr lang="ko-KR" altLang="en-US" sz="1200" dirty="0">
+              <a:latin typeface="a옛날목욕탕L" panose="02020600000000000000" pitchFamily="18" charset="-127"/>
+              <a:ea typeface="a옛날목욕탕L" panose="02020600000000000000" pitchFamily="18" charset="-127"/>
+            </a:endParaRPr>
+          </a:p>
+        </p:txBody>
+      </p:sp>
     </p:spTree>
     <p:extLst>
       <p:ext uri="{BB962C8B-B14F-4D97-AF65-F5344CB8AC3E}">
@@ -7893,7 +7995,7 @@
                 <a:latin typeface="a옛날목욕탕L" panose="02020600000000000000" pitchFamily="18" charset="-127"/>
                 <a:ea typeface="a옛날목욕탕L" panose="02020600000000000000" pitchFamily="18" charset="-127"/>
               </a:rPr>
-              <a:t>Sign up&amp; Log-in Module</a:t>
+              <a:t>Speech-to-Braille Module</a:t>
             </a:r>
             <a:endParaRPr dirty="0">
               <a:latin typeface="a옛날목욕탕L" panose="02020600000000000000" pitchFamily="18" charset="-127"/>
@@ -7937,205 +8039,11 @@
               <a:buNone/>
             </a:pPr>
             <a:r>
-              <a:rPr lang="en-US" b="0" dirty="0">
-                <a:latin typeface="a옛날목욕탕L" panose="02020600000000000000" pitchFamily="18" charset="-127"/>
-                <a:ea typeface="a옛날목욕탕L" panose="02020600000000000000" pitchFamily="18" charset="-127"/>
-              </a:rPr>
-              <a:t>0</a:t>
-            </a:r>
-            <a:endParaRPr b="0" dirty="0">
-              <a:latin typeface="a옛날목욕탕L" panose="02020600000000000000" pitchFamily="18" charset="-127"/>
-              <a:ea typeface="a옛날목욕탕L" panose="02020600000000000000" pitchFamily="18" charset="-127"/>
-            </a:endParaRPr>
-          </a:p>
-        </p:txBody>
-      </p:sp>
-      <p:sp>
-        <p:nvSpPr>
-          <p:cNvPr id="24" name="TextBox 23">
-            <a:extLst>
-              <a:ext uri="{FF2B5EF4-FFF2-40B4-BE49-F238E27FC236}">
-                <a16:creationId xmlns:a16="http://schemas.microsoft.com/office/drawing/2014/main" id="{3EADDCFE-4DC9-4301-B2FF-B15DE58ECAED}"/>
-              </a:ext>
-            </a:extLst>
-          </p:cNvPr>
-          <p:cNvSpPr txBox="1"/>
-          <p:nvPr/>
-        </p:nvSpPr>
-        <p:spPr>
-          <a:xfrm>
-            <a:off x="2440928" y="2143384"/>
-            <a:ext cx="5004896" cy="1569660"/>
-          </a:xfrm>
-          <a:prstGeom prst="rect">
-            <a:avLst/>
-          </a:prstGeom>
-          <a:noFill/>
-        </p:spPr>
-        <p:txBody>
-          <a:bodyPr wrap="none" rtlCol="0">
-            <a:spAutoFit/>
-          </a:bodyPr>
-          <a:lstStyle/>
-          <a:p>
-            <a:pPr marL="228600" indent="-228600">
-              <a:buAutoNum type="arabicPeriod"/>
-            </a:pPr>
-            <a:r>
-              <a:rPr lang="ko-KR" altLang="en-US" sz="2400" dirty="0"/>
-              <a:t>아이디 중복 검사</a:t>
-            </a:r>
-            <a:endParaRPr lang="en-US" altLang="ko-KR" sz="2400" dirty="0"/>
-          </a:p>
-          <a:p>
-            <a:pPr marL="228600" indent="-228600">
-              <a:buAutoNum type="arabicPeriod"/>
-            </a:pPr>
-            <a:r>
-              <a:rPr lang="ko-KR" altLang="en-US" sz="2400" dirty="0"/>
-              <a:t>회원가입</a:t>
-            </a:r>
-            <a:endParaRPr lang="en-US" altLang="ko-KR" sz="2400" dirty="0"/>
-          </a:p>
-          <a:p>
-            <a:pPr marL="228600" indent="-228600">
-              <a:buAutoNum type="arabicPeriod"/>
-            </a:pPr>
-            <a:r>
-              <a:rPr lang="ko-KR" altLang="en-US" sz="2400" dirty="0"/>
-              <a:t>로그인 실패</a:t>
-            </a:r>
-            <a:endParaRPr lang="en-US" altLang="ko-KR" sz="2400" dirty="0"/>
-          </a:p>
-          <a:p>
-            <a:pPr marL="228600" indent="-228600">
-              <a:buAutoNum type="arabicPeriod"/>
-            </a:pPr>
-            <a:r>
-              <a:rPr lang="ko-KR" altLang="en-US" sz="2400" dirty="0"/>
-              <a:t>로그인 성공까지 진행되는 동영상</a:t>
-            </a:r>
-          </a:p>
-        </p:txBody>
-      </p:sp>
-    </p:spTree>
-    <p:extLst>
-      <p:ext uri="{BB962C8B-B14F-4D97-AF65-F5344CB8AC3E}">
-        <p14:creationId xmlns:p14="http://schemas.microsoft.com/office/powerpoint/2010/main" val="1958729351"/>
-      </p:ext>
-    </p:extLst>
-  </p:cSld>
-  <p:clrMapOvr>
-    <a:masterClrMapping/>
-  </p:clrMapOvr>
-</p:sld>
-</file>
-
-<file path=ppt/slides/slide13.xml><?xml version="1.0" encoding="utf-8"?>
-<p:sld xmlns:a="http://schemas.openxmlformats.org/drawingml/2006/main" xmlns:r="http://schemas.openxmlformats.org/officeDocument/2006/relationships" xmlns:p="http://schemas.openxmlformats.org/presentationml/2006/main">
-  <p:cSld>
-    <p:spTree>
-      <p:nvGrpSpPr>
-        <p:cNvPr id="1" name="Shape 109"/>
-        <p:cNvGrpSpPr/>
-        <p:nvPr/>
-      </p:nvGrpSpPr>
-      <p:grpSpPr>
-        <a:xfrm>
-          <a:off x="0" y="0"/>
-          <a:ext cx="0" cy="0"/>
-          <a:chOff x="0" y="0"/>
-          <a:chExt cx="0" cy="0"/>
-        </a:xfrm>
-      </p:grpSpPr>
-      <p:sp>
-        <p:nvSpPr>
-          <p:cNvPr id="110" name="Google Shape;110;p14"/>
-          <p:cNvSpPr txBox="1">
-            <a:spLocks noGrp="1"/>
-          </p:cNvSpPr>
-          <p:nvPr>
-            <p:ph type="title"/>
-          </p:nvPr>
-        </p:nvSpPr>
-        <p:spPr>
-          <a:xfrm>
-            <a:off x="1101386" y="272850"/>
-            <a:ext cx="7574400" cy="749100"/>
-          </a:xfrm>
-          <a:prstGeom prst="rect">
-            <a:avLst/>
-          </a:prstGeom>
-        </p:spPr>
-        <p:txBody>
-          <a:bodyPr spcFirstLastPara="1" wrap="square" lIns="91425" tIns="91425" rIns="91425" bIns="91425" anchor="ctr" anchorCtr="0">
-            <a:noAutofit/>
-          </a:bodyPr>
-          <a:lstStyle/>
-          <a:p>
-            <a:pPr marL="0" lvl="0" indent="0" algn="l" rtl="0">
-              <a:spcBef>
-                <a:spcPts val="0"/>
-              </a:spcBef>
-              <a:spcAft>
-                <a:spcPts val="0"/>
-              </a:spcAft>
-              <a:buNone/>
-            </a:pPr>
-            <a:r>
-              <a:rPr lang="en-US" dirty="0">
-                <a:latin typeface="a옛날목욕탕L" panose="02020600000000000000" pitchFamily="18" charset="-127"/>
-                <a:ea typeface="a옛날목욕탕L" panose="02020600000000000000" pitchFamily="18" charset="-127"/>
-              </a:rPr>
-              <a:t>Speech-to-Braille Module</a:t>
-            </a:r>
-            <a:endParaRPr dirty="0">
-              <a:latin typeface="a옛날목욕탕L" panose="02020600000000000000" pitchFamily="18" charset="-127"/>
-              <a:ea typeface="a옛날목욕탕L" panose="02020600000000000000" pitchFamily="18" charset="-127"/>
-            </a:endParaRPr>
-          </a:p>
-        </p:txBody>
-      </p:sp>
-      <p:sp>
-        <p:nvSpPr>
-          <p:cNvPr id="114" name="Google Shape;114;p14"/>
-          <p:cNvSpPr txBox="1">
-            <a:spLocks noGrp="1"/>
-          </p:cNvSpPr>
-          <p:nvPr>
-            <p:ph type="sldNum" idx="12"/>
-          </p:nvPr>
-        </p:nvSpPr>
-        <p:spPr>
-          <a:xfrm>
-            <a:off x="0" y="0"/>
-            <a:ext cx="594900" cy="731700"/>
-          </a:xfrm>
-          <a:prstGeom prst="rect">
-            <a:avLst/>
-          </a:prstGeom>
-        </p:spPr>
-        <p:txBody>
-          <a:bodyPr spcFirstLastPara="1" wrap="square" lIns="91425" tIns="91425" rIns="91425" bIns="91425" anchor="ctr" anchorCtr="0">
-            <a:noAutofit/>
-          </a:bodyPr>
-          <a:lstStyle/>
-          <a:p>
-            <a:pPr marL="0" lvl="0" indent="0" algn="ctr" rtl="0">
-              <a:spcBef>
-                <a:spcPts val="0"/>
-              </a:spcBef>
-              <a:spcAft>
-                <a:spcPts val="0"/>
-              </a:spcAft>
-              <a:buNone/>
-            </a:pPr>
-            <a:r>
-              <a:rPr lang="en-US" b="0" dirty="0">
-                <a:latin typeface="a옛날목욕탕L" panose="02020600000000000000" pitchFamily="18" charset="-127"/>
-                <a:ea typeface="a옛날목욕탕L" panose="02020600000000000000" pitchFamily="18" charset="-127"/>
-              </a:rPr>
-              <a:t>0</a:t>
+              <a:rPr lang="en-US" altLang="ko-KR" b="0" dirty="0">
+                <a:latin typeface="a옛날목욕탕L" panose="02020600000000000000" pitchFamily="18" charset="-127"/>
+                <a:ea typeface="a옛날목욕탕L" panose="02020600000000000000" pitchFamily="18" charset="-127"/>
+              </a:rPr>
+              <a:t>2</a:t>
             </a:r>
             <a:endParaRPr b="0" dirty="0">
               <a:latin typeface="a옛날목욕탕L" panose="02020600000000000000" pitchFamily="18" charset="-127"/>
@@ -8172,8 +8080,8 @@
         </p:blipFill>
         <p:spPr>
           <a:xfrm>
-            <a:off x="1363059" y="2251065"/>
-            <a:ext cx="1923092" cy="1923092"/>
+            <a:off x="1639944" y="2799965"/>
+            <a:ext cx="1608841" cy="1608841"/>
           </a:xfrm>
           <a:prstGeom prst="rect">
             <a:avLst/>
@@ -8196,7 +8104,7 @@
         </p:nvCxnSpPr>
         <p:spPr>
           <a:xfrm>
-            <a:off x="3382053" y="3058744"/>
+            <a:off x="3387457" y="3331494"/>
             <a:ext cx="1184543" cy="0"/>
           </a:xfrm>
           <a:prstGeom prst="straightConnector1">
@@ -8238,8 +8146,8 @@
         </p:nvSpPr>
         <p:spPr>
           <a:xfrm>
-            <a:off x="2897061" y="2753936"/>
-            <a:ext cx="2406428" cy="276999"/>
+            <a:off x="2850245" y="3019534"/>
+            <a:ext cx="2457724" cy="215444"/>
           </a:xfrm>
           <a:prstGeom prst="rect">
             <a:avLst/>
@@ -8253,18 +8161,37 @@
           <a:lstStyle/>
           <a:p>
             <a:r>
-              <a:rPr lang="en-US" altLang="ko-KR" sz="1200" dirty="0"/>
-              <a:t>Gateway/</a:t>
-            </a:r>
-            <a:r>
-              <a:rPr lang="en-US" altLang="ko-KR" sz="1200" dirty="0" err="1"/>
+              <a:rPr lang="en-US" altLang="ko-KR" sz="800" b="1" dirty="0" err="1">
+                <a:latin typeface="a옛날목욕탕L" panose="02020600000000000000" pitchFamily="18" charset="-127"/>
+                <a:ea typeface="a옛날목욕탕L" panose="02020600000000000000" pitchFamily="18" charset="-127"/>
+              </a:rPr>
+              <a:t>gateway_addr</a:t>
+            </a:r>
+            <a:r>
+              <a:rPr lang="en-US" altLang="ko-KR" sz="800" dirty="0">
+                <a:latin typeface="a옛날목욕탕L" panose="02020600000000000000" pitchFamily="18" charset="-127"/>
+                <a:ea typeface="a옛날목욕탕L" panose="02020600000000000000" pitchFamily="18" charset="-127"/>
+              </a:rPr>
+              <a:t>/</a:t>
+            </a:r>
+            <a:r>
+              <a:rPr lang="en-US" altLang="ko-KR" sz="800" dirty="0" err="1">
+                <a:latin typeface="a옛날목욕탕L" panose="02020600000000000000" pitchFamily="18" charset="-127"/>
+                <a:ea typeface="a옛날목욕탕L" panose="02020600000000000000" pitchFamily="18" charset="-127"/>
+              </a:rPr>
               <a:t>text_to_braile</a:t>
             </a:r>
             <a:r>
-              <a:rPr lang="en-US" altLang="ko-KR" sz="1200" dirty="0"/>
+              <a:rPr lang="en-US" altLang="ko-KR" sz="800" dirty="0">
+                <a:latin typeface="a옛날목욕탕L" panose="02020600000000000000" pitchFamily="18" charset="-127"/>
+                <a:ea typeface="a옛날목욕탕L" panose="02020600000000000000" pitchFamily="18" charset="-127"/>
+              </a:rPr>
               <a:t>/word={?}</a:t>
             </a:r>
-            <a:endParaRPr lang="ko-KR" altLang="en-US" sz="1200" dirty="0"/>
+            <a:endParaRPr lang="ko-KR" altLang="en-US" sz="800" dirty="0">
+              <a:latin typeface="a옛날목욕탕L" panose="02020600000000000000" pitchFamily="18" charset="-127"/>
+              <a:ea typeface="a옛날목욕탕L" panose="02020600000000000000" pitchFamily="18" charset="-127"/>
+            </a:endParaRPr>
           </a:p>
         </p:txBody>
       </p:sp>
@@ -8282,8 +8209,8 @@
         </p:nvSpPr>
         <p:spPr>
           <a:xfrm>
-            <a:off x="3342401" y="3533806"/>
-            <a:ext cx="1181734" cy="276999"/>
+            <a:off x="3431386" y="3801968"/>
+            <a:ext cx="1008609" cy="215444"/>
           </a:xfrm>
           <a:prstGeom prst="rect">
             <a:avLst/>
@@ -8297,10 +8224,16 @@
           <a:lstStyle/>
           <a:p>
             <a:r>
-              <a:rPr lang="en-US" altLang="ko-KR" sz="1200" dirty="0"/>
-              <a:t>response json </a:t>
-            </a:r>
-            <a:endParaRPr lang="ko-KR" altLang="en-US" sz="1200" dirty="0"/>
+              <a:rPr lang="en-US" altLang="ko-KR" sz="800" dirty="0">
+                <a:latin typeface="a옛날목욕탕L" panose="02020600000000000000" pitchFamily="18" charset="-127"/>
+                <a:ea typeface="a옛날목욕탕L" panose="02020600000000000000" pitchFamily="18" charset="-127"/>
+              </a:rPr>
+              <a:t>response JSON</a:t>
+            </a:r>
+            <a:endParaRPr lang="ko-KR" altLang="en-US" sz="800" dirty="0">
+              <a:latin typeface="a옛날목욕탕L" panose="02020600000000000000" pitchFamily="18" charset="-127"/>
+              <a:ea typeface="a옛날목욕탕L" panose="02020600000000000000" pitchFamily="18" charset="-127"/>
+            </a:endParaRPr>
           </a:p>
         </p:txBody>
       </p:sp>
@@ -8320,7 +8253,7 @@
         </p:nvCxnSpPr>
         <p:spPr>
           <a:xfrm flipH="1">
-            <a:off x="3384869" y="3478113"/>
+            <a:off x="3387457" y="3766818"/>
             <a:ext cx="1181727" cy="0"/>
           </a:xfrm>
           <a:prstGeom prst="straightConnector1">
@@ -8376,8 +8309,8 @@
         </p:blipFill>
         <p:spPr>
           <a:xfrm>
-            <a:off x="3933268" y="1129299"/>
-            <a:ext cx="1121766" cy="1121766"/>
+            <a:off x="1999267" y="1061535"/>
+            <a:ext cx="890194" cy="890194"/>
           </a:xfrm>
           <a:prstGeom prst="rect">
             <a:avLst/>
@@ -8412,8 +8345,8 @@
         </p:blipFill>
         <p:spPr>
           <a:xfrm>
-            <a:off x="4912305" y="2485307"/>
-            <a:ext cx="1454608" cy="1454608"/>
+            <a:off x="4793808" y="2920302"/>
+            <a:ext cx="1368165" cy="1368165"/>
           </a:xfrm>
           <a:prstGeom prst="rect">
             <a:avLst/>
@@ -8448,58 +8381,14 @@
         </p:blipFill>
         <p:spPr>
           <a:xfrm>
-            <a:off x="7615427" y="2630216"/>
-            <a:ext cx="1164790" cy="1164790"/>
+            <a:off x="7927413" y="3095315"/>
+            <a:ext cx="1018141" cy="1018141"/>
           </a:xfrm>
           <a:prstGeom prst="rect">
             <a:avLst/>
           </a:prstGeom>
         </p:spPr>
       </p:pic>
-      <p:cxnSp>
-        <p:nvCxnSpPr>
-          <p:cNvPr id="32" name="직선 화살표 연결선 31">
-            <a:extLst>
-              <a:ext uri="{FF2B5EF4-FFF2-40B4-BE49-F238E27FC236}">
-                <a16:creationId xmlns:a16="http://schemas.microsoft.com/office/drawing/2014/main" id="{4A65F032-A440-4E27-999F-EA7D29D95684}"/>
-              </a:ext>
-            </a:extLst>
-          </p:cNvPr>
-          <p:cNvCxnSpPr>
-            <a:cxnSpLocks/>
-          </p:cNvCxnSpPr>
-          <p:nvPr/>
-        </p:nvCxnSpPr>
-        <p:spPr>
-          <a:xfrm>
-            <a:off x="6585155" y="3058744"/>
-            <a:ext cx="906439" cy="0"/>
-          </a:xfrm>
-          <a:prstGeom prst="straightConnector1">
-            <a:avLst/>
-          </a:prstGeom>
-          <a:ln w="28575">
-            <a:solidFill>
-              <a:srgbClr val="FF8700"/>
-            </a:solidFill>
-            <a:tailEnd type="triangle"/>
-          </a:ln>
-        </p:spPr>
-        <p:style>
-          <a:lnRef idx="1">
-            <a:schemeClr val="accent1"/>
-          </a:lnRef>
-          <a:fillRef idx="0">
-            <a:schemeClr val="accent1"/>
-          </a:fillRef>
-          <a:effectRef idx="0">
-            <a:schemeClr val="accent1"/>
-          </a:effectRef>
-          <a:fontRef idx="minor">
-            <a:schemeClr val="tx1"/>
-          </a:fontRef>
-        </p:style>
-      </p:cxnSp>
       <p:sp>
         <p:nvSpPr>
           <p:cNvPr id="34" name="TextBox 33">
@@ -8514,8 +8403,8 @@
         </p:nvSpPr>
         <p:spPr>
           <a:xfrm>
-            <a:off x="5835160" y="2753935"/>
-            <a:ext cx="2406428" cy="276999"/>
+            <a:off x="5844547" y="3016974"/>
+            <a:ext cx="2457724" cy="215444"/>
           </a:xfrm>
           <a:prstGeom prst="rect">
             <a:avLst/>
@@ -8529,101 +8418,47 @@
           <a:lstStyle/>
           <a:p>
             <a:r>
-              <a:rPr lang="en-US" altLang="ko-KR" sz="1200" dirty="0"/>
-              <a:t>Gateway/</a:t>
-            </a:r>
-            <a:r>
-              <a:rPr lang="en-US" altLang="ko-KR" sz="1200" dirty="0" err="1"/>
+              <a:rPr lang="en-US" altLang="ko-KR" sz="800" dirty="0" err="1">
+                <a:latin typeface="a옛날목욕탕L" panose="02020600000000000000" pitchFamily="18" charset="-127"/>
+                <a:ea typeface="a옛날목욕탕L" panose="02020600000000000000" pitchFamily="18" charset="-127"/>
+              </a:rPr>
+              <a:t>gateway_addr</a:t>
+            </a:r>
+            <a:r>
+              <a:rPr lang="en-US" altLang="ko-KR" sz="800" dirty="0">
+                <a:latin typeface="a옛날목욕탕L" panose="02020600000000000000" pitchFamily="18" charset="-127"/>
+                <a:ea typeface="a옛날목욕탕L" panose="02020600000000000000" pitchFamily="18" charset="-127"/>
+              </a:rPr>
+              <a:t>/</a:t>
+            </a:r>
+            <a:r>
+              <a:rPr lang="en-US" altLang="ko-KR" sz="800" dirty="0" err="1">
+                <a:latin typeface="a옛날목욕탕L" panose="02020600000000000000" pitchFamily="18" charset="-127"/>
+                <a:ea typeface="a옛날목욕탕L" panose="02020600000000000000" pitchFamily="18" charset="-127"/>
+              </a:rPr>
               <a:t>text_to_braile</a:t>
             </a:r>
             <a:r>
-              <a:rPr lang="en-US" altLang="ko-KR" sz="1200" dirty="0"/>
-              <a:t>/word={?}</a:t>
-            </a:r>
-            <a:endParaRPr lang="ko-KR" altLang="en-US" sz="1200" dirty="0"/>
+              <a:rPr lang="en-US" altLang="ko-KR" sz="800" dirty="0">
+                <a:latin typeface="a옛날목욕탕L" panose="02020600000000000000" pitchFamily="18" charset="-127"/>
+                <a:ea typeface="a옛날목욕탕L" panose="02020600000000000000" pitchFamily="18" charset="-127"/>
+              </a:rPr>
+              <a:t>/</a:t>
+            </a:r>
+            <a:r>
+              <a:rPr lang="en-US" altLang="ko-KR" sz="800" b="1" dirty="0">
+                <a:latin typeface="a옛날목욕탕L" panose="02020600000000000000" pitchFamily="18" charset="-127"/>
+                <a:ea typeface="a옛날목욕탕L" panose="02020600000000000000" pitchFamily="18" charset="-127"/>
+              </a:rPr>
+              <a:t>word={?}</a:t>
+            </a:r>
+            <a:endParaRPr lang="ko-KR" altLang="en-US" sz="800" b="1" dirty="0">
+              <a:latin typeface="a옛날목욕탕L" panose="02020600000000000000" pitchFamily="18" charset="-127"/>
+              <a:ea typeface="a옛날목욕탕L" panose="02020600000000000000" pitchFamily="18" charset="-127"/>
+            </a:endParaRPr>
           </a:p>
         </p:txBody>
       </p:sp>
-      <p:sp>
-        <p:nvSpPr>
-          <p:cNvPr id="36" name="TextBox 35">
-            <a:extLst>
-              <a:ext uri="{FF2B5EF4-FFF2-40B4-BE49-F238E27FC236}">
-                <a16:creationId xmlns:a16="http://schemas.microsoft.com/office/drawing/2014/main" id="{98C1166A-865C-4F09-BDEA-43E064C2002F}"/>
-              </a:ext>
-            </a:extLst>
-          </p:cNvPr>
-          <p:cNvSpPr txBox="1"/>
-          <p:nvPr/>
-        </p:nvSpPr>
-        <p:spPr>
-          <a:xfrm>
-            <a:off x="6371777" y="3534413"/>
-            <a:ext cx="1181734" cy="276999"/>
-          </a:xfrm>
-          <a:prstGeom prst="rect">
-            <a:avLst/>
-          </a:prstGeom>
-          <a:noFill/>
-        </p:spPr>
-        <p:txBody>
-          <a:bodyPr wrap="none" rtlCol="0">
-            <a:spAutoFit/>
-          </a:bodyPr>
-          <a:lstStyle/>
-          <a:p>
-            <a:r>
-              <a:rPr lang="en-US" altLang="ko-KR" sz="1200" dirty="0"/>
-              <a:t>response json </a:t>
-            </a:r>
-            <a:endParaRPr lang="ko-KR" altLang="en-US" sz="1200" dirty="0"/>
-          </a:p>
-        </p:txBody>
-      </p:sp>
-      <p:cxnSp>
-        <p:nvCxnSpPr>
-          <p:cNvPr id="37" name="직선 화살표 연결선 36">
-            <a:extLst>
-              <a:ext uri="{FF2B5EF4-FFF2-40B4-BE49-F238E27FC236}">
-                <a16:creationId xmlns:a16="http://schemas.microsoft.com/office/drawing/2014/main" id="{7684D60C-7335-4563-AAE7-B58305EEAD36}"/>
-              </a:ext>
-            </a:extLst>
-          </p:cNvPr>
-          <p:cNvCxnSpPr>
-            <a:cxnSpLocks/>
-          </p:cNvCxnSpPr>
-          <p:nvPr/>
-        </p:nvCxnSpPr>
-        <p:spPr>
-          <a:xfrm flipH="1">
-            <a:off x="6414245" y="3478720"/>
-            <a:ext cx="1181727" cy="0"/>
-          </a:xfrm>
-          <a:prstGeom prst="straightConnector1">
-            <a:avLst/>
-          </a:prstGeom>
-          <a:ln w="28575">
-            <a:solidFill>
-              <a:srgbClr val="FF8700"/>
-            </a:solidFill>
-            <a:tailEnd type="triangle"/>
-          </a:ln>
-        </p:spPr>
-        <p:style>
-          <a:lnRef idx="1">
-            <a:schemeClr val="accent1"/>
-          </a:lnRef>
-          <a:fillRef idx="0">
-            <a:schemeClr val="accent1"/>
-          </a:fillRef>
-          <a:effectRef idx="0">
-            <a:schemeClr val="accent1"/>
-          </a:effectRef>
-          <a:fontRef idx="minor">
-            <a:schemeClr val="tx1"/>
-          </a:fontRef>
-        </p:style>
-      </p:cxnSp>
       <p:pic>
         <p:nvPicPr>
           <p:cNvPr id="38" name="그림 37">
@@ -8641,6 +8476,24 @@
         <p:blipFill rotWithShape="1">
           <a:blip r:embed="rId7">
             <a:extLst>
+              <a:ext uri="{BEBA8EAE-BF5A-486C-A8C5-ECC9F3942E4B}">
+                <a14:imgProps xmlns:a14="http://schemas.microsoft.com/office/drawing/2010/main">
+                  <a14:imgLayer r:embed="rId8">
+                    <a14:imgEffect>
+                      <a14:backgroundRemoval t="3792" b="94625" l="28518" r="71429">
+                        <a14:foregroundMark x1="54055" y1="19667" x2="54055" y2="25542"/>
+                        <a14:foregroundMark x1="51907" y1="57333" x2="38963" y2="69875"/>
+                        <a14:foregroundMark x1="71294" y1="89125" x2="62137" y2="89125"/>
+                        <a14:foregroundMark x1="29243" y1="91625" x2="44361" y2="75708"/>
+                        <a14:foregroundMark x1="50269" y1="3792" x2="48120" y2="19667"/>
+                        <a14:foregroundMark x1="26557" y1="92458" x2="61923" y2="94625"/>
+                        <a14:foregroundMark x1="61923" y1="94625" x2="71294" y2="94125"/>
+                        <a14:foregroundMark x1="71294" y1="94125" x2="71294" y2="94125"/>
+                      </a14:backgroundRemoval>
+                    </a14:imgEffect>
+                  </a14:imgLayer>
+                </a14:imgProps>
+              </a:ext>
               <a:ext uri="{28A0092B-C50C-407E-A947-70E740481C1C}">
                 <a14:useLocalDpi xmlns:a14="http://schemas.microsoft.com/office/drawing/2010/main" val="0"/>
               </a:ext>
@@ -8651,7 +8504,7 @@
         </p:blipFill>
         <p:spPr>
           <a:xfrm>
-            <a:off x="180589" y="2759648"/>
+            <a:off x="185692" y="3135798"/>
             <a:ext cx="734162" cy="881614"/>
           </a:xfrm>
           <a:prstGeom prst="rect">
@@ -8675,7 +8528,7 @@
         </p:nvCxnSpPr>
         <p:spPr>
           <a:xfrm>
-            <a:off x="1021266" y="3193136"/>
+            <a:off x="1054263" y="3604386"/>
             <a:ext cx="683586" cy="0"/>
           </a:xfrm>
           <a:prstGeom prst="straightConnector1">
@@ -8719,8 +8572,8 @@
         </p:nvCxnSpPr>
         <p:spPr>
           <a:xfrm flipV="1">
-            <a:off x="2996860" y="1793514"/>
-            <a:ext cx="691082" cy="358987"/>
+            <a:off x="2283411" y="1998240"/>
+            <a:ext cx="0" cy="624515"/>
           </a:xfrm>
           <a:prstGeom prst="straightConnector1">
             <a:avLst/>
@@ -8761,8 +8614,8 @@
         </p:nvSpPr>
         <p:spPr>
           <a:xfrm>
-            <a:off x="836415" y="2920244"/>
-            <a:ext cx="1063112" cy="276999"/>
+            <a:off x="900670" y="3331494"/>
+            <a:ext cx="1000595" cy="230832"/>
           </a:xfrm>
           <a:prstGeom prst="rect">
             <a:avLst/>
@@ -8777,10 +8630,16 @@
           <a:p>
             <a:pPr algn="ctr"/>
             <a:r>
-              <a:rPr lang="en-US" altLang="ko-KR" sz="1200" dirty="0"/>
+              <a:rPr lang="en-US" altLang="ko-KR" sz="900" dirty="0">
+                <a:latin typeface="a옛날목욕탕L" panose="02020600000000000000" pitchFamily="18" charset="-127"/>
+                <a:ea typeface="a옛날목욕탕L" panose="02020600000000000000" pitchFamily="18" charset="-127"/>
+              </a:rPr>
               <a:t>Input speech</a:t>
             </a:r>
-            <a:endParaRPr lang="ko-KR" altLang="en-US" sz="1200" dirty="0"/>
+            <a:endParaRPr lang="ko-KR" altLang="en-US" sz="900" dirty="0">
+              <a:latin typeface="a옛날목욕탕L" panose="02020600000000000000" pitchFamily="18" charset="-127"/>
+              <a:ea typeface="a옛날목욕탕L" panose="02020600000000000000" pitchFamily="18" charset="-127"/>
+            </a:endParaRPr>
           </a:p>
         </p:txBody>
       </p:sp>
@@ -8797,9 +8656,9 @@
           <p:nvPr/>
         </p:nvSpPr>
         <p:spPr>
-          <a:xfrm rot="19808418">
-            <a:off x="2712233" y="1669652"/>
-            <a:ext cx="1063112" cy="276999"/>
+          <a:xfrm>
+            <a:off x="1154675" y="2187953"/>
+            <a:ext cx="1063112" cy="230832"/>
           </a:xfrm>
           <a:prstGeom prst="rect">
             <a:avLst/>
@@ -8814,10 +8673,16 @@
           <a:p>
             <a:pPr algn="ctr"/>
             <a:r>
-              <a:rPr lang="en-US" altLang="ko-KR" sz="1200" dirty="0"/>
+              <a:rPr lang="en-US" altLang="ko-KR" sz="900" dirty="0">
+                <a:latin typeface="a옛날목욕탕L" panose="02020600000000000000" pitchFamily="18" charset="-127"/>
+                <a:ea typeface="a옛날목욕탕L" panose="02020600000000000000" pitchFamily="18" charset="-127"/>
+              </a:rPr>
               <a:t>Input speech</a:t>
             </a:r>
-            <a:endParaRPr lang="ko-KR" altLang="en-US" sz="1200" dirty="0"/>
+            <a:endParaRPr lang="ko-KR" altLang="en-US" sz="900" dirty="0">
+              <a:latin typeface="a옛날목욕탕L" panose="02020600000000000000" pitchFamily="18" charset="-127"/>
+              <a:ea typeface="a옛날목욕탕L" panose="02020600000000000000" pitchFamily="18" charset="-127"/>
+            </a:endParaRPr>
           </a:p>
         </p:txBody>
       </p:sp>
@@ -8836,9 +8701,9 @@
           <p:nvPr/>
         </p:nvCxnSpPr>
         <p:spPr>
-          <a:xfrm flipH="1">
-            <a:off x="3046657" y="1948746"/>
-            <a:ext cx="684183" cy="357442"/>
+          <a:xfrm>
+            <a:off x="2625214" y="2005166"/>
+            <a:ext cx="0" cy="624514"/>
           </a:xfrm>
           <a:prstGeom prst="straightConnector1">
             <a:avLst/>
@@ -8878,9 +8743,9 @@
           <p:nvPr/>
         </p:nvSpPr>
         <p:spPr>
-          <a:xfrm rot="19808418">
-            <a:off x="2626575" y="2063508"/>
-            <a:ext cx="1687434" cy="276999"/>
+          <a:xfrm>
+            <a:off x="2507981" y="2187953"/>
+            <a:ext cx="1687434" cy="230832"/>
           </a:xfrm>
           <a:prstGeom prst="rect">
             <a:avLst/>
@@ -8895,10 +8760,272 @@
           <a:p>
             <a:pPr algn="ctr"/>
             <a:r>
-              <a:rPr lang="en-US" altLang="ko-KR" sz="1200" dirty="0"/>
+              <a:rPr lang="en-US" altLang="ko-KR" sz="900" dirty="0">
+                <a:latin typeface="a옛날목욕탕L" panose="02020600000000000000" pitchFamily="18" charset="-127"/>
+                <a:ea typeface="a옛날목욕탕L" panose="02020600000000000000" pitchFamily="18" charset="-127"/>
+              </a:rPr>
               <a:t>Converted string</a:t>
             </a:r>
-            <a:endParaRPr lang="ko-KR" altLang="en-US" sz="1200" dirty="0"/>
+            <a:endParaRPr lang="ko-KR" altLang="en-US" sz="900" dirty="0">
+              <a:latin typeface="a옛날목욕탕L" panose="02020600000000000000" pitchFamily="18" charset="-127"/>
+              <a:ea typeface="a옛날목욕탕L" panose="02020600000000000000" pitchFamily="18" charset="-127"/>
+            </a:endParaRPr>
+          </a:p>
+        </p:txBody>
+      </p:sp>
+      <p:cxnSp>
+        <p:nvCxnSpPr>
+          <p:cNvPr id="52" name="직선 화살표 연결선 51">
+            <a:extLst>
+              <a:ext uri="{FF2B5EF4-FFF2-40B4-BE49-F238E27FC236}">
+                <a16:creationId xmlns:a16="http://schemas.microsoft.com/office/drawing/2014/main" id="{2AC39B08-6768-49A2-A029-C2A2E9121915}"/>
+              </a:ext>
+            </a:extLst>
+          </p:cNvPr>
+          <p:cNvCxnSpPr>
+            <a:cxnSpLocks/>
+          </p:cNvCxnSpPr>
+          <p:nvPr/>
+        </p:nvCxnSpPr>
+        <p:spPr>
+          <a:xfrm>
+            <a:off x="6432516" y="3331494"/>
+            <a:ext cx="1184543" cy="0"/>
+          </a:xfrm>
+          <a:prstGeom prst="straightConnector1">
+            <a:avLst/>
+          </a:prstGeom>
+          <a:ln w="28575">
+            <a:solidFill>
+              <a:srgbClr val="FF8700"/>
+            </a:solidFill>
+            <a:tailEnd type="triangle"/>
+          </a:ln>
+        </p:spPr>
+        <p:style>
+          <a:lnRef idx="1">
+            <a:schemeClr val="accent1"/>
+          </a:lnRef>
+          <a:fillRef idx="0">
+            <a:schemeClr val="accent1"/>
+          </a:fillRef>
+          <a:effectRef idx="0">
+            <a:schemeClr val="accent1"/>
+          </a:effectRef>
+          <a:fontRef idx="minor">
+            <a:schemeClr val="tx1"/>
+          </a:fontRef>
+        </p:style>
+      </p:cxnSp>
+      <p:sp>
+        <p:nvSpPr>
+          <p:cNvPr id="53" name="TextBox 52">
+            <a:extLst>
+              <a:ext uri="{FF2B5EF4-FFF2-40B4-BE49-F238E27FC236}">
+                <a16:creationId xmlns:a16="http://schemas.microsoft.com/office/drawing/2014/main" id="{9B6597BF-090B-4A77-A43C-0EE9B762C340}"/>
+              </a:ext>
+            </a:extLst>
+          </p:cNvPr>
+          <p:cNvSpPr txBox="1"/>
+          <p:nvPr/>
+        </p:nvSpPr>
+        <p:spPr>
+          <a:xfrm>
+            <a:off x="6478456" y="3801968"/>
+            <a:ext cx="1008609" cy="215444"/>
+          </a:xfrm>
+          <a:prstGeom prst="rect">
+            <a:avLst/>
+          </a:prstGeom>
+          <a:noFill/>
+        </p:spPr>
+        <p:txBody>
+          <a:bodyPr wrap="none" rtlCol="0">
+            <a:spAutoFit/>
+          </a:bodyPr>
+          <a:lstStyle/>
+          <a:p>
+            <a:r>
+              <a:rPr lang="en-US" altLang="ko-KR" sz="800" dirty="0">
+                <a:latin typeface="a옛날목욕탕L" panose="02020600000000000000" pitchFamily="18" charset="-127"/>
+                <a:ea typeface="a옛날목욕탕L" panose="02020600000000000000" pitchFamily="18" charset="-127"/>
+              </a:rPr>
+              <a:t>response JSON</a:t>
+            </a:r>
+            <a:endParaRPr lang="ko-KR" altLang="en-US" sz="800" dirty="0">
+              <a:latin typeface="a옛날목욕탕L" panose="02020600000000000000" pitchFamily="18" charset="-127"/>
+              <a:ea typeface="a옛날목욕탕L" panose="02020600000000000000" pitchFamily="18" charset="-127"/>
+            </a:endParaRPr>
+          </a:p>
+        </p:txBody>
+      </p:sp>
+      <p:cxnSp>
+        <p:nvCxnSpPr>
+          <p:cNvPr id="54" name="직선 화살표 연결선 53">
+            <a:extLst>
+              <a:ext uri="{FF2B5EF4-FFF2-40B4-BE49-F238E27FC236}">
+                <a16:creationId xmlns:a16="http://schemas.microsoft.com/office/drawing/2014/main" id="{CA367FEE-64B0-4CEB-A46E-9C8F812323D8}"/>
+              </a:ext>
+            </a:extLst>
+          </p:cNvPr>
+          <p:cNvCxnSpPr>
+            <a:cxnSpLocks/>
+          </p:cNvCxnSpPr>
+          <p:nvPr/>
+        </p:nvCxnSpPr>
+        <p:spPr>
+          <a:xfrm flipH="1">
+            <a:off x="6410965" y="3766818"/>
+            <a:ext cx="1181727" cy="0"/>
+          </a:xfrm>
+          <a:prstGeom prst="straightConnector1">
+            <a:avLst/>
+          </a:prstGeom>
+          <a:ln w="28575">
+            <a:solidFill>
+              <a:srgbClr val="FF8700"/>
+            </a:solidFill>
+            <a:tailEnd type="triangle"/>
+          </a:ln>
+        </p:spPr>
+        <p:style>
+          <a:lnRef idx="1">
+            <a:schemeClr val="accent1"/>
+          </a:lnRef>
+          <a:fillRef idx="0">
+            <a:schemeClr val="accent1"/>
+          </a:fillRef>
+          <a:effectRef idx="0">
+            <a:schemeClr val="accent1"/>
+          </a:effectRef>
+          <a:fontRef idx="minor">
+            <a:schemeClr val="tx1"/>
+          </a:fontRef>
+        </p:style>
+      </p:cxnSp>
+      <p:sp>
+        <p:nvSpPr>
+          <p:cNvPr id="23" name="TextBox 22">
+            <a:extLst>
+              <a:ext uri="{FF2B5EF4-FFF2-40B4-BE49-F238E27FC236}">
+                <a16:creationId xmlns:a16="http://schemas.microsoft.com/office/drawing/2014/main" id="{1CF995E2-5DB4-4CEB-920C-FA94EE619117}"/>
+              </a:ext>
+            </a:extLst>
+          </p:cNvPr>
+          <p:cNvSpPr txBox="1"/>
+          <p:nvPr/>
+        </p:nvSpPr>
+        <p:spPr>
+          <a:xfrm>
+            <a:off x="1862313" y="4504339"/>
+            <a:ext cx="1164101" cy="276999"/>
+          </a:xfrm>
+          <a:prstGeom prst="rect">
+            <a:avLst/>
+          </a:prstGeom>
+          <a:noFill/>
+        </p:spPr>
+        <p:txBody>
+          <a:bodyPr wrap="none" rtlCol="0">
+            <a:spAutoFit/>
+          </a:bodyPr>
+          <a:lstStyle/>
+          <a:p>
+            <a:r>
+              <a:rPr lang="en-US" altLang="ko-KR" sz="1200" dirty="0">
+                <a:latin typeface="a옛날목욕탕L" panose="02020600000000000000" pitchFamily="18" charset="-127"/>
+                <a:ea typeface="a옛날목욕탕L" panose="02020600000000000000" pitchFamily="18" charset="-127"/>
+              </a:rPr>
+              <a:t>BEE_MOBILE</a:t>
+            </a:r>
+            <a:endParaRPr lang="ko-KR" altLang="en-US" sz="1200" dirty="0">
+              <a:latin typeface="a옛날목욕탕L" panose="02020600000000000000" pitchFamily="18" charset="-127"/>
+              <a:ea typeface="a옛날목욕탕L" panose="02020600000000000000" pitchFamily="18" charset="-127"/>
+            </a:endParaRPr>
+          </a:p>
+        </p:txBody>
+      </p:sp>
+      <p:sp>
+        <p:nvSpPr>
+          <p:cNvPr id="24" name="TextBox 23">
+            <a:extLst>
+              <a:ext uri="{FF2B5EF4-FFF2-40B4-BE49-F238E27FC236}">
+                <a16:creationId xmlns:a16="http://schemas.microsoft.com/office/drawing/2014/main" id="{00C13D5A-179D-452C-A60B-D8CDACDE264B}"/>
+              </a:ext>
+            </a:extLst>
+          </p:cNvPr>
+          <p:cNvSpPr txBox="1"/>
+          <p:nvPr/>
+        </p:nvSpPr>
+        <p:spPr>
+          <a:xfrm>
+            <a:off x="6609243" y="4504338"/>
+            <a:ext cx="865943" cy="276999"/>
+          </a:xfrm>
+          <a:prstGeom prst="rect">
+            <a:avLst/>
+          </a:prstGeom>
+          <a:noFill/>
+        </p:spPr>
+        <p:txBody>
+          <a:bodyPr wrap="none" rtlCol="0">
+            <a:spAutoFit/>
+          </a:bodyPr>
+          <a:lstStyle/>
+          <a:p>
+            <a:r>
+              <a:rPr lang="en-US" altLang="ko-KR" sz="1200" dirty="0">
+                <a:latin typeface="a옛날목욕탕L" panose="02020600000000000000" pitchFamily="18" charset="-127"/>
+                <a:ea typeface="a옛날목욕탕L" panose="02020600000000000000" pitchFamily="18" charset="-127"/>
+              </a:rPr>
+              <a:t>BEE_API</a:t>
+            </a:r>
+            <a:endParaRPr lang="ko-KR" altLang="en-US" sz="1200" dirty="0">
+              <a:latin typeface="a옛날목욕탕L" panose="02020600000000000000" pitchFamily="18" charset="-127"/>
+              <a:ea typeface="a옛날목욕탕L" panose="02020600000000000000" pitchFamily="18" charset="-127"/>
+            </a:endParaRPr>
+          </a:p>
+        </p:txBody>
+      </p:sp>
+      <p:sp>
+        <p:nvSpPr>
+          <p:cNvPr id="25" name="TextBox 24">
+            <a:extLst>
+              <a:ext uri="{FF2B5EF4-FFF2-40B4-BE49-F238E27FC236}">
+                <a16:creationId xmlns:a16="http://schemas.microsoft.com/office/drawing/2014/main" id="{2838C374-E7A5-4C3F-9B10-48DC8A23E7F8}"/>
+              </a:ext>
+            </a:extLst>
+          </p:cNvPr>
+          <p:cNvSpPr txBox="1"/>
+          <p:nvPr/>
+        </p:nvSpPr>
+        <p:spPr>
+          <a:xfrm>
+            <a:off x="252851" y="4113456"/>
+            <a:ext cx="599844" cy="276999"/>
+          </a:xfrm>
+          <a:prstGeom prst="rect">
+            <a:avLst/>
+          </a:prstGeom>
+          <a:noFill/>
+        </p:spPr>
+        <p:txBody>
+          <a:bodyPr wrap="none" rtlCol="0">
+            <a:spAutoFit/>
+          </a:bodyPr>
+          <a:lstStyle/>
+          <a:p>
+            <a:r>
+              <a:rPr lang="en-US" altLang="ko-KR" sz="1200" dirty="0">
+                <a:latin typeface="a옛날목욕탕L" panose="02020600000000000000" pitchFamily="18" charset="-127"/>
+                <a:ea typeface="a옛날목욕탕L" panose="02020600000000000000" pitchFamily="18" charset="-127"/>
+              </a:rPr>
+              <a:t>USER</a:t>
+            </a:r>
+            <a:endParaRPr lang="ko-KR" altLang="en-US" sz="1200" dirty="0">
+              <a:latin typeface="a옛날목욕탕L" panose="02020600000000000000" pitchFamily="18" charset="-127"/>
+              <a:ea typeface="a옛날목욕탕L" panose="02020600000000000000" pitchFamily="18" charset="-127"/>
+            </a:endParaRPr>
           </a:p>
         </p:txBody>
       </p:sp>
@@ -8906,6 +9033,615 @@
     <p:extLst>
       <p:ext uri="{BB962C8B-B14F-4D97-AF65-F5344CB8AC3E}">
         <p14:creationId xmlns:p14="http://schemas.microsoft.com/office/powerpoint/2010/main" val="922447866"/>
+      </p:ext>
+    </p:extLst>
+  </p:cSld>
+  <p:clrMapOvr>
+    <a:masterClrMapping/>
+  </p:clrMapOvr>
+</p:sld>
+</file>
+
+<file path=ppt/slides/slide13.xml><?xml version="1.0" encoding="utf-8"?>
+<p:sld xmlns:a="http://schemas.openxmlformats.org/drawingml/2006/main" xmlns:r="http://schemas.openxmlformats.org/officeDocument/2006/relationships" xmlns:p="http://schemas.openxmlformats.org/presentationml/2006/main">
+  <p:cSld>
+    <p:spTree>
+      <p:nvGrpSpPr>
+        <p:cNvPr id="1" name="Shape 109"/>
+        <p:cNvGrpSpPr/>
+        <p:nvPr/>
+      </p:nvGrpSpPr>
+      <p:grpSpPr>
+        <a:xfrm>
+          <a:off x="0" y="0"/>
+          <a:ext cx="0" cy="0"/>
+          <a:chOff x="0" y="0"/>
+          <a:chExt cx="0" cy="0"/>
+        </a:xfrm>
+      </p:grpSpPr>
+      <p:sp>
+        <p:nvSpPr>
+          <p:cNvPr id="110" name="Google Shape;110;p14"/>
+          <p:cNvSpPr txBox="1">
+            <a:spLocks noGrp="1"/>
+          </p:cNvSpPr>
+          <p:nvPr>
+            <p:ph type="title"/>
+          </p:nvPr>
+        </p:nvSpPr>
+        <p:spPr>
+          <a:xfrm>
+            <a:off x="1101386" y="272850"/>
+            <a:ext cx="7574400" cy="749100"/>
+          </a:xfrm>
+          <a:prstGeom prst="rect">
+            <a:avLst/>
+          </a:prstGeom>
+        </p:spPr>
+        <p:txBody>
+          <a:bodyPr spcFirstLastPara="1" wrap="square" lIns="91425" tIns="91425" rIns="91425" bIns="91425" anchor="ctr" anchorCtr="0">
+            <a:noAutofit/>
+          </a:bodyPr>
+          <a:lstStyle/>
+          <a:p>
+            <a:pPr marL="0" lvl="0" indent="0" algn="l" rtl="0">
+              <a:spcBef>
+                <a:spcPts val="0"/>
+              </a:spcBef>
+              <a:spcAft>
+                <a:spcPts val="0"/>
+              </a:spcAft>
+              <a:buNone/>
+            </a:pPr>
+            <a:r>
+              <a:rPr lang="en-US" dirty="0">
+                <a:latin typeface="a옛날목욕탕L" panose="02020600000000000000" pitchFamily="18" charset="-127"/>
+                <a:ea typeface="a옛날목욕탕L" panose="02020600000000000000" pitchFamily="18" charset="-127"/>
+              </a:rPr>
+              <a:t>Send Braille to Device</a:t>
+            </a:r>
+            <a:endParaRPr dirty="0">
+              <a:latin typeface="a옛날목욕탕L" panose="02020600000000000000" pitchFamily="18" charset="-127"/>
+              <a:ea typeface="a옛날목욕탕L" panose="02020600000000000000" pitchFamily="18" charset="-127"/>
+            </a:endParaRPr>
+          </a:p>
+        </p:txBody>
+      </p:sp>
+      <p:sp>
+        <p:nvSpPr>
+          <p:cNvPr id="114" name="Google Shape;114;p14"/>
+          <p:cNvSpPr txBox="1">
+            <a:spLocks noGrp="1"/>
+          </p:cNvSpPr>
+          <p:nvPr>
+            <p:ph type="sldNum" idx="12"/>
+          </p:nvPr>
+        </p:nvSpPr>
+        <p:spPr>
+          <a:xfrm>
+            <a:off x="0" y="0"/>
+            <a:ext cx="594900" cy="731700"/>
+          </a:xfrm>
+          <a:prstGeom prst="rect">
+            <a:avLst/>
+          </a:prstGeom>
+        </p:spPr>
+        <p:txBody>
+          <a:bodyPr spcFirstLastPara="1" wrap="square" lIns="91425" tIns="91425" rIns="91425" bIns="91425" anchor="ctr" anchorCtr="0">
+            <a:noAutofit/>
+          </a:bodyPr>
+          <a:lstStyle/>
+          <a:p>
+            <a:pPr marL="0" lvl="0" indent="0" algn="ctr" rtl="0">
+              <a:spcBef>
+                <a:spcPts val="0"/>
+              </a:spcBef>
+              <a:spcAft>
+                <a:spcPts val="0"/>
+              </a:spcAft>
+              <a:buNone/>
+            </a:pPr>
+            <a:r>
+              <a:rPr lang="en-US" altLang="ko-KR" b="0" dirty="0">
+                <a:latin typeface="a옛날목욕탕L" panose="02020600000000000000" pitchFamily="18" charset="-127"/>
+                <a:ea typeface="a옛날목욕탕L" panose="02020600000000000000" pitchFamily="18" charset="-127"/>
+              </a:rPr>
+              <a:t>2</a:t>
+            </a:r>
+            <a:endParaRPr b="0" dirty="0">
+              <a:latin typeface="a옛날목욕탕L" panose="02020600000000000000" pitchFamily="18" charset="-127"/>
+              <a:ea typeface="a옛날목욕탕L" panose="02020600000000000000" pitchFamily="18" charset="-127"/>
+            </a:endParaRPr>
+          </a:p>
+        </p:txBody>
+      </p:sp>
+      <p:pic>
+        <p:nvPicPr>
+          <p:cNvPr id="12" name="그림 11">
+            <a:extLst>
+              <a:ext uri="{FF2B5EF4-FFF2-40B4-BE49-F238E27FC236}">
+                <a16:creationId xmlns:a16="http://schemas.microsoft.com/office/drawing/2014/main" id="{05CAD8AD-2828-4DA1-AC91-288181E936FE}"/>
+              </a:ext>
+            </a:extLst>
+          </p:cNvPr>
+          <p:cNvPicPr>
+            <a:picLocks noChangeAspect="1"/>
+          </p:cNvPicPr>
+          <p:nvPr/>
+        </p:nvPicPr>
+        <p:blipFill>
+          <a:blip r:embed="rId3">
+            <a:extLst>
+              <a:ext uri="{28A0092B-C50C-407E-A947-70E740481C1C}">
+                <a14:useLocalDpi xmlns:a14="http://schemas.microsoft.com/office/drawing/2010/main" val="0"/>
+              </a:ext>
+            </a:extLst>
+          </a:blip>
+          <a:stretch>
+            <a:fillRect/>
+          </a:stretch>
+        </p:blipFill>
+        <p:spPr>
+          <a:xfrm>
+            <a:off x="219281" y="2105327"/>
+            <a:ext cx="1767961" cy="1767961"/>
+          </a:xfrm>
+          <a:prstGeom prst="rect">
+            <a:avLst/>
+          </a:prstGeom>
+        </p:spPr>
+      </p:pic>
+      <p:cxnSp>
+        <p:nvCxnSpPr>
+          <p:cNvPr id="10" name="직선 화살표 연결선 9">
+            <a:extLst>
+              <a:ext uri="{FF2B5EF4-FFF2-40B4-BE49-F238E27FC236}">
+                <a16:creationId xmlns:a16="http://schemas.microsoft.com/office/drawing/2014/main" id="{C99A0AC6-11ED-4ECD-A695-906413B24E45}"/>
+              </a:ext>
+            </a:extLst>
+          </p:cNvPr>
+          <p:cNvCxnSpPr>
+            <a:cxnSpLocks/>
+          </p:cNvCxnSpPr>
+          <p:nvPr/>
+        </p:nvCxnSpPr>
+        <p:spPr>
+          <a:xfrm>
+            <a:off x="1694270" y="2923652"/>
+            <a:ext cx="2326393" cy="0"/>
+          </a:xfrm>
+          <a:prstGeom prst="straightConnector1">
+            <a:avLst/>
+          </a:prstGeom>
+          <a:ln w="28575">
+            <a:solidFill>
+              <a:srgbClr val="FF8700"/>
+            </a:solidFill>
+            <a:tailEnd type="triangle"/>
+          </a:ln>
+        </p:spPr>
+        <p:style>
+          <a:lnRef idx="1">
+            <a:schemeClr val="accent1"/>
+          </a:lnRef>
+          <a:fillRef idx="0">
+            <a:schemeClr val="accent1"/>
+          </a:fillRef>
+          <a:effectRef idx="0">
+            <a:schemeClr val="accent1"/>
+          </a:effectRef>
+          <a:fontRef idx="minor">
+            <a:schemeClr val="tx1"/>
+          </a:fontRef>
+        </p:style>
+      </p:cxnSp>
+      <p:sp>
+        <p:nvSpPr>
+          <p:cNvPr id="22" name="TextBox 21">
+            <a:extLst>
+              <a:ext uri="{FF2B5EF4-FFF2-40B4-BE49-F238E27FC236}">
+                <a16:creationId xmlns:a16="http://schemas.microsoft.com/office/drawing/2014/main" id="{1E4BAB99-AC8F-4730-A4FE-51825D1EAD23}"/>
+              </a:ext>
+            </a:extLst>
+          </p:cNvPr>
+          <p:cNvSpPr txBox="1"/>
+          <p:nvPr/>
+        </p:nvSpPr>
+        <p:spPr>
+          <a:xfrm>
+            <a:off x="2028553" y="2169280"/>
+            <a:ext cx="1657826" cy="246221"/>
+          </a:xfrm>
+          <a:prstGeom prst="rect">
+            <a:avLst/>
+          </a:prstGeom>
+          <a:noFill/>
+        </p:spPr>
+        <p:txBody>
+          <a:bodyPr wrap="none" rtlCol="0">
+            <a:spAutoFit/>
+          </a:bodyPr>
+          <a:lstStyle/>
+          <a:p>
+            <a:r>
+              <a:rPr lang="en-US" altLang="ko-KR" sz="1000" dirty="0">
+                <a:latin typeface="a옛날목욕탕L" panose="02020600000000000000" pitchFamily="18" charset="-127"/>
+                <a:ea typeface="a옛날목욕탕L" panose="02020600000000000000" pitchFamily="18" charset="-127"/>
+              </a:rPr>
+              <a:t>Send braille as String</a:t>
+            </a:r>
+            <a:endParaRPr lang="ko-KR" altLang="en-US" sz="1000" dirty="0">
+              <a:latin typeface="a옛날목욕탕L" panose="02020600000000000000" pitchFamily="18" charset="-127"/>
+              <a:ea typeface="a옛날목욕탕L" panose="02020600000000000000" pitchFamily="18" charset="-127"/>
+            </a:endParaRPr>
+          </a:p>
+        </p:txBody>
+      </p:sp>
+      <p:pic>
+        <p:nvPicPr>
+          <p:cNvPr id="3" name="그림 2" descr="클립아트이(가) 표시된 사진&#10;&#10;자동 생성된 설명">
+            <a:extLst>
+              <a:ext uri="{FF2B5EF4-FFF2-40B4-BE49-F238E27FC236}">
+                <a16:creationId xmlns:a16="http://schemas.microsoft.com/office/drawing/2014/main" id="{79F346F0-D6C6-4CEA-834E-95225B4D8F93}"/>
+              </a:ext>
+            </a:extLst>
+          </p:cNvPr>
+          <p:cNvPicPr>
+            <a:picLocks noChangeAspect="1"/>
+          </p:cNvPicPr>
+          <p:nvPr/>
+        </p:nvPicPr>
+        <p:blipFill>
+          <a:blip r:embed="rId4"/>
+          <a:stretch>
+            <a:fillRect/>
+          </a:stretch>
+        </p:blipFill>
+        <p:spPr>
+          <a:xfrm>
+            <a:off x="2507342" y="2573527"/>
+            <a:ext cx="700248" cy="700248"/>
+          </a:xfrm>
+          <a:prstGeom prst="rect">
+            <a:avLst/>
+          </a:prstGeom>
+        </p:spPr>
+      </p:pic>
+      <p:pic>
+        <p:nvPicPr>
+          <p:cNvPr id="5" name="그림 4">
+            <a:extLst>
+              <a:ext uri="{FF2B5EF4-FFF2-40B4-BE49-F238E27FC236}">
+                <a16:creationId xmlns:a16="http://schemas.microsoft.com/office/drawing/2014/main" id="{194FB526-C670-4E4B-ABC2-1C536EBEE510}"/>
+              </a:ext>
+            </a:extLst>
+          </p:cNvPr>
+          <p:cNvPicPr>
+            <a:picLocks noChangeAspect="1"/>
+          </p:cNvPicPr>
+          <p:nvPr/>
+        </p:nvPicPr>
+        <p:blipFill>
+          <a:blip r:embed="rId5"/>
+          <a:stretch>
+            <a:fillRect/>
+          </a:stretch>
+        </p:blipFill>
+        <p:spPr>
+          <a:xfrm>
+            <a:off x="4193768" y="2415501"/>
+            <a:ext cx="1218332" cy="1218332"/>
+          </a:xfrm>
+          <a:prstGeom prst="rect">
+            <a:avLst/>
+          </a:prstGeom>
+        </p:spPr>
+      </p:pic>
+      <p:pic>
+        <p:nvPicPr>
+          <p:cNvPr id="33" name="그림 32">
+            <a:extLst>
+              <a:ext uri="{FF2B5EF4-FFF2-40B4-BE49-F238E27FC236}">
+                <a16:creationId xmlns:a16="http://schemas.microsoft.com/office/drawing/2014/main" id="{26277FC8-399B-435F-B8E2-A4AB03D82112}"/>
+              </a:ext>
+            </a:extLst>
+          </p:cNvPr>
+          <p:cNvPicPr>
+            <a:picLocks noChangeAspect="1"/>
+          </p:cNvPicPr>
+          <p:nvPr/>
+        </p:nvPicPr>
+        <p:blipFill>
+          <a:blip r:embed="rId6">
+            <a:extLst>
+              <a:ext uri="{28A0092B-C50C-407E-A947-70E740481C1C}">
+                <a14:useLocalDpi xmlns:a14="http://schemas.microsoft.com/office/drawing/2010/main" val="0"/>
+              </a:ext>
+            </a:extLst>
+          </a:blip>
+          <a:stretch>
+            <a:fillRect/>
+          </a:stretch>
+        </p:blipFill>
+        <p:spPr>
+          <a:xfrm>
+            <a:off x="7011474" y="2415501"/>
+            <a:ext cx="990573" cy="990573"/>
+          </a:xfrm>
+          <a:prstGeom prst="rect">
+            <a:avLst/>
+          </a:prstGeom>
+        </p:spPr>
+      </p:pic>
+      <p:cxnSp>
+        <p:nvCxnSpPr>
+          <p:cNvPr id="42" name="직선 화살표 연결선 41">
+            <a:extLst>
+              <a:ext uri="{FF2B5EF4-FFF2-40B4-BE49-F238E27FC236}">
+                <a16:creationId xmlns:a16="http://schemas.microsoft.com/office/drawing/2014/main" id="{D731BD36-218E-4F83-BC82-3C9D3E29EEB8}"/>
+              </a:ext>
+            </a:extLst>
+          </p:cNvPr>
+          <p:cNvCxnSpPr>
+            <a:cxnSpLocks/>
+          </p:cNvCxnSpPr>
+          <p:nvPr/>
+        </p:nvCxnSpPr>
+        <p:spPr>
+          <a:xfrm>
+            <a:off x="5575461" y="2916561"/>
+            <a:ext cx="1313886" cy="0"/>
+          </a:xfrm>
+          <a:prstGeom prst="straightConnector1">
+            <a:avLst/>
+          </a:prstGeom>
+          <a:ln w="28575">
+            <a:solidFill>
+              <a:srgbClr val="FF8700"/>
+            </a:solidFill>
+            <a:tailEnd type="triangle"/>
+          </a:ln>
+        </p:spPr>
+        <p:style>
+          <a:lnRef idx="1">
+            <a:schemeClr val="accent1"/>
+          </a:lnRef>
+          <a:fillRef idx="0">
+            <a:schemeClr val="accent1"/>
+          </a:fillRef>
+          <a:effectRef idx="0">
+            <a:schemeClr val="accent1"/>
+          </a:effectRef>
+          <a:fontRef idx="minor">
+            <a:schemeClr val="tx1"/>
+          </a:fontRef>
+        </p:style>
+      </p:cxnSp>
+      <p:sp>
+        <p:nvSpPr>
+          <p:cNvPr id="46" name="TextBox 45">
+            <a:extLst>
+              <a:ext uri="{FF2B5EF4-FFF2-40B4-BE49-F238E27FC236}">
+                <a16:creationId xmlns:a16="http://schemas.microsoft.com/office/drawing/2014/main" id="{21CF38B4-9B79-40BD-9F1A-1F99ABF03144}"/>
+              </a:ext>
+            </a:extLst>
+          </p:cNvPr>
+          <p:cNvSpPr txBox="1"/>
+          <p:nvPr/>
+        </p:nvSpPr>
+        <p:spPr>
+          <a:xfrm>
+            <a:off x="5519612" y="2489177"/>
+            <a:ext cx="1399742" cy="246221"/>
+          </a:xfrm>
+          <a:prstGeom prst="rect">
+            <a:avLst/>
+          </a:prstGeom>
+          <a:noFill/>
+        </p:spPr>
+        <p:txBody>
+          <a:bodyPr wrap="none" rtlCol="0">
+            <a:spAutoFit/>
+          </a:bodyPr>
+          <a:lstStyle/>
+          <a:p>
+            <a:r>
+              <a:rPr lang="en-US" altLang="ko-KR" sz="1000" dirty="0">
+                <a:latin typeface="a옛날목욕탕L" panose="02020600000000000000" pitchFamily="18" charset="-127"/>
+                <a:ea typeface="a옛날목욕탕L" panose="02020600000000000000" pitchFamily="18" charset="-127"/>
+              </a:rPr>
+              <a:t>Activate solenoid</a:t>
+            </a:r>
+            <a:endParaRPr lang="ko-KR" altLang="en-US" sz="1000" dirty="0">
+              <a:latin typeface="a옛날목욕탕L" panose="02020600000000000000" pitchFamily="18" charset="-127"/>
+              <a:ea typeface="a옛날목욕탕L" panose="02020600000000000000" pitchFamily="18" charset="-127"/>
+            </a:endParaRPr>
+          </a:p>
+        </p:txBody>
+      </p:sp>
+      <p:pic>
+        <p:nvPicPr>
+          <p:cNvPr id="20" name="그림 19">
+            <a:extLst>
+              <a:ext uri="{FF2B5EF4-FFF2-40B4-BE49-F238E27FC236}">
+                <a16:creationId xmlns:a16="http://schemas.microsoft.com/office/drawing/2014/main" id="{B4E3C0A1-409D-4BE8-B75F-E335FBBCE35F}"/>
+              </a:ext>
+            </a:extLst>
+          </p:cNvPr>
+          <p:cNvPicPr>
+            <a:picLocks noChangeAspect="1"/>
+          </p:cNvPicPr>
+          <p:nvPr/>
+        </p:nvPicPr>
+        <p:blipFill rotWithShape="1">
+          <a:blip r:embed="rId7">
+            <a:extLst>
+              <a:ext uri="{BEBA8EAE-BF5A-486C-A8C5-ECC9F3942E4B}">
+                <a14:imgProps xmlns:a14="http://schemas.microsoft.com/office/drawing/2010/main">
+                  <a14:imgLayer r:embed="rId8">
+                    <a14:imgEffect>
+                      <a14:backgroundRemoval t="3792" b="94625" l="28518" r="71429">
+                        <a14:foregroundMark x1="54055" y1="19667" x2="54055" y2="25542"/>
+                        <a14:foregroundMark x1="51907" y1="57333" x2="38963" y2="69875"/>
+                        <a14:foregroundMark x1="71294" y1="89125" x2="62137" y2="89125"/>
+                        <a14:foregroundMark x1="29243" y1="91625" x2="44361" y2="75708"/>
+                        <a14:foregroundMark x1="50269" y1="3792" x2="48120" y2="19667"/>
+                        <a14:foregroundMark x1="26557" y1="92458" x2="61923" y2="94625"/>
+                        <a14:foregroundMark x1="61923" y1="94625" x2="71294" y2="94125"/>
+                        <a14:foregroundMark x1="71294" y1="94125" x2="71294" y2="94125"/>
+                      </a14:backgroundRemoval>
+                    </a14:imgEffect>
+                  </a14:imgLayer>
+                </a14:imgProps>
+              </a:ext>
+              <a:ext uri="{28A0092B-C50C-407E-A947-70E740481C1C}">
+                <a14:useLocalDpi xmlns:a14="http://schemas.microsoft.com/office/drawing/2010/main" val="0"/>
+              </a:ext>
+            </a:extLst>
+          </a:blip>
+          <a:srcRect l="23166" r="23166"/>
+          <a:stretch/>
+        </p:blipFill>
+        <p:spPr>
+          <a:xfrm>
+            <a:off x="8124174" y="2658107"/>
+            <a:ext cx="551612" cy="662400"/>
+          </a:xfrm>
+          <a:prstGeom prst="rect">
+            <a:avLst/>
+          </a:prstGeom>
+        </p:spPr>
+      </p:pic>
+      <p:sp>
+        <p:nvSpPr>
+          <p:cNvPr id="13" name="TextBox 12">
+            <a:extLst>
+              <a:ext uri="{FF2B5EF4-FFF2-40B4-BE49-F238E27FC236}">
+                <a16:creationId xmlns:a16="http://schemas.microsoft.com/office/drawing/2014/main" id="{5997B514-297E-45BC-BE31-4484EF9CC22F}"/>
+              </a:ext>
+            </a:extLst>
+          </p:cNvPr>
+          <p:cNvSpPr txBox="1"/>
+          <p:nvPr/>
+        </p:nvSpPr>
+        <p:spPr>
+          <a:xfrm>
+            <a:off x="547549" y="4079333"/>
+            <a:ext cx="1164101" cy="276999"/>
+          </a:xfrm>
+          <a:prstGeom prst="rect">
+            <a:avLst/>
+          </a:prstGeom>
+          <a:noFill/>
+        </p:spPr>
+        <p:txBody>
+          <a:bodyPr wrap="none" rtlCol="0">
+            <a:spAutoFit/>
+          </a:bodyPr>
+          <a:lstStyle/>
+          <a:p>
+            <a:r>
+              <a:rPr lang="en-US" altLang="ko-KR" sz="1200" dirty="0">
+                <a:latin typeface="a옛날목욕탕L" panose="02020600000000000000" pitchFamily="18" charset="-127"/>
+                <a:ea typeface="a옛날목욕탕L" panose="02020600000000000000" pitchFamily="18" charset="-127"/>
+              </a:rPr>
+              <a:t>BEE_MOBILE</a:t>
+            </a:r>
+            <a:endParaRPr lang="ko-KR" altLang="en-US" sz="1200" dirty="0">
+              <a:latin typeface="a옛날목욕탕L" panose="02020600000000000000" pitchFamily="18" charset="-127"/>
+              <a:ea typeface="a옛날목욕탕L" panose="02020600000000000000" pitchFamily="18" charset="-127"/>
+            </a:endParaRPr>
+          </a:p>
+        </p:txBody>
+      </p:sp>
+      <p:sp>
+        <p:nvSpPr>
+          <p:cNvPr id="15" name="TextBox 14">
+            <a:extLst>
+              <a:ext uri="{FF2B5EF4-FFF2-40B4-BE49-F238E27FC236}">
+                <a16:creationId xmlns:a16="http://schemas.microsoft.com/office/drawing/2014/main" id="{13890CB6-8CB8-4166-96E4-C373FBFA9288}"/>
+              </a:ext>
+            </a:extLst>
+          </p:cNvPr>
+          <p:cNvSpPr txBox="1"/>
+          <p:nvPr/>
+        </p:nvSpPr>
+        <p:spPr>
+          <a:xfrm>
+            <a:off x="4265632" y="3633833"/>
+            <a:ext cx="1146468" cy="276999"/>
+          </a:xfrm>
+          <a:prstGeom prst="rect">
+            <a:avLst/>
+          </a:prstGeom>
+          <a:noFill/>
+        </p:spPr>
+        <p:txBody>
+          <a:bodyPr wrap="none" rtlCol="0">
+            <a:spAutoFit/>
+          </a:bodyPr>
+          <a:lstStyle/>
+          <a:p>
+            <a:r>
+              <a:rPr lang="en-US" altLang="ko-KR" sz="1200" dirty="0">
+                <a:latin typeface="a옛날목욕탕L" panose="02020600000000000000" pitchFamily="18" charset="-127"/>
+                <a:ea typeface="a옛날목욕탕L" panose="02020600000000000000" pitchFamily="18" charset="-127"/>
+              </a:rPr>
+              <a:t>BEE_DEVICE</a:t>
+            </a:r>
+            <a:endParaRPr lang="ko-KR" altLang="en-US" sz="1200" dirty="0">
+              <a:latin typeface="a옛날목욕탕L" panose="02020600000000000000" pitchFamily="18" charset="-127"/>
+              <a:ea typeface="a옛날목욕탕L" panose="02020600000000000000" pitchFamily="18" charset="-127"/>
+            </a:endParaRPr>
+          </a:p>
+        </p:txBody>
+      </p:sp>
+      <p:sp>
+        <p:nvSpPr>
+          <p:cNvPr id="16" name="TextBox 15">
+            <a:extLst>
+              <a:ext uri="{FF2B5EF4-FFF2-40B4-BE49-F238E27FC236}">
+                <a16:creationId xmlns:a16="http://schemas.microsoft.com/office/drawing/2014/main" id="{D025C55E-88A4-4AC2-978A-5B7CD06ADAC9}"/>
+              </a:ext>
+            </a:extLst>
+          </p:cNvPr>
+          <p:cNvSpPr txBox="1"/>
+          <p:nvPr/>
+        </p:nvSpPr>
+        <p:spPr>
+          <a:xfrm>
+            <a:off x="8116289" y="3391326"/>
+            <a:ext cx="599844" cy="276999"/>
+          </a:xfrm>
+          <a:prstGeom prst="rect">
+            <a:avLst/>
+          </a:prstGeom>
+          <a:noFill/>
+        </p:spPr>
+        <p:txBody>
+          <a:bodyPr wrap="none" rtlCol="0">
+            <a:spAutoFit/>
+          </a:bodyPr>
+          <a:lstStyle/>
+          <a:p>
+            <a:r>
+              <a:rPr lang="en-US" altLang="ko-KR" sz="1200" dirty="0">
+                <a:latin typeface="a옛날목욕탕L" panose="02020600000000000000" pitchFamily="18" charset="-127"/>
+                <a:ea typeface="a옛날목욕탕L" panose="02020600000000000000" pitchFamily="18" charset="-127"/>
+              </a:rPr>
+              <a:t>USER</a:t>
+            </a:r>
+            <a:endParaRPr lang="ko-KR" altLang="en-US" sz="1200" dirty="0">
+              <a:latin typeface="a옛날목욕탕L" panose="02020600000000000000" pitchFamily="18" charset="-127"/>
+              <a:ea typeface="a옛날목욕탕L" panose="02020600000000000000" pitchFamily="18" charset="-127"/>
+            </a:endParaRPr>
+          </a:p>
+        </p:txBody>
+      </p:sp>
+    </p:spTree>
+    <p:extLst>
+      <p:ext uri="{BB962C8B-B14F-4D97-AF65-F5344CB8AC3E}">
+        <p14:creationId xmlns:p14="http://schemas.microsoft.com/office/powerpoint/2010/main" val="1489983510"/>
       </p:ext>
     </p:extLst>
   </p:cSld>
@@ -8957,20 +9693,21 @@
           </a:bodyPr>
           <a:lstStyle/>
           <a:p>
-            <a:pPr lvl="0"/>
-            <a:r>
-              <a:rPr lang="en-US" altLang="ko-KR" dirty="0">
-                <a:latin typeface="a옛날목욕탕L" panose="02020600000000000000" pitchFamily="18" charset="-127"/>
-                <a:ea typeface="a옛날목욕탕L" panose="02020600000000000000" pitchFamily="18" charset="-127"/>
-              </a:rPr>
-              <a:t>Speech</a:t>
-            </a:r>
+            <a:pPr marL="0" lvl="0" indent="0" algn="l" rtl="0">
+              <a:spcBef>
+                <a:spcPts val="0"/>
+              </a:spcBef>
+              <a:spcAft>
+                <a:spcPts val="0"/>
+              </a:spcAft>
+              <a:buNone/>
+            </a:pPr>
             <a:r>
               <a:rPr lang="en-US" dirty="0">
                 <a:latin typeface="a옛날목욕탕L" panose="02020600000000000000" pitchFamily="18" charset="-127"/>
                 <a:ea typeface="a옛날목욕탕L" panose="02020600000000000000" pitchFamily="18" charset="-127"/>
               </a:rPr>
-              <a:t>-to-Braille Module</a:t>
+              <a:t>Get Braille from Device</a:t>
             </a:r>
             <a:endParaRPr dirty="0">
               <a:latin typeface="a옛날목욕탕L" panose="02020600000000000000" pitchFamily="18" charset="-127"/>
@@ -9014,11 +9751,11 @@
               <a:buNone/>
             </a:pPr>
             <a:r>
-              <a:rPr lang="en-US" b="0" dirty="0">
-                <a:latin typeface="a옛날목욕탕L" panose="02020600000000000000" pitchFamily="18" charset="-127"/>
-                <a:ea typeface="a옛날목욕탕L" panose="02020600000000000000" pitchFamily="18" charset="-127"/>
-              </a:rPr>
-              <a:t>0</a:t>
+              <a:rPr lang="en-US" altLang="ko-KR" b="0" dirty="0">
+                <a:latin typeface="a옛날목욕탕L" panose="02020600000000000000" pitchFamily="18" charset="-127"/>
+                <a:ea typeface="a옛날목욕탕L" panose="02020600000000000000" pitchFamily="18" charset="-127"/>
+              </a:rPr>
+              <a:t>2</a:t>
             </a:r>
             <a:endParaRPr b="0" dirty="0">
               <a:latin typeface="a옛날목욕탕L" panose="02020600000000000000" pitchFamily="18" charset="-127"/>
@@ -9027,229 +9764,56 @@
           </a:p>
         </p:txBody>
       </p:sp>
-      <p:sp>
-        <p:nvSpPr>
-          <p:cNvPr id="24" name="TextBox 23">
+      <p:cxnSp>
+        <p:nvCxnSpPr>
+          <p:cNvPr id="24" name="직선 화살표 연결선 23">
             <a:extLst>
               <a:ext uri="{FF2B5EF4-FFF2-40B4-BE49-F238E27FC236}">
-                <a16:creationId xmlns:a16="http://schemas.microsoft.com/office/drawing/2014/main" id="{3EADDCFE-4DC9-4301-B2FF-B15DE58ECAED}"/>
+                <a16:creationId xmlns:a16="http://schemas.microsoft.com/office/drawing/2014/main" id="{37383263-15C5-404E-8E98-22CBE8FB17E2}"/>
               </a:ext>
             </a:extLst>
           </p:cNvPr>
-          <p:cNvSpPr txBox="1"/>
+          <p:cNvCxnSpPr>
+            <a:cxnSpLocks/>
+          </p:cNvCxnSpPr>
           <p:nvPr/>
-        </p:nvSpPr>
-        <p:spPr>
-          <a:xfrm>
-            <a:off x="2243470" y="1961301"/>
-            <a:ext cx="5290231" cy="2246769"/>
-          </a:xfrm>
-          <a:prstGeom prst="rect">
+        </p:nvCxnSpPr>
+        <p:spPr>
+          <a:xfrm flipH="1">
+            <a:off x="1549514" y="2968179"/>
+            <a:ext cx="2347732" cy="0"/>
+          </a:xfrm>
+          <a:prstGeom prst="straightConnector1">
             <a:avLst/>
           </a:prstGeom>
-          <a:noFill/>
-        </p:spPr>
-        <p:txBody>
-          <a:bodyPr wrap="none" rtlCol="0">
-            <a:spAutoFit/>
-          </a:bodyPr>
-          <a:lstStyle/>
-          <a:p>
-            <a:r>
-              <a:rPr lang="en-US" altLang="ko-KR" sz="2800" dirty="0"/>
-              <a:t>1. </a:t>
-            </a:r>
-            <a:r>
-              <a:rPr lang="ko-KR" altLang="en-US" sz="2800" dirty="0"/>
-              <a:t>사용자 음성인식</a:t>
-            </a:r>
-            <a:endParaRPr lang="en-US" altLang="ko-KR" sz="2800" dirty="0"/>
-          </a:p>
-          <a:p>
-            <a:r>
-              <a:rPr lang="en-US" altLang="ko-KR" sz="2800" dirty="0"/>
-              <a:t>2. </a:t>
-            </a:r>
-            <a:r>
-              <a:rPr lang="ko-KR" altLang="en-US" sz="2800" dirty="0"/>
-              <a:t>음성 </a:t>
-            </a:r>
-            <a:r>
-              <a:rPr lang="en-US" altLang="ko-KR" sz="2800" dirty="0"/>
-              <a:t>-&gt; </a:t>
-            </a:r>
-            <a:r>
-              <a:rPr lang="ko-KR" altLang="en-US" sz="2800" dirty="0"/>
-              <a:t>텍스트 변환 </a:t>
-            </a:r>
-            <a:endParaRPr lang="en-US" altLang="ko-KR" sz="2800" dirty="0"/>
-          </a:p>
-          <a:p>
-            <a:r>
-              <a:rPr lang="en-US" altLang="ko-KR" sz="2800" dirty="0"/>
-              <a:t>3. </a:t>
-            </a:r>
-            <a:r>
-              <a:rPr lang="ko-KR" altLang="en-US" sz="2800" dirty="0"/>
-              <a:t>돌아가고 다시 인식</a:t>
-            </a:r>
-            <a:endParaRPr lang="en-US" altLang="ko-KR" sz="2800" dirty="0"/>
-          </a:p>
-          <a:p>
-            <a:r>
-              <a:rPr lang="en-US" altLang="ko-KR" sz="2800" dirty="0"/>
-              <a:t>4. </a:t>
-            </a:r>
-            <a:r>
-              <a:rPr lang="ko-KR" altLang="en-US" sz="2800" dirty="0"/>
-              <a:t>점자 전환</a:t>
-            </a:r>
-            <a:endParaRPr lang="en-US" altLang="ko-KR" sz="2800" dirty="0"/>
-          </a:p>
-          <a:p>
-            <a:r>
-              <a:rPr lang="en-US" altLang="ko-KR" sz="2800" dirty="0"/>
-              <a:t>5. </a:t>
-            </a:r>
-            <a:r>
-              <a:rPr lang="ko-KR" altLang="en-US" sz="2800" dirty="0"/>
-              <a:t>점자 노출되는 것 까지 동영상</a:t>
-            </a:r>
-          </a:p>
-        </p:txBody>
-      </p:sp>
-    </p:spTree>
-    <p:extLst>
-      <p:ext uri="{BB962C8B-B14F-4D97-AF65-F5344CB8AC3E}">
-        <p14:creationId xmlns:p14="http://schemas.microsoft.com/office/powerpoint/2010/main" val="2039110973"/>
-      </p:ext>
-    </p:extLst>
-  </p:cSld>
-  <p:clrMapOvr>
-    <a:masterClrMapping/>
-  </p:clrMapOvr>
-</p:sld>
-</file>
-
-<file path=ppt/slides/slide15.xml><?xml version="1.0" encoding="utf-8"?>
-<p:sld xmlns:a="http://schemas.openxmlformats.org/drawingml/2006/main" xmlns:r="http://schemas.openxmlformats.org/officeDocument/2006/relationships" xmlns:p="http://schemas.openxmlformats.org/presentationml/2006/main">
-  <p:cSld>
-    <p:spTree>
-      <p:nvGrpSpPr>
-        <p:cNvPr id="1" name="Shape 109"/>
-        <p:cNvGrpSpPr/>
-        <p:nvPr/>
-      </p:nvGrpSpPr>
-      <p:grpSpPr>
-        <a:xfrm>
-          <a:off x="0" y="0"/>
-          <a:ext cx="0" cy="0"/>
-          <a:chOff x="0" y="0"/>
-          <a:chExt cx="0" cy="0"/>
-        </a:xfrm>
-      </p:grpSpPr>
-      <p:sp>
-        <p:nvSpPr>
-          <p:cNvPr id="110" name="Google Shape;110;p14"/>
-          <p:cNvSpPr txBox="1">
-            <a:spLocks noGrp="1"/>
-          </p:cNvSpPr>
-          <p:nvPr>
-            <p:ph type="title"/>
-          </p:nvPr>
-        </p:nvSpPr>
-        <p:spPr>
-          <a:xfrm>
-            <a:off x="1101386" y="272850"/>
-            <a:ext cx="7574400" cy="749100"/>
-          </a:xfrm>
-          <a:prstGeom prst="rect">
-            <a:avLst/>
-          </a:prstGeom>
-        </p:spPr>
-        <p:txBody>
-          <a:bodyPr spcFirstLastPara="1" wrap="square" lIns="91425" tIns="91425" rIns="91425" bIns="91425" anchor="ctr" anchorCtr="0">
-            <a:noAutofit/>
-          </a:bodyPr>
-          <a:lstStyle/>
-          <a:p>
-            <a:pPr marL="0" lvl="0" indent="0" algn="l" rtl="0">
-              <a:spcBef>
-                <a:spcPts val="0"/>
-              </a:spcBef>
-              <a:spcAft>
-                <a:spcPts val="0"/>
-              </a:spcAft>
-              <a:buNone/>
-            </a:pPr>
-            <a:r>
-              <a:rPr lang="en-US" dirty="0">
-                <a:latin typeface="a옛날목욕탕L" panose="02020600000000000000" pitchFamily="18" charset="-127"/>
-                <a:ea typeface="a옛날목욕탕L" panose="02020600000000000000" pitchFamily="18" charset="-127"/>
-              </a:rPr>
-              <a:t>Send Braille to Device</a:t>
-            </a:r>
-            <a:endParaRPr dirty="0">
-              <a:latin typeface="a옛날목욕탕L" panose="02020600000000000000" pitchFamily="18" charset="-127"/>
-              <a:ea typeface="a옛날목욕탕L" panose="02020600000000000000" pitchFamily="18" charset="-127"/>
-            </a:endParaRPr>
-          </a:p>
-        </p:txBody>
-      </p:sp>
-      <p:sp>
-        <p:nvSpPr>
-          <p:cNvPr id="114" name="Google Shape;114;p14"/>
-          <p:cNvSpPr txBox="1">
-            <a:spLocks noGrp="1"/>
-          </p:cNvSpPr>
-          <p:nvPr>
-            <p:ph type="sldNum" idx="12"/>
-          </p:nvPr>
-        </p:nvSpPr>
-        <p:spPr>
-          <a:xfrm>
-            <a:off x="0" y="0"/>
-            <a:ext cx="594900" cy="731700"/>
-          </a:xfrm>
-          <a:prstGeom prst="rect">
-            <a:avLst/>
-          </a:prstGeom>
-        </p:spPr>
-        <p:txBody>
-          <a:bodyPr spcFirstLastPara="1" wrap="square" lIns="91425" tIns="91425" rIns="91425" bIns="91425" anchor="ctr" anchorCtr="0">
-            <a:noAutofit/>
-          </a:bodyPr>
-          <a:lstStyle/>
-          <a:p>
-            <a:pPr marL="0" lvl="0" indent="0" algn="ctr" rtl="0">
-              <a:spcBef>
-                <a:spcPts val="0"/>
-              </a:spcBef>
-              <a:spcAft>
-                <a:spcPts val="0"/>
-              </a:spcAft>
-              <a:buNone/>
-            </a:pPr>
-            <a:r>
-              <a:rPr lang="en-US" b="0" dirty="0">
-                <a:latin typeface="a옛날목욕탕L" panose="02020600000000000000" pitchFamily="18" charset="-127"/>
-                <a:ea typeface="a옛날목욕탕L" panose="02020600000000000000" pitchFamily="18" charset="-127"/>
-              </a:rPr>
-              <a:t>0</a:t>
-            </a:r>
-            <a:endParaRPr b="0" dirty="0">
-              <a:latin typeface="a옛날목욕탕L" panose="02020600000000000000" pitchFamily="18" charset="-127"/>
-              <a:ea typeface="a옛날목욕탕L" panose="02020600000000000000" pitchFamily="18" charset="-127"/>
-            </a:endParaRPr>
-          </a:p>
-        </p:txBody>
-      </p:sp>
+          <a:ln w="28575">
+            <a:solidFill>
+              <a:srgbClr val="FF8700"/>
+            </a:solidFill>
+            <a:tailEnd type="triangle"/>
+          </a:ln>
+        </p:spPr>
+        <p:style>
+          <a:lnRef idx="1">
+            <a:schemeClr val="accent1"/>
+          </a:lnRef>
+          <a:fillRef idx="0">
+            <a:schemeClr val="accent1"/>
+          </a:fillRef>
+          <a:effectRef idx="0">
+            <a:schemeClr val="accent1"/>
+          </a:effectRef>
+          <a:fontRef idx="minor">
+            <a:schemeClr val="tx1"/>
+          </a:fontRef>
+        </p:style>
+      </p:cxnSp>
       <p:pic>
         <p:nvPicPr>
-          <p:cNvPr id="12" name="그림 11">
+          <p:cNvPr id="35" name="그림 34" descr="실내, 앉아있는, 라이터이(가) 표시된 사진&#10;&#10;자동 생성된 설명">
             <a:extLst>
               <a:ext uri="{FF2B5EF4-FFF2-40B4-BE49-F238E27FC236}">
-                <a16:creationId xmlns:a16="http://schemas.microsoft.com/office/drawing/2014/main" id="{05CAD8AD-2828-4DA1-AC91-288181E936FE}"/>
+                <a16:creationId xmlns:a16="http://schemas.microsoft.com/office/drawing/2014/main" id="{21BB0C77-B067-491B-AB76-0375E5729805}"/>
               </a:ext>
             </a:extLst>
           </p:cNvPr>
@@ -9272,8 +9836,8 @@
         </p:blipFill>
         <p:spPr>
           <a:xfrm>
-            <a:off x="-111780" y="2147827"/>
-            <a:ext cx="1923092" cy="1923092"/>
+            <a:off x="5288684" y="2467119"/>
+            <a:ext cx="1218332" cy="1218332"/>
           </a:xfrm>
           <a:prstGeom prst="rect">
             <a:avLst/>
@@ -9282,10 +9846,10 @@
       </p:pic>
       <p:cxnSp>
         <p:nvCxnSpPr>
-          <p:cNvPr id="10" name="직선 화살표 연결선 9">
+          <p:cNvPr id="42" name="직선 화살표 연결선 41">
             <a:extLst>
               <a:ext uri="{FF2B5EF4-FFF2-40B4-BE49-F238E27FC236}">
-                <a16:creationId xmlns:a16="http://schemas.microsoft.com/office/drawing/2014/main" id="{C99A0AC6-11ED-4ECD-A695-906413B24E45}"/>
+                <a16:creationId xmlns:a16="http://schemas.microsoft.com/office/drawing/2014/main" id="{F41E0821-43A0-491A-81C2-8C97846BAE0B}"/>
               </a:ext>
             </a:extLst>
           </p:cNvPr>
@@ -9295,9 +9859,9 @@
           <p:nvPr/>
         </p:nvCxnSpPr>
         <p:spPr>
-          <a:xfrm>
-            <a:off x="1867562" y="3110365"/>
-            <a:ext cx="2704438" cy="0"/>
+          <a:xfrm flipH="1">
+            <a:off x="6478215" y="2968179"/>
+            <a:ext cx="1592825" cy="0"/>
           </a:xfrm>
           <a:prstGeom prst="straightConnector1">
             <a:avLst/>
@@ -9324,48 +9888,12 @@
           </a:fontRef>
         </p:style>
       </p:cxnSp>
-      <p:sp>
-        <p:nvSpPr>
-          <p:cNvPr id="22" name="TextBox 21">
+      <p:pic>
+        <p:nvPicPr>
+          <p:cNvPr id="13" name="그림 12">
             <a:extLst>
               <a:ext uri="{FF2B5EF4-FFF2-40B4-BE49-F238E27FC236}">
-                <a16:creationId xmlns:a16="http://schemas.microsoft.com/office/drawing/2014/main" id="{1E4BAB99-AC8F-4730-A4FE-51825D1EAD23}"/>
-              </a:ext>
-            </a:extLst>
-          </p:cNvPr>
-          <p:cNvSpPr txBox="1"/>
-          <p:nvPr/>
-        </p:nvSpPr>
-        <p:spPr>
-          <a:xfrm>
-            <a:off x="2571208" y="2316021"/>
-            <a:ext cx="1685077" cy="276999"/>
-          </a:xfrm>
-          <a:prstGeom prst="rect">
-            <a:avLst/>
-          </a:prstGeom>
-          <a:noFill/>
-        </p:spPr>
-        <p:txBody>
-          <a:bodyPr wrap="none" rtlCol="0">
-            <a:spAutoFit/>
-          </a:bodyPr>
-          <a:lstStyle/>
-          <a:p>
-            <a:r>
-              <a:rPr lang="en-US" altLang="ko-KR" sz="1200" dirty="0"/>
-              <a:t>Send braille as String</a:t>
-            </a:r>
-            <a:endParaRPr lang="ko-KR" altLang="en-US" sz="1200" dirty="0"/>
-          </a:p>
-        </p:txBody>
-      </p:sp>
-      <p:pic>
-        <p:nvPicPr>
-          <p:cNvPr id="3" name="그림 2" descr="클립아트이(가) 표시된 사진&#10;&#10;자동 생성된 설명">
-            <a:extLst>
-              <a:ext uri="{FF2B5EF4-FFF2-40B4-BE49-F238E27FC236}">
-                <a16:creationId xmlns:a16="http://schemas.microsoft.com/office/drawing/2014/main" id="{79F346F0-D6C6-4CEA-834E-95225B4D8F93}"/>
+                <a16:creationId xmlns:a16="http://schemas.microsoft.com/office/drawing/2014/main" id="{6A8C34B4-A278-4EC5-9E73-CE1DC5AFFBE4}"/>
               </a:ext>
             </a:extLst>
           </p:cNvPr>
@@ -9375,27 +9903,75 @@
           <p:nvPr/>
         </p:nvPicPr>
         <p:blipFill>
-          <a:blip r:embed="rId4"/>
+          <a:blip r:embed="rId4">
+            <a:extLst>
+              <a:ext uri="{28A0092B-C50C-407E-A947-70E740481C1C}">
+                <a14:useLocalDpi xmlns:a14="http://schemas.microsoft.com/office/drawing/2010/main" val="0"/>
+              </a:ext>
+            </a:extLst>
+          </a:blip>
           <a:stretch>
             <a:fillRect/>
           </a:stretch>
         </p:blipFill>
         <p:spPr>
           <a:xfrm>
-            <a:off x="2753644" y="2643236"/>
-            <a:ext cx="932274" cy="932274"/>
+            <a:off x="95865" y="2156945"/>
+            <a:ext cx="1767961" cy="1767961"/>
           </a:xfrm>
           <a:prstGeom prst="rect">
             <a:avLst/>
           </a:prstGeom>
         </p:spPr>
       </p:pic>
+      <p:sp>
+        <p:nvSpPr>
+          <p:cNvPr id="15" name="TextBox 14">
+            <a:extLst>
+              <a:ext uri="{FF2B5EF4-FFF2-40B4-BE49-F238E27FC236}">
+                <a16:creationId xmlns:a16="http://schemas.microsoft.com/office/drawing/2014/main" id="{B0F68676-B07F-4091-B99A-2B94AE58296B}"/>
+              </a:ext>
+            </a:extLst>
+          </p:cNvPr>
+          <p:cNvSpPr txBox="1"/>
+          <p:nvPr/>
+        </p:nvSpPr>
+        <p:spPr>
+          <a:xfrm>
+            <a:off x="1905137" y="2220898"/>
+            <a:ext cx="1657826" cy="246221"/>
+          </a:xfrm>
+          <a:prstGeom prst="rect">
+            <a:avLst/>
+          </a:prstGeom>
+          <a:noFill/>
+        </p:spPr>
+        <p:txBody>
+          <a:bodyPr wrap="none" rtlCol="0">
+            <a:spAutoFit/>
+          </a:bodyPr>
+          <a:lstStyle/>
+          <a:p>
+            <a:r>
+              <a:rPr lang="en-US" altLang="ko-KR" sz="1000" dirty="0">
+                <a:latin typeface="a옛날목욕탕L" panose="02020600000000000000" pitchFamily="18" charset="-127"/>
+                <a:ea typeface="a옛날목욕탕L" panose="02020600000000000000" pitchFamily="18" charset="-127"/>
+              </a:rPr>
+              <a:t>Send braille as String</a:t>
+            </a:r>
+            <a:endParaRPr lang="ko-KR" altLang="en-US" sz="1000" dirty="0">
+              <a:latin typeface="a옛날목욕탕L" panose="02020600000000000000" pitchFamily="18" charset="-127"/>
+              <a:ea typeface="a옛날목욕탕L" panose="02020600000000000000" pitchFamily="18" charset="-127"/>
+            </a:endParaRPr>
+          </a:p>
+        </p:txBody>
+      </p:sp>
       <p:pic>
         <p:nvPicPr>
-          <p:cNvPr id="5" name="그림 4">
+          <p:cNvPr id="16" name="그림 15" descr="클립아트이(가) 표시된 사진&#10;&#10;자동 생성된 설명">
             <a:extLst>
               <a:ext uri="{FF2B5EF4-FFF2-40B4-BE49-F238E27FC236}">
-                <a16:creationId xmlns:a16="http://schemas.microsoft.com/office/drawing/2014/main" id="{194FB526-C670-4E4B-ABC2-1C536EBEE510}"/>
+                <a16:creationId xmlns:a16="http://schemas.microsoft.com/office/drawing/2014/main" id="{2CA294D5-0FDA-4E04-B845-DDCC5E3DD647}"/>
               </a:ext>
             </a:extLst>
           </p:cNvPr>
@@ -9412,8 +9988,8 @@
         </p:blipFill>
         <p:spPr>
           <a:xfrm>
-            <a:off x="4737827" y="2571750"/>
-            <a:ext cx="1430592" cy="1430592"/>
+            <a:off x="2383926" y="2625145"/>
+            <a:ext cx="700248" cy="700248"/>
           </a:xfrm>
           <a:prstGeom prst="rect">
             <a:avLst/>
@@ -9422,10 +9998,82 @@
       </p:pic>
       <p:pic>
         <p:nvPicPr>
-          <p:cNvPr id="40" name="그림 39">
+          <p:cNvPr id="17" name="그림 16">
             <a:extLst>
               <a:ext uri="{FF2B5EF4-FFF2-40B4-BE49-F238E27FC236}">
-                <a16:creationId xmlns:a16="http://schemas.microsoft.com/office/drawing/2014/main" id="{28BE4524-25AF-41E3-A725-51EDAAF0400C}"/>
+                <a16:creationId xmlns:a16="http://schemas.microsoft.com/office/drawing/2014/main" id="{3695ED20-B6E1-49B2-97C9-5A229A56EAC0}"/>
+              </a:ext>
+            </a:extLst>
+          </p:cNvPr>
+          <p:cNvPicPr>
+            <a:picLocks noChangeAspect="1"/>
+          </p:cNvPicPr>
+          <p:nvPr/>
+        </p:nvPicPr>
+        <p:blipFill>
+          <a:blip r:embed="rId6"/>
+          <a:stretch>
+            <a:fillRect/>
+          </a:stretch>
+        </p:blipFill>
+        <p:spPr>
+          <a:xfrm>
+            <a:off x="4100233" y="2467119"/>
+            <a:ext cx="1218332" cy="1218332"/>
+          </a:xfrm>
+          <a:prstGeom prst="rect">
+            <a:avLst/>
+          </a:prstGeom>
+        </p:spPr>
+      </p:pic>
+      <p:sp>
+        <p:nvSpPr>
+          <p:cNvPr id="20" name="TextBox 19">
+            <a:extLst>
+              <a:ext uri="{FF2B5EF4-FFF2-40B4-BE49-F238E27FC236}">
+                <a16:creationId xmlns:a16="http://schemas.microsoft.com/office/drawing/2014/main" id="{DE1F4B4D-69ED-4A1E-903F-E2A5EEE12602}"/>
+              </a:ext>
+            </a:extLst>
+          </p:cNvPr>
+          <p:cNvSpPr txBox="1"/>
+          <p:nvPr/>
+        </p:nvSpPr>
+        <p:spPr>
+          <a:xfrm>
+            <a:off x="6059390" y="2220898"/>
+            <a:ext cx="2430474" cy="246221"/>
+          </a:xfrm>
+          <a:prstGeom prst="rect">
+            <a:avLst/>
+          </a:prstGeom>
+          <a:noFill/>
+        </p:spPr>
+        <p:txBody>
+          <a:bodyPr wrap="none" rtlCol="0">
+            <a:spAutoFit/>
+          </a:bodyPr>
+          <a:lstStyle/>
+          <a:p>
+            <a:r>
+              <a:rPr lang="en-US" altLang="ko-KR" sz="1000" dirty="0">
+                <a:latin typeface="a옛날목욕탕L" panose="02020600000000000000" pitchFamily="18" charset="-127"/>
+                <a:ea typeface="a옛날목욕탕L" panose="02020600000000000000" pitchFamily="18" charset="-127"/>
+              </a:rPr>
+              <a:t>Input braille using tactile button</a:t>
+            </a:r>
+            <a:endParaRPr lang="ko-KR" altLang="en-US" sz="1000" dirty="0">
+              <a:latin typeface="a옛날목욕탕L" panose="02020600000000000000" pitchFamily="18" charset="-127"/>
+              <a:ea typeface="a옛날목욕탕L" panose="02020600000000000000" pitchFamily="18" charset="-127"/>
+            </a:endParaRPr>
+          </a:p>
+        </p:txBody>
+      </p:sp>
+      <p:pic>
+        <p:nvPicPr>
+          <p:cNvPr id="21" name="그림 20">
+            <a:extLst>
+              <a:ext uri="{FF2B5EF4-FFF2-40B4-BE49-F238E27FC236}">
+                <a16:creationId xmlns:a16="http://schemas.microsoft.com/office/drawing/2014/main" id="{4D3D20B0-D518-45AD-B0DD-3917C789B0E1}"/>
               </a:ext>
             </a:extLst>
           </p:cNvPr>
@@ -9435,8 +10083,26 @@
           <p:nvPr/>
         </p:nvPicPr>
         <p:blipFill rotWithShape="1">
-          <a:blip r:embed="rId6">
+          <a:blip r:embed="rId7">
             <a:extLst>
+              <a:ext uri="{BEBA8EAE-BF5A-486C-A8C5-ECC9F3942E4B}">
+                <a14:imgProps xmlns:a14="http://schemas.microsoft.com/office/drawing/2010/main">
+                  <a14:imgLayer r:embed="rId8">
+                    <a14:imgEffect>
+                      <a14:backgroundRemoval t="3792" b="94625" l="28518" r="71429">
+                        <a14:foregroundMark x1="54055" y1="19667" x2="54055" y2="25542"/>
+                        <a14:foregroundMark x1="51907" y1="57333" x2="38963" y2="69875"/>
+                        <a14:foregroundMark x1="71294" y1="89125" x2="62137" y2="89125"/>
+                        <a14:foregroundMark x1="29243" y1="91625" x2="44361" y2="75708"/>
+                        <a14:foregroundMark x1="50269" y1="3792" x2="48120" y2="19667"/>
+                        <a14:foregroundMark x1="26557" y1="92458" x2="61923" y2="94625"/>
+                        <a14:foregroundMark x1="61923" y1="94625" x2="71294" y2="94125"/>
+                        <a14:foregroundMark x1="71294" y1="94125" x2="71294" y2="94125"/>
+                      </a14:backgroundRemoval>
+                    </a14:imgEffect>
+                  </a14:imgLayer>
+                </a14:imgProps>
+              </a:ext>
               <a:ext uri="{28A0092B-C50C-407E-A947-70E740481C1C}">
                 <a14:useLocalDpi xmlns:a14="http://schemas.microsoft.com/office/drawing/2010/main" val="0"/>
               </a:ext>
@@ -9447,100 +10113,20 @@
         </p:blipFill>
         <p:spPr>
           <a:xfrm>
-            <a:off x="8308705" y="2693896"/>
-            <a:ext cx="734162" cy="881614"/>
+            <a:off x="8280775" y="2620258"/>
+            <a:ext cx="551612" cy="662400"/>
           </a:xfrm>
           <a:prstGeom prst="rect">
             <a:avLst/>
           </a:prstGeom>
         </p:spPr>
       </p:pic>
-      <p:pic>
-        <p:nvPicPr>
-          <p:cNvPr id="33" name="그림 32">
+      <p:sp>
+        <p:nvSpPr>
+          <p:cNvPr id="19" name="TextBox 18">
             <a:extLst>
               <a:ext uri="{FF2B5EF4-FFF2-40B4-BE49-F238E27FC236}">
-                <a16:creationId xmlns:a16="http://schemas.microsoft.com/office/drawing/2014/main" id="{26277FC8-399B-435F-B8E2-A4AB03D82112}"/>
-              </a:ext>
-            </a:extLst>
-          </p:cNvPr>
-          <p:cNvPicPr>
-            <a:picLocks noChangeAspect="1"/>
-          </p:cNvPicPr>
-          <p:nvPr/>
-        </p:nvPicPr>
-        <p:blipFill>
-          <a:blip r:embed="rId7">
-            <a:extLst>
-              <a:ext uri="{28A0092B-C50C-407E-A947-70E740481C1C}">
-                <a14:useLocalDpi xmlns:a14="http://schemas.microsoft.com/office/drawing/2010/main" val="0"/>
-              </a:ext>
-            </a:extLst>
-          </a:blip>
-          <a:stretch>
-            <a:fillRect/>
-          </a:stretch>
-        </p:blipFill>
-        <p:spPr>
-          <a:xfrm>
-            <a:off x="7184821" y="2693896"/>
-            <a:ext cx="911570" cy="911570"/>
-          </a:xfrm>
-          <a:prstGeom prst="rect">
-            <a:avLst/>
-          </a:prstGeom>
-        </p:spPr>
-      </p:pic>
-      <p:cxnSp>
-        <p:nvCxnSpPr>
-          <p:cNvPr id="42" name="직선 화살표 연결선 41">
-            <a:extLst>
-              <a:ext uri="{FF2B5EF4-FFF2-40B4-BE49-F238E27FC236}">
-                <a16:creationId xmlns:a16="http://schemas.microsoft.com/office/drawing/2014/main" id="{D731BD36-218E-4F83-BC82-3C9D3E29EEB8}"/>
-              </a:ext>
-            </a:extLst>
-          </p:cNvPr>
-          <p:cNvCxnSpPr>
-            <a:cxnSpLocks/>
-          </p:cNvCxnSpPr>
-          <p:nvPr/>
-        </p:nvCxnSpPr>
-        <p:spPr>
-          <a:xfrm>
-            <a:off x="5838609" y="2849198"/>
-            <a:ext cx="1622708" cy="255729"/>
-          </a:xfrm>
-          <a:prstGeom prst="straightConnector1">
-            <a:avLst/>
-          </a:prstGeom>
-          <a:ln w="28575">
-            <a:solidFill>
-              <a:srgbClr val="FF8700"/>
-            </a:solidFill>
-            <a:tailEnd type="triangle"/>
-          </a:ln>
-        </p:spPr>
-        <p:style>
-          <a:lnRef idx="1">
-            <a:schemeClr val="accent1"/>
-          </a:lnRef>
-          <a:fillRef idx="0">
-            <a:schemeClr val="accent1"/>
-          </a:fillRef>
-          <a:effectRef idx="0">
-            <a:schemeClr val="accent1"/>
-          </a:effectRef>
-          <a:fontRef idx="minor">
-            <a:schemeClr val="tx1"/>
-          </a:fontRef>
-        </p:style>
-      </p:cxnSp>
-      <p:sp>
-        <p:nvSpPr>
-          <p:cNvPr id="46" name="TextBox 45">
-            <a:extLst>
-              <a:ext uri="{FF2B5EF4-FFF2-40B4-BE49-F238E27FC236}">
-                <a16:creationId xmlns:a16="http://schemas.microsoft.com/office/drawing/2014/main" id="{21CF38B4-9B79-40BD-9F1A-1F99ABF03144}"/>
+                <a16:creationId xmlns:a16="http://schemas.microsoft.com/office/drawing/2014/main" id="{47B84C5F-A984-4FDD-A4AA-87A4028BFFFC}"/>
               </a:ext>
             </a:extLst>
           </p:cNvPr>
@@ -9548,9 +10134,9 @@
           <p:nvPr/>
         </p:nvSpPr>
         <p:spPr>
-          <a:xfrm rot="601839">
-            <a:off x="5978143" y="2631827"/>
-            <a:ext cx="1343638" cy="276999"/>
+          <a:xfrm>
+            <a:off x="424133" y="4082932"/>
+            <a:ext cx="1164101" cy="276999"/>
           </a:xfrm>
           <a:prstGeom prst="rect">
             <a:avLst/>
@@ -9564,17 +10150,301 @@
           <a:lstStyle/>
           <a:p>
             <a:r>
-              <a:rPr lang="en-US" altLang="ko-KR" sz="1200" dirty="0"/>
-              <a:t>Activate solenoid</a:t>
-            </a:r>
-            <a:endParaRPr lang="ko-KR" altLang="en-US" sz="1200" dirty="0"/>
+              <a:rPr lang="en-US" altLang="ko-KR" sz="1200" dirty="0">
+                <a:latin typeface="a옛날목욕탕L" panose="02020600000000000000" pitchFamily="18" charset="-127"/>
+                <a:ea typeface="a옛날목욕탕L" panose="02020600000000000000" pitchFamily="18" charset="-127"/>
+              </a:rPr>
+              <a:t>BEE_MOBILE</a:t>
+            </a:r>
+            <a:endParaRPr lang="ko-KR" altLang="en-US" sz="1200" dirty="0">
+              <a:latin typeface="a옛날목욕탕L" panose="02020600000000000000" pitchFamily="18" charset="-127"/>
+              <a:ea typeface="a옛날목욕탕L" panose="02020600000000000000" pitchFamily="18" charset="-127"/>
+            </a:endParaRPr>
+          </a:p>
+        </p:txBody>
+      </p:sp>
+      <p:sp>
+        <p:nvSpPr>
+          <p:cNvPr id="22" name="TextBox 21">
+            <a:extLst>
+              <a:ext uri="{FF2B5EF4-FFF2-40B4-BE49-F238E27FC236}">
+                <a16:creationId xmlns:a16="http://schemas.microsoft.com/office/drawing/2014/main" id="{5FF31C29-98F4-465A-A909-0C971404FF4B}"/>
+              </a:ext>
+            </a:extLst>
+          </p:cNvPr>
+          <p:cNvSpPr txBox="1"/>
+          <p:nvPr/>
+        </p:nvSpPr>
+        <p:spPr>
+          <a:xfrm>
+            <a:off x="4136165" y="3719951"/>
+            <a:ext cx="1146468" cy="276999"/>
+          </a:xfrm>
+          <a:prstGeom prst="rect">
+            <a:avLst/>
+          </a:prstGeom>
+          <a:noFill/>
+        </p:spPr>
+        <p:txBody>
+          <a:bodyPr wrap="none" rtlCol="0">
+            <a:spAutoFit/>
+          </a:bodyPr>
+          <a:lstStyle/>
+          <a:p>
+            <a:r>
+              <a:rPr lang="en-US" altLang="ko-KR" sz="1200" dirty="0">
+                <a:latin typeface="a옛날목욕탕L" panose="02020600000000000000" pitchFamily="18" charset="-127"/>
+                <a:ea typeface="a옛날목욕탕L" panose="02020600000000000000" pitchFamily="18" charset="-127"/>
+              </a:rPr>
+              <a:t>BEE_DEVICE</a:t>
+            </a:r>
+            <a:endParaRPr lang="ko-KR" altLang="en-US" sz="1200" dirty="0">
+              <a:latin typeface="a옛날목욕탕L" panose="02020600000000000000" pitchFamily="18" charset="-127"/>
+              <a:ea typeface="a옛날목욕탕L" panose="02020600000000000000" pitchFamily="18" charset="-127"/>
+            </a:endParaRPr>
+          </a:p>
+        </p:txBody>
+      </p:sp>
+      <p:sp>
+        <p:nvSpPr>
+          <p:cNvPr id="23" name="TextBox 22">
+            <a:extLst>
+              <a:ext uri="{FF2B5EF4-FFF2-40B4-BE49-F238E27FC236}">
+                <a16:creationId xmlns:a16="http://schemas.microsoft.com/office/drawing/2014/main" id="{F83271D6-A312-4621-A66C-CB75D9D3A62A}"/>
+              </a:ext>
+            </a:extLst>
+          </p:cNvPr>
+          <p:cNvSpPr txBox="1"/>
+          <p:nvPr/>
+        </p:nvSpPr>
+        <p:spPr>
+          <a:xfrm>
+            <a:off x="8256659" y="3388112"/>
+            <a:ext cx="599844" cy="276999"/>
+          </a:xfrm>
+          <a:prstGeom prst="rect">
+            <a:avLst/>
+          </a:prstGeom>
+          <a:noFill/>
+        </p:spPr>
+        <p:txBody>
+          <a:bodyPr wrap="none" rtlCol="0">
+            <a:spAutoFit/>
+          </a:bodyPr>
+          <a:lstStyle/>
+          <a:p>
+            <a:r>
+              <a:rPr lang="en-US" altLang="ko-KR" sz="1200" dirty="0">
+                <a:latin typeface="a옛날목욕탕L" panose="02020600000000000000" pitchFamily="18" charset="-127"/>
+                <a:ea typeface="a옛날목욕탕L" panose="02020600000000000000" pitchFamily="18" charset="-127"/>
+              </a:rPr>
+              <a:t>USER</a:t>
+            </a:r>
+            <a:endParaRPr lang="ko-KR" altLang="en-US" sz="1200" dirty="0">
+              <a:latin typeface="a옛날목욕탕L" panose="02020600000000000000" pitchFamily="18" charset="-127"/>
+              <a:ea typeface="a옛날목욕탕L" panose="02020600000000000000" pitchFamily="18" charset="-127"/>
+            </a:endParaRPr>
           </a:p>
         </p:txBody>
       </p:sp>
     </p:spTree>
     <p:extLst>
       <p:ext uri="{BB962C8B-B14F-4D97-AF65-F5344CB8AC3E}">
-        <p14:creationId xmlns:p14="http://schemas.microsoft.com/office/powerpoint/2010/main" val="1489983510"/>
+        <p14:creationId xmlns:p14="http://schemas.microsoft.com/office/powerpoint/2010/main" val="2420109866"/>
+      </p:ext>
+    </p:extLst>
+  </p:cSld>
+  <p:clrMapOvr>
+    <a:masterClrMapping/>
+  </p:clrMapOvr>
+</p:sld>
+</file>
+
+<file path=ppt/slides/slide15.xml><?xml version="1.0" encoding="utf-8"?>
+<p:sld xmlns:a="http://schemas.openxmlformats.org/drawingml/2006/main" xmlns:r="http://schemas.openxmlformats.org/officeDocument/2006/relationships" xmlns:p="http://schemas.openxmlformats.org/presentationml/2006/main">
+  <p:cSld>
+    <p:spTree>
+      <p:nvGrpSpPr>
+        <p:cNvPr id="1" name="Shape 126"/>
+        <p:cNvGrpSpPr/>
+        <p:nvPr/>
+      </p:nvGrpSpPr>
+      <p:grpSpPr>
+        <a:xfrm>
+          <a:off x="0" y="0"/>
+          <a:ext cx="0" cy="0"/>
+          <a:chOff x="0" y="0"/>
+          <a:chExt cx="0" cy="0"/>
+        </a:xfrm>
+      </p:grpSpPr>
+      <p:sp>
+        <p:nvSpPr>
+          <p:cNvPr id="127" name="Google Shape;127;p16"/>
+          <p:cNvSpPr txBox="1">
+            <a:spLocks noGrp="1"/>
+          </p:cNvSpPr>
+          <p:nvPr>
+            <p:ph type="ctrTitle"/>
+          </p:nvPr>
+        </p:nvSpPr>
+        <p:spPr>
+          <a:xfrm>
+            <a:off x="1028475" y="2345350"/>
+            <a:ext cx="5220000" cy="1159800"/>
+          </a:xfrm>
+          <a:prstGeom prst="rect">
+            <a:avLst/>
+          </a:prstGeom>
+        </p:spPr>
+        <p:txBody>
+          <a:bodyPr spcFirstLastPara="1" wrap="square" lIns="91425" tIns="91425" rIns="91425" bIns="91425" anchor="b" anchorCtr="0">
+            <a:noAutofit/>
+          </a:bodyPr>
+          <a:lstStyle/>
+          <a:p>
+            <a:pPr marL="0" lvl="0" indent="0" algn="l" rtl="0">
+              <a:spcBef>
+                <a:spcPts val="0"/>
+              </a:spcBef>
+              <a:spcAft>
+                <a:spcPts val="0"/>
+              </a:spcAft>
+              <a:buNone/>
+            </a:pPr>
+            <a:r>
+              <a:rPr lang="en" dirty="0">
+                <a:latin typeface="a옛날목욕탕L" panose="02020600000000000000" pitchFamily="18" charset="-127"/>
+                <a:ea typeface="a옛날목욕탕L" panose="02020600000000000000" pitchFamily="18" charset="-127"/>
+              </a:rPr>
+              <a:t>3.</a:t>
+            </a:r>
+            <a:br>
+              <a:rPr lang="en" dirty="0">
+                <a:latin typeface="a옛날목욕탕L" panose="02020600000000000000" pitchFamily="18" charset="-127"/>
+                <a:ea typeface="a옛날목욕탕L" panose="02020600000000000000" pitchFamily="18" charset="-127"/>
+              </a:rPr>
+            </a:br>
+            <a:r>
+              <a:rPr lang="ko-KR" altLang="en-US" dirty="0">
+                <a:latin typeface="a옛날목욕탕L" panose="02020600000000000000" pitchFamily="18" charset="-127"/>
+                <a:ea typeface="a옛날목욕탕L" panose="02020600000000000000" pitchFamily="18" charset="-127"/>
+              </a:rPr>
+              <a:t>향후 계획</a:t>
+            </a:r>
+            <a:r>
+              <a:rPr lang="en-US" altLang="ko-KR" dirty="0">
+                <a:latin typeface="a옛날목욕탕L" panose="02020600000000000000" pitchFamily="18" charset="-127"/>
+                <a:ea typeface="a옛날목욕탕L" panose="02020600000000000000" pitchFamily="18" charset="-127"/>
+              </a:rPr>
+              <a:t> </a:t>
+            </a:r>
+            <a:endParaRPr dirty="0">
+              <a:latin typeface="a옛날목욕탕L" panose="02020600000000000000" pitchFamily="18" charset="-127"/>
+              <a:ea typeface="a옛날목욕탕L" panose="02020600000000000000" pitchFamily="18" charset="-127"/>
+            </a:endParaRPr>
+          </a:p>
+        </p:txBody>
+      </p:sp>
+      <p:sp>
+        <p:nvSpPr>
+          <p:cNvPr id="128" name="Google Shape;128;p16"/>
+          <p:cNvSpPr txBox="1">
+            <a:spLocks noGrp="1"/>
+          </p:cNvSpPr>
+          <p:nvPr>
+            <p:ph type="subTitle" idx="1"/>
+          </p:nvPr>
+        </p:nvSpPr>
+        <p:spPr>
+          <a:xfrm>
+            <a:off x="1028475" y="3449650"/>
+            <a:ext cx="5220000" cy="570000"/>
+          </a:xfrm>
+          <a:prstGeom prst="rect">
+            <a:avLst/>
+          </a:prstGeom>
+        </p:spPr>
+        <p:txBody>
+          <a:bodyPr spcFirstLastPara="1" wrap="square" lIns="91425" tIns="91425" rIns="91425" bIns="91425" anchor="t" anchorCtr="0">
+            <a:noAutofit/>
+          </a:bodyPr>
+          <a:lstStyle/>
+          <a:p>
+            <a:pPr marL="0" lvl="0" indent="0" algn="l" rtl="0">
+              <a:spcBef>
+                <a:spcPts val="0"/>
+              </a:spcBef>
+              <a:spcAft>
+                <a:spcPts val="0"/>
+              </a:spcAft>
+              <a:buNone/>
+            </a:pPr>
+            <a:r>
+              <a:rPr lang="en-US" dirty="0">
+                <a:latin typeface="a옛날목욕탕L" panose="02020600000000000000" pitchFamily="18" charset="-127"/>
+                <a:ea typeface="a옛날목욕탕L" panose="02020600000000000000" pitchFamily="18" charset="-127"/>
+              </a:rPr>
+              <a:t>B E </a:t>
+            </a:r>
+            <a:r>
+              <a:rPr lang="en-US" dirty="0" err="1">
+                <a:latin typeface="a옛날목욕탕L" panose="02020600000000000000" pitchFamily="18" charset="-127"/>
+                <a:ea typeface="a옛날목욕탕L" panose="02020600000000000000" pitchFamily="18" charset="-127"/>
+              </a:rPr>
+              <a:t>E</a:t>
+            </a:r>
+            <a:endParaRPr dirty="0">
+              <a:latin typeface="a옛날목욕탕L" panose="02020600000000000000" pitchFamily="18" charset="-127"/>
+              <a:ea typeface="a옛날목욕탕L" panose="02020600000000000000" pitchFamily="18" charset="-127"/>
+            </a:endParaRPr>
+          </a:p>
+        </p:txBody>
+      </p:sp>
+      <p:sp>
+        <p:nvSpPr>
+          <p:cNvPr id="129" name="Google Shape;129;p16"/>
+          <p:cNvSpPr txBox="1">
+            <a:spLocks noGrp="1"/>
+          </p:cNvSpPr>
+          <p:nvPr>
+            <p:ph type="sldNum" idx="4294967295"/>
+          </p:nvPr>
+        </p:nvSpPr>
+        <p:spPr>
+          <a:xfrm>
+            <a:off x="0" y="0"/>
+            <a:ext cx="594900" cy="731700"/>
+          </a:xfrm>
+          <a:prstGeom prst="rect">
+            <a:avLst/>
+          </a:prstGeom>
+        </p:spPr>
+        <p:txBody>
+          <a:bodyPr spcFirstLastPara="1" wrap="square" lIns="91425" tIns="91425" rIns="91425" bIns="91425" anchor="ctr" anchorCtr="0">
+            <a:noAutofit/>
+          </a:bodyPr>
+          <a:lstStyle/>
+          <a:p>
+            <a:pPr marL="0" lvl="0" indent="0" algn="ctr" rtl="0">
+              <a:spcBef>
+                <a:spcPts val="0"/>
+              </a:spcBef>
+              <a:spcAft>
+                <a:spcPts val="0"/>
+              </a:spcAft>
+              <a:buNone/>
+            </a:pPr>
+            <a:endParaRPr dirty="0">
+              <a:latin typeface="a옛날목욕탕L" panose="02020600000000000000" pitchFamily="18" charset="-127"/>
+              <a:ea typeface="a옛날목욕탕L" panose="02020600000000000000" pitchFamily="18" charset="-127"/>
+            </a:endParaRPr>
+          </a:p>
+        </p:txBody>
+      </p:sp>
+    </p:spTree>
+    <p:extLst>
+      <p:ext uri="{BB962C8B-B14F-4D97-AF65-F5344CB8AC3E}">
+        <p14:creationId xmlns:p14="http://schemas.microsoft.com/office/powerpoint/2010/main" val="1425291463"/>
       </p:ext>
     </p:extLst>
   </p:cSld>
@@ -9603,397 +10473,57 @@
       </p:grpSpPr>
       <p:sp>
         <p:nvSpPr>
-          <p:cNvPr id="22" name="TextBox 21">
-            <a:extLst>
-              <a:ext uri="{FF2B5EF4-FFF2-40B4-BE49-F238E27FC236}">
-                <a16:creationId xmlns:a16="http://schemas.microsoft.com/office/drawing/2014/main" id="{1E4BAB99-AC8F-4730-A4FE-51825D1EAD23}"/>
-              </a:ext>
-            </a:extLst>
-          </p:cNvPr>
-          <p:cNvSpPr txBox="1"/>
-          <p:nvPr/>
+          <p:cNvPr id="110" name="Google Shape;110;p14"/>
+          <p:cNvSpPr txBox="1">
+            <a:spLocks noGrp="1"/>
+          </p:cNvSpPr>
+          <p:nvPr>
+            <p:ph type="title"/>
+          </p:nvPr>
         </p:nvSpPr>
         <p:spPr>
           <a:xfrm>
-            <a:off x="1780840" y="2191702"/>
-            <a:ext cx="6053260" cy="1015663"/>
+            <a:off x="1101386" y="272850"/>
+            <a:ext cx="7574400" cy="749100"/>
           </a:xfrm>
           <a:prstGeom prst="rect">
             <a:avLst/>
           </a:prstGeom>
-          <a:noFill/>
         </p:spPr>
         <p:txBody>
-          <a:bodyPr wrap="none" rtlCol="0">
-            <a:spAutoFit/>
+          <a:bodyPr spcFirstLastPara="1" wrap="square" lIns="91425" tIns="91425" rIns="91425" bIns="91425" anchor="ctr" anchorCtr="0">
+            <a:noAutofit/>
           </a:bodyPr>
           <a:lstStyle/>
           <a:p>
-            <a:pPr marL="228600" indent="-228600">
-              <a:buAutoNum type="arabicPeriod"/>
+            <a:pPr marL="0" lvl="0" indent="0" algn="l" rtl="0">
+              <a:spcBef>
+                <a:spcPts val="0"/>
+              </a:spcBef>
+              <a:spcAft>
+                <a:spcPts val="0"/>
+              </a:spcAft>
+              <a:buNone/>
             </a:pPr>
             <a:r>
-              <a:rPr lang="ko-KR" altLang="en-US" sz="2000" dirty="0" err="1"/>
-              <a:t>어플에서</a:t>
-            </a:r>
-            <a:r>
-              <a:rPr lang="ko-KR" altLang="en-US" sz="2000" dirty="0"/>
-              <a:t> 전송 버튼 누름</a:t>
-            </a:r>
-            <a:endParaRPr lang="en-US" altLang="ko-KR" sz="2000" dirty="0"/>
-          </a:p>
-          <a:p>
-            <a:pPr marL="228600" indent="-228600">
-              <a:buAutoNum type="arabicPeriod"/>
-            </a:pPr>
-            <a:r>
-              <a:rPr lang="ko-KR" altLang="en-US" sz="2000" dirty="0" err="1"/>
-              <a:t>아두이노에서</a:t>
-            </a:r>
-            <a:r>
-              <a:rPr lang="ko-KR" altLang="en-US" sz="2000" dirty="0"/>
-              <a:t> </a:t>
-            </a:r>
-            <a:r>
-              <a:rPr lang="ko-KR" altLang="en-US" sz="2000" dirty="0" err="1"/>
-              <a:t>불켜지는</a:t>
-            </a:r>
-            <a:r>
-              <a:rPr lang="ko-KR" altLang="en-US" sz="2000" dirty="0"/>
-              <a:t> 것 보여줌</a:t>
-            </a:r>
-            <a:endParaRPr lang="en-US" altLang="ko-KR" sz="2000" dirty="0"/>
-          </a:p>
-          <a:p>
-            <a:pPr marL="228600" indent="-228600">
-              <a:buAutoNum type="arabicPeriod"/>
-            </a:pPr>
-            <a:r>
-              <a:rPr lang="en-US" altLang="ko-KR" sz="2000" dirty="0"/>
-              <a:t>Next </a:t>
-            </a:r>
-            <a:r>
-              <a:rPr lang="ko-KR" altLang="en-US" sz="2000" dirty="0"/>
-              <a:t>버튼으로 여러 점자 쭉 </a:t>
-            </a:r>
-            <a:r>
-              <a:rPr lang="ko-KR" altLang="en-US" sz="2000" dirty="0" err="1"/>
-              <a:t>쭉</a:t>
-            </a:r>
-            <a:r>
-              <a:rPr lang="ko-KR" altLang="en-US" sz="2000" dirty="0"/>
-              <a:t> </a:t>
-            </a:r>
-            <a:r>
-              <a:rPr lang="ko-KR" altLang="en-US" sz="2000" dirty="0" err="1"/>
-              <a:t>읽어나가는</a:t>
-            </a:r>
-            <a:r>
-              <a:rPr lang="ko-KR" altLang="en-US" sz="2000" dirty="0"/>
-              <a:t> 동영상</a:t>
-            </a:r>
-            <a:endParaRPr lang="en-US" altLang="ko-KR" sz="2000" dirty="0"/>
+              <a:rPr lang="en-US" dirty="0">
+                <a:latin typeface="a옛날목욕탕L" panose="02020600000000000000" pitchFamily="18" charset="-127"/>
+                <a:ea typeface="a옛날목욕탕L" panose="02020600000000000000" pitchFamily="18" charset="-127"/>
+                <a:cs typeface="Arial" panose="020B0604020202020204" pitchFamily="34" charset="0"/>
+              </a:rPr>
+              <a:t>Improvements</a:t>
+            </a:r>
+            <a:endParaRPr dirty="0">
+              <a:latin typeface="a옛날목욕탕L" panose="02020600000000000000" pitchFamily="18" charset="-127"/>
+              <a:ea typeface="a옛날목욕탕L" panose="02020600000000000000" pitchFamily="18" charset="-127"/>
+              <a:cs typeface="Arial" panose="020B0604020202020204" pitchFamily="34" charset="0"/>
+            </a:endParaRPr>
           </a:p>
         </p:txBody>
       </p:sp>
       <p:sp>
         <p:nvSpPr>
-          <p:cNvPr id="25" name="Google Shape;110;p14">
-            <a:extLst>
-              <a:ext uri="{FF2B5EF4-FFF2-40B4-BE49-F238E27FC236}">
-                <a16:creationId xmlns:a16="http://schemas.microsoft.com/office/drawing/2014/main" id="{8162E46F-12DA-4542-B604-DBCBC5558907}"/>
-              </a:ext>
-            </a:extLst>
-          </p:cNvPr>
-          <p:cNvSpPr txBox="1">
-            <a:spLocks/>
-          </p:cNvSpPr>
-          <p:nvPr/>
-        </p:nvSpPr>
-        <p:spPr>
-          <a:xfrm>
-            <a:off x="1101386" y="272850"/>
-            <a:ext cx="5867227" cy="749100"/>
-          </a:xfrm>
-          <a:prstGeom prst="rect">
-            <a:avLst/>
-          </a:prstGeom>
-          <a:noFill/>
-          <a:ln>
-            <a:noFill/>
-          </a:ln>
-        </p:spPr>
-        <p:txBody>
-          <a:bodyPr spcFirstLastPara="1" wrap="square" lIns="91425" tIns="91425" rIns="91425" bIns="91425" anchor="ctr" anchorCtr="0">
-            <a:noAutofit/>
-          </a:bodyPr>
-          <a:lstStyle>
-            <a:defPPr marR="0" lvl="0" algn="l" rtl="0">
-              <a:lnSpc>
-                <a:spcPct val="100000"/>
-              </a:lnSpc>
-              <a:spcBef>
-                <a:spcPts val="0"/>
-              </a:spcBef>
-              <a:spcAft>
-                <a:spcPts val="0"/>
-              </a:spcAft>
-            </a:defPPr>
-            <a:lvl1pPr marR="0" lvl="0" algn="l" rtl="0">
-              <a:lnSpc>
-                <a:spcPct val="100000"/>
-              </a:lnSpc>
-              <a:spcBef>
-                <a:spcPts val="0"/>
-              </a:spcBef>
-              <a:spcAft>
-                <a:spcPts val="0"/>
-              </a:spcAft>
-              <a:buClr>
-                <a:srgbClr val="FFFFFF"/>
-              </a:buClr>
-              <a:buSzPts val="2400"/>
-              <a:buFont typeface="Dosis"/>
-              <a:buNone/>
-              <a:defRPr sz="2400" b="0" i="0" u="none" strike="noStrike" cap="none">
-                <a:solidFill>
-                  <a:srgbClr val="FFFFFF"/>
-                </a:solidFill>
-                <a:latin typeface="Dosis"/>
-                <a:ea typeface="Dosis"/>
-                <a:cs typeface="Dosis"/>
-                <a:sym typeface="Dosis"/>
-              </a:defRPr>
-            </a:lvl1pPr>
-            <a:lvl2pPr marR="0" lvl="1" algn="l" rtl="0">
-              <a:lnSpc>
-                <a:spcPct val="100000"/>
-              </a:lnSpc>
-              <a:spcBef>
-                <a:spcPts val="0"/>
-              </a:spcBef>
-              <a:spcAft>
-                <a:spcPts val="0"/>
-              </a:spcAft>
-              <a:buClr>
-                <a:srgbClr val="FFFFFF"/>
-              </a:buClr>
-              <a:buSzPts val="2400"/>
-              <a:buFont typeface="Dosis"/>
-              <a:buNone/>
-              <a:defRPr sz="2400" b="0" i="0" u="none" strike="noStrike" cap="none">
-                <a:solidFill>
-                  <a:srgbClr val="FFFFFF"/>
-                </a:solidFill>
-                <a:latin typeface="Dosis"/>
-                <a:ea typeface="Dosis"/>
-                <a:cs typeface="Dosis"/>
-                <a:sym typeface="Dosis"/>
-              </a:defRPr>
-            </a:lvl2pPr>
-            <a:lvl3pPr marR="0" lvl="2" algn="l" rtl="0">
-              <a:lnSpc>
-                <a:spcPct val="100000"/>
-              </a:lnSpc>
-              <a:spcBef>
-                <a:spcPts val="0"/>
-              </a:spcBef>
-              <a:spcAft>
-                <a:spcPts val="0"/>
-              </a:spcAft>
-              <a:buClr>
-                <a:srgbClr val="FFFFFF"/>
-              </a:buClr>
-              <a:buSzPts val="2400"/>
-              <a:buFont typeface="Dosis"/>
-              <a:buNone/>
-              <a:defRPr sz="2400" b="0" i="0" u="none" strike="noStrike" cap="none">
-                <a:solidFill>
-                  <a:srgbClr val="FFFFFF"/>
-                </a:solidFill>
-                <a:latin typeface="Dosis"/>
-                <a:ea typeface="Dosis"/>
-                <a:cs typeface="Dosis"/>
-                <a:sym typeface="Dosis"/>
-              </a:defRPr>
-            </a:lvl3pPr>
-            <a:lvl4pPr marR="0" lvl="3" algn="l" rtl="0">
-              <a:lnSpc>
-                <a:spcPct val="100000"/>
-              </a:lnSpc>
-              <a:spcBef>
-                <a:spcPts val="0"/>
-              </a:spcBef>
-              <a:spcAft>
-                <a:spcPts val="0"/>
-              </a:spcAft>
-              <a:buClr>
-                <a:srgbClr val="FFFFFF"/>
-              </a:buClr>
-              <a:buSzPts val="2400"/>
-              <a:buFont typeface="Dosis"/>
-              <a:buNone/>
-              <a:defRPr sz="2400" b="0" i="0" u="none" strike="noStrike" cap="none">
-                <a:solidFill>
-                  <a:srgbClr val="FFFFFF"/>
-                </a:solidFill>
-                <a:latin typeface="Dosis"/>
-                <a:ea typeface="Dosis"/>
-                <a:cs typeface="Dosis"/>
-                <a:sym typeface="Dosis"/>
-              </a:defRPr>
-            </a:lvl4pPr>
-            <a:lvl5pPr marR="0" lvl="4" algn="l" rtl="0">
-              <a:lnSpc>
-                <a:spcPct val="100000"/>
-              </a:lnSpc>
-              <a:spcBef>
-                <a:spcPts val="0"/>
-              </a:spcBef>
-              <a:spcAft>
-                <a:spcPts val="0"/>
-              </a:spcAft>
-              <a:buClr>
-                <a:srgbClr val="FFFFFF"/>
-              </a:buClr>
-              <a:buSzPts val="2400"/>
-              <a:buFont typeface="Dosis"/>
-              <a:buNone/>
-              <a:defRPr sz="2400" b="0" i="0" u="none" strike="noStrike" cap="none">
-                <a:solidFill>
-                  <a:srgbClr val="FFFFFF"/>
-                </a:solidFill>
-                <a:latin typeface="Dosis"/>
-                <a:ea typeface="Dosis"/>
-                <a:cs typeface="Dosis"/>
-                <a:sym typeface="Dosis"/>
-              </a:defRPr>
-            </a:lvl5pPr>
-            <a:lvl6pPr marR="0" lvl="5" algn="l" rtl="0">
-              <a:lnSpc>
-                <a:spcPct val="100000"/>
-              </a:lnSpc>
-              <a:spcBef>
-                <a:spcPts val="0"/>
-              </a:spcBef>
-              <a:spcAft>
-                <a:spcPts val="0"/>
-              </a:spcAft>
-              <a:buClr>
-                <a:srgbClr val="FFFFFF"/>
-              </a:buClr>
-              <a:buSzPts val="2400"/>
-              <a:buFont typeface="Dosis"/>
-              <a:buNone/>
-              <a:defRPr sz="2400" b="0" i="0" u="none" strike="noStrike" cap="none">
-                <a:solidFill>
-                  <a:srgbClr val="FFFFFF"/>
-                </a:solidFill>
-                <a:latin typeface="Dosis"/>
-                <a:ea typeface="Dosis"/>
-                <a:cs typeface="Dosis"/>
-                <a:sym typeface="Dosis"/>
-              </a:defRPr>
-            </a:lvl6pPr>
-            <a:lvl7pPr marR="0" lvl="6" algn="l" rtl="0">
-              <a:lnSpc>
-                <a:spcPct val="100000"/>
-              </a:lnSpc>
-              <a:spcBef>
-                <a:spcPts val="0"/>
-              </a:spcBef>
-              <a:spcAft>
-                <a:spcPts val="0"/>
-              </a:spcAft>
-              <a:buClr>
-                <a:srgbClr val="FFFFFF"/>
-              </a:buClr>
-              <a:buSzPts val="2400"/>
-              <a:buFont typeface="Dosis"/>
-              <a:buNone/>
-              <a:defRPr sz="2400" b="0" i="0" u="none" strike="noStrike" cap="none">
-                <a:solidFill>
-                  <a:srgbClr val="FFFFFF"/>
-                </a:solidFill>
-                <a:latin typeface="Dosis"/>
-                <a:ea typeface="Dosis"/>
-                <a:cs typeface="Dosis"/>
-                <a:sym typeface="Dosis"/>
-              </a:defRPr>
-            </a:lvl7pPr>
-            <a:lvl8pPr marR="0" lvl="7" algn="l" rtl="0">
-              <a:lnSpc>
-                <a:spcPct val="100000"/>
-              </a:lnSpc>
-              <a:spcBef>
-                <a:spcPts val="0"/>
-              </a:spcBef>
-              <a:spcAft>
-                <a:spcPts val="0"/>
-              </a:spcAft>
-              <a:buClr>
-                <a:srgbClr val="FFFFFF"/>
-              </a:buClr>
-              <a:buSzPts val="2400"/>
-              <a:buFont typeface="Dosis"/>
-              <a:buNone/>
-              <a:defRPr sz="2400" b="0" i="0" u="none" strike="noStrike" cap="none">
-                <a:solidFill>
-                  <a:srgbClr val="FFFFFF"/>
-                </a:solidFill>
-                <a:latin typeface="Dosis"/>
-                <a:ea typeface="Dosis"/>
-                <a:cs typeface="Dosis"/>
-                <a:sym typeface="Dosis"/>
-              </a:defRPr>
-            </a:lvl8pPr>
-            <a:lvl9pPr marR="0" lvl="8" algn="l" rtl="0">
-              <a:lnSpc>
-                <a:spcPct val="100000"/>
-              </a:lnSpc>
-              <a:spcBef>
-                <a:spcPts val="0"/>
-              </a:spcBef>
-              <a:spcAft>
-                <a:spcPts val="0"/>
-              </a:spcAft>
-              <a:buClr>
-                <a:srgbClr val="FFFFFF"/>
-              </a:buClr>
-              <a:buSzPts val="2400"/>
-              <a:buFont typeface="Dosis"/>
-              <a:buNone/>
-              <a:defRPr sz="2400" b="0" i="0" u="none" strike="noStrike" cap="none">
-                <a:solidFill>
-                  <a:srgbClr val="FFFFFF"/>
-                </a:solidFill>
-                <a:latin typeface="Dosis"/>
-                <a:ea typeface="Dosis"/>
-                <a:cs typeface="Dosis"/>
-                <a:sym typeface="Dosis"/>
-              </a:defRPr>
-            </a:lvl9pPr>
-          </a:lstStyle>
-          <a:p>
-            <a:r>
-              <a:rPr lang="en-US" dirty="0">
-                <a:latin typeface="a옛날목욕탕L" panose="02020600000000000000" pitchFamily="18" charset="-127"/>
-                <a:ea typeface="a옛날목욕탕L" panose="02020600000000000000" pitchFamily="18" charset="-127"/>
-              </a:rPr>
-              <a:t>Send Braille to Device</a:t>
-            </a:r>
-          </a:p>
-        </p:txBody>
-      </p:sp>
-      <p:sp>
-        <p:nvSpPr>
-          <p:cNvPr id="26" name="Google Shape;114;p14">
-            <a:extLst>
-              <a:ext uri="{FF2B5EF4-FFF2-40B4-BE49-F238E27FC236}">
-                <a16:creationId xmlns:a16="http://schemas.microsoft.com/office/drawing/2014/main" id="{4B0BF4A8-DBC9-4323-B2F9-23DEDA7A3AE3}"/>
-              </a:ext>
-            </a:extLst>
-          </p:cNvPr>
+          <p:cNvPr id="114" name="Google Shape;114;p14"/>
           <p:cNvSpPr txBox="1">
             <a:spLocks noGrp="1"/>
           </p:cNvSpPr>
@@ -10026,13 +10556,244 @@
               <a:buNone/>
             </a:pPr>
             <a:r>
-              <a:rPr lang="en-US" b="0" dirty="0">
-                <a:latin typeface="a옛날목욕탕L" panose="02020600000000000000" pitchFamily="18" charset="-127"/>
-                <a:ea typeface="a옛날목욕탕L" panose="02020600000000000000" pitchFamily="18" charset="-127"/>
-              </a:rPr>
-              <a:t>0</a:t>
+              <a:rPr lang="en-US" altLang="ko-KR" b="0" dirty="0">
+                <a:latin typeface="a옛날목욕탕L" panose="02020600000000000000" pitchFamily="18" charset="-127"/>
+                <a:ea typeface="a옛날목욕탕L" panose="02020600000000000000" pitchFamily="18" charset="-127"/>
+              </a:rPr>
+              <a:t>3</a:t>
             </a:r>
             <a:endParaRPr b="0" dirty="0">
+              <a:latin typeface="a옛날목욕탕L" panose="02020600000000000000" pitchFamily="18" charset="-127"/>
+              <a:ea typeface="a옛날목욕탕L" panose="02020600000000000000" pitchFamily="18" charset="-127"/>
+            </a:endParaRPr>
+          </a:p>
+        </p:txBody>
+      </p:sp>
+      <p:sp>
+        <p:nvSpPr>
+          <p:cNvPr id="6" name="Google Shape;134;p17">
+            <a:extLst>
+              <a:ext uri="{FF2B5EF4-FFF2-40B4-BE49-F238E27FC236}">
+                <a16:creationId xmlns:a16="http://schemas.microsoft.com/office/drawing/2014/main" id="{E571A7BD-BB71-49F1-9E3F-BCA5BDD785A2}"/>
+              </a:ext>
+            </a:extLst>
+          </p:cNvPr>
+          <p:cNvSpPr txBox="1">
+            <a:spLocks noGrp="1"/>
+          </p:cNvSpPr>
+          <p:nvPr>
+            <p:ph type="body" idx="1"/>
+          </p:nvPr>
+        </p:nvSpPr>
+        <p:spPr>
+          <a:xfrm>
+            <a:off x="499733" y="1552064"/>
+            <a:ext cx="8527036" cy="3084067"/>
+          </a:xfrm>
+          <a:prstGeom prst="rect">
+            <a:avLst/>
+          </a:prstGeom>
+        </p:spPr>
+        <p:txBody>
+          <a:bodyPr spcFirstLastPara="1" wrap="square" lIns="91425" tIns="91425" rIns="91425" bIns="91425" anchor="ctr" anchorCtr="0">
+            <a:noAutofit/>
+          </a:bodyPr>
+          <a:lstStyle/>
+          <a:p>
+            <a:pPr lvl="2">
+              <a:lnSpc>
+                <a:spcPct val="120000"/>
+              </a:lnSpc>
+            </a:pPr>
+            <a:r>
+              <a:rPr lang="en-US" altLang="ko-KR" sz="2000" dirty="0">
+                <a:latin typeface="a옛날목욕탕L" panose="02020600000000000000" pitchFamily="18" charset="-127"/>
+                <a:ea typeface="a옛날목욕탕L" panose="02020600000000000000" pitchFamily="18" charset="-127"/>
+              </a:rPr>
+              <a:t>Device Tool</a:t>
+            </a:r>
+            <a:r>
+              <a:rPr lang="ko-KR" altLang="en-US" sz="2000" dirty="0">
+                <a:latin typeface="a옛날목욕탕L" panose="02020600000000000000" pitchFamily="18" charset="-127"/>
+                <a:ea typeface="a옛날목욕탕L" panose="02020600000000000000" pitchFamily="18" charset="-127"/>
+              </a:rPr>
+              <a:t> 구성</a:t>
+            </a:r>
+            <a:endParaRPr lang="en-US" altLang="ko-KR" sz="2000" dirty="0">
+              <a:latin typeface="a옛날목욕탕L" panose="02020600000000000000" pitchFamily="18" charset="-127"/>
+              <a:ea typeface="a옛날목욕탕L" panose="02020600000000000000" pitchFamily="18" charset="-127"/>
+            </a:endParaRPr>
+          </a:p>
+          <a:p>
+            <a:pPr marL="1435100" lvl="3" indent="0">
+              <a:lnSpc>
+                <a:spcPct val="120000"/>
+              </a:lnSpc>
+              <a:buNone/>
+            </a:pPr>
+            <a:r>
+              <a:rPr lang="en-US" altLang="ko-KR" sz="1600" dirty="0">
+                <a:latin typeface="a옛날목욕탕L" panose="02020600000000000000" pitchFamily="18" charset="-127"/>
+                <a:ea typeface="a옛날목욕탕L" panose="02020600000000000000" pitchFamily="18" charset="-127"/>
+              </a:rPr>
+              <a:t>    1) </a:t>
+            </a:r>
+            <a:r>
+              <a:rPr lang="ko-KR" altLang="en-US" sz="1600" dirty="0" err="1">
+                <a:latin typeface="a옛날목욕탕L" panose="02020600000000000000" pitchFamily="18" charset="-127"/>
+                <a:ea typeface="a옛날목욕탕L" panose="02020600000000000000" pitchFamily="18" charset="-127"/>
+              </a:rPr>
+              <a:t>점자셀</a:t>
+            </a:r>
+            <a:r>
+              <a:rPr lang="ko-KR" altLang="en-US" sz="1600" dirty="0">
+                <a:latin typeface="a옛날목욕탕L" panose="02020600000000000000" pitchFamily="18" charset="-127"/>
+                <a:ea typeface="a옛날목욕탕L" panose="02020600000000000000" pitchFamily="18" charset="-127"/>
+              </a:rPr>
+              <a:t> </a:t>
+            </a:r>
+            <a:r>
+              <a:rPr lang="en-US" altLang="ko-KR" sz="1600" dirty="0">
+                <a:latin typeface="a옛날목욕탕L" panose="02020600000000000000" pitchFamily="18" charset="-127"/>
+                <a:ea typeface="a옛날목욕탕L" panose="02020600000000000000" pitchFamily="18" charset="-127"/>
+              </a:rPr>
+              <a:t>– 3D </a:t>
+            </a:r>
+            <a:r>
+              <a:rPr lang="ko-KR" altLang="en-US" sz="1600" dirty="0">
+                <a:latin typeface="a옛날목욕탕L" panose="02020600000000000000" pitchFamily="18" charset="-127"/>
+                <a:ea typeface="a옛날목욕탕L" panose="02020600000000000000" pitchFamily="18" charset="-127"/>
+              </a:rPr>
+              <a:t>프린터 이용하여 점자 돌출부 구현</a:t>
+            </a:r>
+            <a:endParaRPr lang="en-US" altLang="ko-KR" sz="1600" dirty="0">
+              <a:latin typeface="a옛날목욕탕L" panose="02020600000000000000" pitchFamily="18" charset="-127"/>
+              <a:ea typeface="a옛날목욕탕L" panose="02020600000000000000" pitchFamily="18" charset="-127"/>
+            </a:endParaRPr>
+          </a:p>
+          <a:p>
+            <a:pPr marL="1435100" lvl="3" indent="0">
+              <a:lnSpc>
+                <a:spcPct val="120000"/>
+              </a:lnSpc>
+              <a:buNone/>
+            </a:pPr>
+            <a:r>
+              <a:rPr lang="en-US" altLang="ko-KR" sz="1600" dirty="0">
+                <a:latin typeface="a옛날목욕탕L" panose="02020600000000000000" pitchFamily="18" charset="-127"/>
+                <a:ea typeface="a옛날목욕탕L" panose="02020600000000000000" pitchFamily="18" charset="-127"/>
+              </a:rPr>
+              <a:t>    2) </a:t>
+            </a:r>
+            <a:r>
+              <a:rPr lang="ko-KR" altLang="en-US" sz="1600" dirty="0" err="1">
+                <a:latin typeface="a옛날목욕탕L" panose="02020600000000000000" pitchFamily="18" charset="-127"/>
+                <a:ea typeface="a옛날목욕탕L" panose="02020600000000000000" pitchFamily="18" charset="-127"/>
+              </a:rPr>
+              <a:t>입력부</a:t>
+            </a:r>
+            <a:r>
+              <a:rPr lang="ko-KR" altLang="en-US" sz="1600" dirty="0">
+                <a:latin typeface="a옛날목욕탕L" panose="02020600000000000000" pitchFamily="18" charset="-127"/>
+                <a:ea typeface="a옛날목욕탕L" panose="02020600000000000000" pitchFamily="18" charset="-127"/>
+              </a:rPr>
+              <a:t> </a:t>
+            </a:r>
+            <a:r>
+              <a:rPr lang="en-US" altLang="ko-KR" sz="1600" dirty="0">
+                <a:latin typeface="a옛날목욕탕L" panose="02020600000000000000" pitchFamily="18" charset="-127"/>
+                <a:ea typeface="a옛날목욕탕L" panose="02020600000000000000" pitchFamily="18" charset="-127"/>
+              </a:rPr>
+              <a:t>– 6</a:t>
+            </a:r>
+            <a:r>
+              <a:rPr lang="ko-KR" altLang="en-US" sz="1600" dirty="0">
+                <a:latin typeface="a옛날목욕탕L" panose="02020600000000000000" pitchFamily="18" charset="-127"/>
+                <a:ea typeface="a옛날목욕탕L" panose="02020600000000000000" pitchFamily="18" charset="-127"/>
+              </a:rPr>
+              <a:t>개의 점자부와 </a:t>
+            </a:r>
+            <a:r>
+              <a:rPr lang="en-US" altLang="ko-KR" sz="1600" dirty="0">
+                <a:latin typeface="a옛날목욕탕L" panose="02020600000000000000" pitchFamily="18" charset="-127"/>
+                <a:ea typeface="a옛날목욕탕L" panose="02020600000000000000" pitchFamily="18" charset="-127"/>
+              </a:rPr>
+              <a:t>enter, send, backspace</a:t>
+            </a:r>
+          </a:p>
+          <a:p>
+            <a:pPr marL="977900" lvl="2" indent="0">
+              <a:lnSpc>
+                <a:spcPct val="120000"/>
+              </a:lnSpc>
+              <a:buNone/>
+            </a:pPr>
+            <a:endParaRPr lang="en-US" altLang="ko-KR" sz="2000" dirty="0">
+              <a:latin typeface="a옛날목욕탕L" panose="02020600000000000000" pitchFamily="18" charset="-127"/>
+              <a:ea typeface="a옛날목욕탕L" panose="02020600000000000000" pitchFamily="18" charset="-127"/>
+            </a:endParaRPr>
+          </a:p>
+          <a:p>
+            <a:pPr lvl="2">
+              <a:lnSpc>
+                <a:spcPct val="120000"/>
+              </a:lnSpc>
+            </a:pPr>
+            <a:r>
+              <a:rPr lang="ko-KR" altLang="en-US" sz="2000" dirty="0">
+                <a:latin typeface="a옛날목욕탕L" panose="02020600000000000000" pitchFamily="18" charset="-127"/>
+                <a:ea typeface="a옛날목욕탕L" panose="02020600000000000000" pitchFamily="18" charset="-127"/>
+              </a:rPr>
+              <a:t>버튼 입력 시 최적화 필요</a:t>
+            </a:r>
+            <a:endParaRPr lang="en-US" altLang="ko-KR" sz="2000" dirty="0">
+              <a:latin typeface="a옛날목욕탕L" panose="02020600000000000000" pitchFamily="18" charset="-127"/>
+              <a:ea typeface="a옛날목욕탕L" panose="02020600000000000000" pitchFamily="18" charset="-127"/>
+            </a:endParaRPr>
+          </a:p>
+          <a:p>
+            <a:pPr marL="977900" lvl="2" indent="0">
+              <a:lnSpc>
+                <a:spcPct val="120000"/>
+              </a:lnSpc>
+              <a:buNone/>
+            </a:pPr>
+            <a:r>
+              <a:rPr lang="en-US" altLang="ko-KR" sz="2000" dirty="0">
+                <a:latin typeface="a옛날목욕탕L" panose="02020600000000000000" pitchFamily="18" charset="-127"/>
+                <a:ea typeface="a옛날목욕탕L" panose="02020600000000000000" pitchFamily="18" charset="-127"/>
+              </a:rPr>
+              <a:t>    	</a:t>
+            </a:r>
+            <a:r>
+              <a:rPr lang="en-US" altLang="ko-KR" sz="1600" dirty="0">
+                <a:latin typeface="a옛날목욕탕L" panose="02020600000000000000" pitchFamily="18" charset="-127"/>
+                <a:ea typeface="a옛날목욕탕L" panose="02020600000000000000" pitchFamily="18" charset="-127"/>
+              </a:rPr>
+              <a:t>- </a:t>
+            </a:r>
+            <a:r>
+              <a:rPr lang="ko-KR" altLang="en-US" sz="1600" dirty="0">
+                <a:latin typeface="a옛날목욕탕L" panose="02020600000000000000" pitchFamily="18" charset="-127"/>
+                <a:ea typeface="a옛날목욕탕L" panose="02020600000000000000" pitchFamily="18" charset="-127"/>
+              </a:rPr>
+              <a:t>중복 입력을 방지하기 위한 </a:t>
+            </a:r>
+            <a:r>
+              <a:rPr lang="en-US" altLang="ko-KR" sz="1600" dirty="0">
+                <a:latin typeface="a옛날목욕탕L" panose="02020600000000000000" pitchFamily="18" charset="-127"/>
+                <a:ea typeface="a옛날목욕탕L" panose="02020600000000000000" pitchFamily="18" charset="-127"/>
+              </a:rPr>
+              <a:t>delay </a:t>
+            </a:r>
+            <a:r>
+              <a:rPr lang="ko-KR" altLang="en-US" sz="1600" dirty="0">
+                <a:latin typeface="a옛날목욕탕L" panose="02020600000000000000" pitchFamily="18" charset="-127"/>
+                <a:ea typeface="a옛날목욕탕L" panose="02020600000000000000" pitchFamily="18" charset="-127"/>
+              </a:rPr>
+              <a:t>설정</a:t>
+            </a:r>
+            <a:endParaRPr lang="en-US" altLang="ko-KR" sz="1600" dirty="0">
               <a:latin typeface="a옛날목욕탕L" panose="02020600000000000000" pitchFamily="18" charset="-127"/>
               <a:ea typeface="a옛날목욕탕L" panose="02020600000000000000" pitchFamily="18" charset="-127"/>
             </a:endParaRPr>
@@ -10042,7 +10803,7 @@
     </p:spTree>
     <p:extLst>
       <p:ext uri="{BB962C8B-B14F-4D97-AF65-F5344CB8AC3E}">
-        <p14:creationId xmlns:p14="http://schemas.microsoft.com/office/powerpoint/2010/main" val="2791579978"/>
+        <p14:creationId xmlns:p14="http://schemas.microsoft.com/office/powerpoint/2010/main" val="2307596238"/>
       </p:ext>
     </p:extLst>
   </p:cSld>
@@ -10057,7 +10818,7 @@
   <p:cSld>
     <p:spTree>
       <p:nvGrpSpPr>
-        <p:cNvPr id="1" name="Shape 109"/>
+        <p:cNvPr id="1" name="Shape 303"/>
         <p:cNvGrpSpPr/>
         <p:nvPr/>
       </p:nvGrpSpPr>
@@ -10071,66 +10832,18 @@
       </p:grpSpPr>
       <p:sp>
         <p:nvSpPr>
-          <p:cNvPr id="110" name="Google Shape;110;p14"/>
+          <p:cNvPr id="305" name="Google Shape;305;p36"/>
           <p:cNvSpPr txBox="1">
             <a:spLocks noGrp="1"/>
           </p:cNvSpPr>
           <p:nvPr>
-            <p:ph type="title"/>
+            <p:ph type="ctrTitle" idx="4294967295"/>
           </p:nvPr>
         </p:nvSpPr>
         <p:spPr>
           <a:xfrm>
-            <a:off x="1101386" y="272850"/>
-            <a:ext cx="7574400" cy="749100"/>
-          </a:xfrm>
-          <a:prstGeom prst="rect">
-            <a:avLst/>
-          </a:prstGeom>
-        </p:spPr>
-        <p:txBody>
-          <a:bodyPr spcFirstLastPara="1" wrap="square" lIns="91425" tIns="91425" rIns="91425" bIns="91425" anchor="ctr" anchorCtr="0">
-            <a:noAutofit/>
-          </a:bodyPr>
-          <a:lstStyle/>
-          <a:p>
-            <a:pPr marL="0" lvl="0" indent="0" algn="l" rtl="0">
-              <a:spcBef>
-                <a:spcPts val="0"/>
-              </a:spcBef>
-              <a:spcAft>
-                <a:spcPts val="0"/>
-              </a:spcAft>
-              <a:buNone/>
-            </a:pPr>
-            <a:r>
-              <a:rPr lang="en-US" dirty="0">
-                <a:latin typeface="a옛날목욕탕L" panose="02020600000000000000" pitchFamily="18" charset="-127"/>
-                <a:ea typeface="a옛날목욕탕L" panose="02020600000000000000" pitchFamily="18" charset="-127"/>
-              </a:rPr>
-              <a:t>Get Braille from Device</a:t>
-            </a:r>
-            <a:endParaRPr dirty="0">
-              <a:latin typeface="a옛날목욕탕L" panose="02020600000000000000" pitchFamily="18" charset="-127"/>
-              <a:ea typeface="a옛날목욕탕L" panose="02020600000000000000" pitchFamily="18" charset="-127"/>
-            </a:endParaRPr>
-          </a:p>
-        </p:txBody>
-      </p:sp>
-      <p:sp>
-        <p:nvSpPr>
-          <p:cNvPr id="114" name="Google Shape;114;p14"/>
-          <p:cNvSpPr txBox="1">
-            <a:spLocks noGrp="1"/>
-          </p:cNvSpPr>
-          <p:nvPr>
-            <p:ph type="sldNum" idx="12"/>
-          </p:nvPr>
-        </p:nvSpPr>
-        <p:spPr>
-          <a:xfrm>
-            <a:off x="0" y="0"/>
-            <a:ext cx="594900" cy="731700"/>
+            <a:off x="2624139" y="1518639"/>
+            <a:ext cx="4136577" cy="2203204"/>
           </a:xfrm>
           <a:prstGeom prst="rect">
             <a:avLst/>
@@ -10152,764 +10865,38 @@
               <a:buNone/>
             </a:pPr>
             <a:r>
-              <a:rPr lang="en-US" b="0" dirty="0">
-                <a:latin typeface="a옛날목욕탕L" panose="02020600000000000000" pitchFamily="18" charset="-127"/>
-                <a:ea typeface="a옛날목욕탕L" panose="02020600000000000000" pitchFamily="18" charset="-127"/>
-              </a:rPr>
-              <a:t>0</a:t>
-            </a:r>
-            <a:endParaRPr b="0" dirty="0">
-              <a:latin typeface="a옛날목욕탕L" panose="02020600000000000000" pitchFamily="18" charset="-127"/>
-              <a:ea typeface="a옛날목욕탕L" panose="02020600000000000000" pitchFamily="18" charset="-127"/>
-            </a:endParaRPr>
-          </a:p>
-        </p:txBody>
-      </p:sp>
-      <p:pic>
-        <p:nvPicPr>
-          <p:cNvPr id="23" name="그림 22">
-            <a:extLst>
-              <a:ext uri="{FF2B5EF4-FFF2-40B4-BE49-F238E27FC236}">
-                <a16:creationId xmlns:a16="http://schemas.microsoft.com/office/drawing/2014/main" id="{466C35A5-DC85-4C22-8A82-654C3BA29500}"/>
-              </a:ext>
-            </a:extLst>
-          </p:cNvPr>
-          <p:cNvPicPr>
-            <a:picLocks noChangeAspect="1"/>
-          </p:cNvPicPr>
-          <p:nvPr/>
-        </p:nvPicPr>
-        <p:blipFill>
-          <a:blip r:embed="rId3">
-            <a:extLst>
-              <a:ext uri="{28A0092B-C50C-407E-A947-70E740481C1C}">
-                <a14:useLocalDpi xmlns:a14="http://schemas.microsoft.com/office/drawing/2010/main" val="0"/>
-              </a:ext>
-            </a:extLst>
-          </a:blip>
-          <a:stretch>
-            <a:fillRect/>
-          </a:stretch>
-        </p:blipFill>
-        <p:spPr>
-          <a:xfrm>
-            <a:off x="-244515" y="2206821"/>
-            <a:ext cx="1923092" cy="1923092"/>
-          </a:xfrm>
-          <a:prstGeom prst="rect">
-            <a:avLst/>
-          </a:prstGeom>
-        </p:spPr>
-      </p:pic>
-      <p:cxnSp>
-        <p:nvCxnSpPr>
-          <p:cNvPr id="24" name="직선 화살표 연결선 23">
-            <a:extLst>
-              <a:ext uri="{FF2B5EF4-FFF2-40B4-BE49-F238E27FC236}">
-                <a16:creationId xmlns:a16="http://schemas.microsoft.com/office/drawing/2014/main" id="{37383263-15C5-404E-8E98-22CBE8FB17E2}"/>
-              </a:ext>
-            </a:extLst>
-          </p:cNvPr>
-          <p:cNvCxnSpPr>
-            <a:cxnSpLocks/>
-          </p:cNvCxnSpPr>
-          <p:nvPr/>
-        </p:nvCxnSpPr>
-        <p:spPr>
-          <a:xfrm flipH="1">
-            <a:off x="1762432" y="3168367"/>
-            <a:ext cx="2398505" cy="0"/>
-          </a:xfrm>
-          <a:prstGeom prst="straightConnector1">
-            <a:avLst/>
-          </a:prstGeom>
-          <a:ln w="28575">
-            <a:solidFill>
-              <a:srgbClr val="FF8700"/>
-            </a:solidFill>
-            <a:tailEnd type="triangle"/>
-          </a:ln>
-        </p:spPr>
-        <p:style>
-          <a:lnRef idx="1">
-            <a:schemeClr val="accent1"/>
-          </a:lnRef>
-          <a:fillRef idx="0">
-            <a:schemeClr val="accent1"/>
-          </a:fillRef>
-          <a:effectRef idx="0">
-            <a:schemeClr val="accent1"/>
-          </a:effectRef>
-          <a:fontRef idx="minor">
-            <a:schemeClr val="tx1"/>
-          </a:fontRef>
-        </p:style>
-      </p:cxnSp>
-      <p:sp>
-        <p:nvSpPr>
-          <p:cNvPr id="25" name="TextBox 24">
-            <a:extLst>
-              <a:ext uri="{FF2B5EF4-FFF2-40B4-BE49-F238E27FC236}">
-                <a16:creationId xmlns:a16="http://schemas.microsoft.com/office/drawing/2014/main" id="{D4CE332F-6DA5-42E7-B883-5921ECB7757F}"/>
-              </a:ext>
-            </a:extLst>
-          </p:cNvPr>
-          <p:cNvSpPr txBox="1"/>
-          <p:nvPr/>
-        </p:nvSpPr>
-        <p:spPr>
-          <a:xfrm>
-            <a:off x="2119145" y="3729072"/>
-            <a:ext cx="1685077" cy="276999"/>
-          </a:xfrm>
-          <a:prstGeom prst="rect">
-            <a:avLst/>
-          </a:prstGeom>
-          <a:noFill/>
-        </p:spPr>
-        <p:txBody>
-          <a:bodyPr wrap="none" rtlCol="0">
-            <a:spAutoFit/>
-          </a:bodyPr>
-          <a:lstStyle/>
-          <a:p>
-            <a:r>
-              <a:rPr lang="en-US" altLang="ko-KR" sz="1200" dirty="0"/>
-              <a:t>Send braille as String</a:t>
-            </a:r>
-            <a:endParaRPr lang="ko-KR" altLang="en-US" sz="1200" dirty="0"/>
-          </a:p>
-        </p:txBody>
-      </p:sp>
-      <p:pic>
-        <p:nvPicPr>
-          <p:cNvPr id="26" name="그림 25" descr="클립아트이(가) 표시된 사진&#10;&#10;자동 생성된 설명">
-            <a:extLst>
-              <a:ext uri="{FF2B5EF4-FFF2-40B4-BE49-F238E27FC236}">
-                <a16:creationId xmlns:a16="http://schemas.microsoft.com/office/drawing/2014/main" id="{FABAE97E-45D9-476A-8252-57F15B5A7401}"/>
-              </a:ext>
-            </a:extLst>
-          </p:cNvPr>
-          <p:cNvPicPr>
-            <a:picLocks noChangeAspect="1"/>
-          </p:cNvPicPr>
-          <p:nvPr/>
-        </p:nvPicPr>
-        <p:blipFill>
-          <a:blip r:embed="rId4"/>
-          <a:stretch>
-            <a:fillRect/>
-          </a:stretch>
-        </p:blipFill>
-        <p:spPr>
-          <a:xfrm>
-            <a:off x="2495547" y="2702230"/>
-            <a:ext cx="932274" cy="932274"/>
-          </a:xfrm>
-          <a:prstGeom prst="rect">
-            <a:avLst/>
-          </a:prstGeom>
-        </p:spPr>
-      </p:pic>
-      <p:pic>
-        <p:nvPicPr>
-          <p:cNvPr id="27" name="그림 26">
-            <a:extLst>
-              <a:ext uri="{FF2B5EF4-FFF2-40B4-BE49-F238E27FC236}">
-                <a16:creationId xmlns:a16="http://schemas.microsoft.com/office/drawing/2014/main" id="{9995B9E9-7B4D-4419-9915-ED52D02E9741}"/>
-              </a:ext>
-            </a:extLst>
-          </p:cNvPr>
-          <p:cNvPicPr>
-            <a:picLocks noChangeAspect="1"/>
-          </p:cNvPicPr>
-          <p:nvPr/>
-        </p:nvPicPr>
-        <p:blipFill>
-          <a:blip r:embed="rId5"/>
-          <a:stretch>
-            <a:fillRect/>
-          </a:stretch>
-        </p:blipFill>
-        <p:spPr>
-          <a:xfrm>
-            <a:off x="4289086" y="2630744"/>
-            <a:ext cx="1430592" cy="1430592"/>
-          </a:xfrm>
-          <a:prstGeom prst="rect">
-            <a:avLst/>
-          </a:prstGeom>
-        </p:spPr>
-      </p:pic>
-      <p:pic>
-        <p:nvPicPr>
-          <p:cNvPr id="40" name="그림 39">
-            <a:extLst>
-              <a:ext uri="{FF2B5EF4-FFF2-40B4-BE49-F238E27FC236}">
-                <a16:creationId xmlns:a16="http://schemas.microsoft.com/office/drawing/2014/main" id="{4BFBBE2D-1B7D-4E4A-A764-2DDF7DC1252A}"/>
-              </a:ext>
-            </a:extLst>
-          </p:cNvPr>
-          <p:cNvPicPr>
-            <a:picLocks noChangeAspect="1"/>
-          </p:cNvPicPr>
-          <p:nvPr/>
-        </p:nvPicPr>
-        <p:blipFill rotWithShape="1">
-          <a:blip r:embed="rId6">
-            <a:extLst>
-              <a:ext uri="{28A0092B-C50C-407E-A947-70E740481C1C}">
-                <a14:useLocalDpi xmlns:a14="http://schemas.microsoft.com/office/drawing/2010/main" val="0"/>
-              </a:ext>
-            </a:extLst>
-          </a:blip>
-          <a:srcRect l="23166" r="23166"/>
-          <a:stretch/>
-        </p:blipFill>
-        <p:spPr>
-          <a:xfrm>
-            <a:off x="8409838" y="2693896"/>
-            <a:ext cx="734162" cy="881614"/>
-          </a:xfrm>
-          <a:prstGeom prst="rect">
-            <a:avLst/>
-          </a:prstGeom>
-        </p:spPr>
-      </p:pic>
-      <p:pic>
-        <p:nvPicPr>
-          <p:cNvPr id="35" name="그림 34" descr="실내, 앉아있는, 라이터이(가) 표시된 사진&#10;&#10;자동 생성된 설명">
-            <a:extLst>
-              <a:ext uri="{FF2B5EF4-FFF2-40B4-BE49-F238E27FC236}">
-                <a16:creationId xmlns:a16="http://schemas.microsoft.com/office/drawing/2014/main" id="{21BB0C77-B067-491B-AB76-0375E5729805}"/>
-              </a:ext>
-            </a:extLst>
-          </p:cNvPr>
-          <p:cNvPicPr>
-            <a:picLocks noChangeAspect="1"/>
-          </p:cNvPicPr>
-          <p:nvPr/>
-        </p:nvPicPr>
-        <p:blipFill>
-          <a:blip r:embed="rId7">
-            <a:extLst>
-              <a:ext uri="{28A0092B-C50C-407E-A947-70E740481C1C}">
-                <a14:useLocalDpi xmlns:a14="http://schemas.microsoft.com/office/drawing/2010/main" val="0"/>
-              </a:ext>
-            </a:extLst>
-          </a:blip>
-          <a:stretch>
-            <a:fillRect/>
-          </a:stretch>
-        </p:blipFill>
-        <p:spPr>
-          <a:xfrm>
-            <a:off x="5937999" y="2630744"/>
-            <a:ext cx="1285888" cy="1285888"/>
-          </a:xfrm>
-          <a:prstGeom prst="rect">
-            <a:avLst/>
-          </a:prstGeom>
-        </p:spPr>
-      </p:pic>
-      <p:cxnSp>
-        <p:nvCxnSpPr>
-          <p:cNvPr id="42" name="직선 화살표 연결선 41">
-            <a:extLst>
-              <a:ext uri="{FF2B5EF4-FFF2-40B4-BE49-F238E27FC236}">
-                <a16:creationId xmlns:a16="http://schemas.microsoft.com/office/drawing/2014/main" id="{F41E0821-43A0-491A-81C2-8C97846BAE0B}"/>
-              </a:ext>
-            </a:extLst>
-          </p:cNvPr>
-          <p:cNvCxnSpPr>
-            <a:cxnSpLocks/>
-          </p:cNvCxnSpPr>
-          <p:nvPr/>
-        </p:nvCxnSpPr>
-        <p:spPr>
-          <a:xfrm flipH="1">
-            <a:off x="7016868" y="3025735"/>
-            <a:ext cx="1240961" cy="0"/>
-          </a:xfrm>
-          <a:prstGeom prst="straightConnector1">
-            <a:avLst/>
-          </a:prstGeom>
-          <a:ln w="28575">
-            <a:solidFill>
-              <a:srgbClr val="FF8700"/>
-            </a:solidFill>
-            <a:tailEnd type="triangle"/>
-          </a:ln>
-        </p:spPr>
-        <p:style>
-          <a:lnRef idx="1">
-            <a:schemeClr val="accent1"/>
-          </a:lnRef>
-          <a:fillRef idx="0">
-            <a:schemeClr val="accent1"/>
-          </a:fillRef>
-          <a:effectRef idx="0">
-            <a:schemeClr val="accent1"/>
-          </a:effectRef>
-          <a:fontRef idx="minor">
-            <a:schemeClr val="tx1"/>
-          </a:fontRef>
-        </p:style>
-      </p:cxnSp>
-      <p:sp>
-        <p:nvSpPr>
-          <p:cNvPr id="46" name="TextBox 45">
-            <a:extLst>
-              <a:ext uri="{FF2B5EF4-FFF2-40B4-BE49-F238E27FC236}">
-                <a16:creationId xmlns:a16="http://schemas.microsoft.com/office/drawing/2014/main" id="{E3FBE26B-202A-4335-BF92-855E6F8B6238}"/>
-              </a:ext>
-            </a:extLst>
-          </p:cNvPr>
-          <p:cNvSpPr txBox="1"/>
-          <p:nvPr/>
-        </p:nvSpPr>
-        <p:spPr>
-          <a:xfrm>
-            <a:off x="6343096" y="2630744"/>
-            <a:ext cx="2332690" cy="276999"/>
-          </a:xfrm>
-          <a:prstGeom prst="rect">
-            <a:avLst/>
-          </a:prstGeom>
-          <a:noFill/>
-        </p:spPr>
-        <p:txBody>
-          <a:bodyPr wrap="none" rtlCol="0">
-            <a:spAutoFit/>
-          </a:bodyPr>
-          <a:lstStyle/>
-          <a:p>
-            <a:r>
-              <a:rPr lang="en-US" altLang="ko-KR" sz="1200" dirty="0"/>
-              <a:t>Input braille using tactile button</a:t>
-            </a:r>
-            <a:endParaRPr lang="ko-KR" altLang="en-US" sz="1200" dirty="0"/>
-          </a:p>
-        </p:txBody>
-      </p:sp>
-    </p:spTree>
-    <p:extLst>
-      <p:ext uri="{BB962C8B-B14F-4D97-AF65-F5344CB8AC3E}">
-        <p14:creationId xmlns:p14="http://schemas.microsoft.com/office/powerpoint/2010/main" val="2420109866"/>
-      </p:ext>
-    </p:extLst>
-  </p:cSld>
-  <p:clrMapOvr>
-    <a:masterClrMapping/>
-  </p:clrMapOvr>
-</p:sld>
-</file>
-
-<file path=ppt/slides/slide18.xml><?xml version="1.0" encoding="utf-8"?>
-<p:sld xmlns:a="http://schemas.openxmlformats.org/drawingml/2006/main" xmlns:r="http://schemas.openxmlformats.org/officeDocument/2006/relationships" xmlns:p="http://schemas.openxmlformats.org/presentationml/2006/main">
-  <p:cSld>
-    <p:spTree>
-      <p:nvGrpSpPr>
-        <p:cNvPr id="1" name="Shape 109"/>
-        <p:cNvGrpSpPr/>
-        <p:nvPr/>
-      </p:nvGrpSpPr>
-      <p:grpSpPr>
-        <a:xfrm>
-          <a:off x="0" y="0"/>
-          <a:ext cx="0" cy="0"/>
-          <a:chOff x="0" y="0"/>
-          <a:chExt cx="0" cy="0"/>
-        </a:xfrm>
-      </p:grpSpPr>
-      <p:sp>
-        <p:nvSpPr>
-          <p:cNvPr id="110" name="Google Shape;110;p14"/>
-          <p:cNvSpPr txBox="1">
-            <a:spLocks noGrp="1"/>
-          </p:cNvSpPr>
-          <p:nvPr>
-            <p:ph type="title"/>
-          </p:nvPr>
-        </p:nvSpPr>
-        <p:spPr>
-          <a:xfrm>
-            <a:off x="1101386" y="272850"/>
-            <a:ext cx="7574400" cy="749100"/>
-          </a:xfrm>
-          <a:prstGeom prst="rect">
-            <a:avLst/>
-          </a:prstGeom>
-        </p:spPr>
-        <p:txBody>
-          <a:bodyPr spcFirstLastPara="1" wrap="square" lIns="91425" tIns="91425" rIns="91425" bIns="91425" anchor="ctr" anchorCtr="0">
-            <a:noAutofit/>
-          </a:bodyPr>
-          <a:lstStyle/>
-          <a:p>
-            <a:pPr marL="0" lvl="0" indent="0" algn="l" rtl="0">
-              <a:spcBef>
-                <a:spcPts val="0"/>
-              </a:spcBef>
-              <a:spcAft>
-                <a:spcPts val="0"/>
-              </a:spcAft>
-              <a:buNone/>
-            </a:pPr>
-            <a:r>
-              <a:rPr lang="en-US" dirty="0">
-                <a:latin typeface="a옛날목욕탕L" panose="02020600000000000000" pitchFamily="18" charset="-127"/>
-                <a:ea typeface="a옛날목욕탕L" panose="02020600000000000000" pitchFamily="18" charset="-127"/>
-              </a:rPr>
-              <a:t>Get Braille from Device</a:t>
-            </a:r>
-            <a:endParaRPr dirty="0">
-              <a:latin typeface="a옛날목욕탕L" panose="02020600000000000000" pitchFamily="18" charset="-127"/>
-              <a:ea typeface="a옛날목욕탕L" panose="02020600000000000000" pitchFamily="18" charset="-127"/>
-            </a:endParaRPr>
-          </a:p>
-        </p:txBody>
-      </p:sp>
-      <p:sp>
-        <p:nvSpPr>
-          <p:cNvPr id="114" name="Google Shape;114;p14"/>
-          <p:cNvSpPr txBox="1">
-            <a:spLocks noGrp="1"/>
-          </p:cNvSpPr>
-          <p:nvPr>
-            <p:ph type="sldNum" idx="12"/>
-          </p:nvPr>
-        </p:nvSpPr>
-        <p:spPr>
-          <a:xfrm>
-            <a:off x="0" y="0"/>
-            <a:ext cx="594900" cy="731700"/>
-          </a:xfrm>
-          <a:prstGeom prst="rect">
-            <a:avLst/>
-          </a:prstGeom>
-        </p:spPr>
-        <p:txBody>
-          <a:bodyPr spcFirstLastPara="1" wrap="square" lIns="91425" tIns="91425" rIns="91425" bIns="91425" anchor="ctr" anchorCtr="0">
-            <a:noAutofit/>
-          </a:bodyPr>
-          <a:lstStyle/>
-          <a:p>
-            <a:pPr marL="0" lvl="0" indent="0" algn="ctr" rtl="0">
-              <a:spcBef>
-                <a:spcPts val="0"/>
-              </a:spcBef>
-              <a:spcAft>
-                <a:spcPts val="0"/>
-              </a:spcAft>
-              <a:buNone/>
-            </a:pPr>
-            <a:r>
-              <a:rPr lang="en-US" b="0" dirty="0">
-                <a:latin typeface="a옛날목욕탕L" panose="02020600000000000000" pitchFamily="18" charset="-127"/>
-                <a:ea typeface="a옛날목욕탕L" panose="02020600000000000000" pitchFamily="18" charset="-127"/>
-              </a:rPr>
-              <a:t>0</a:t>
-            </a:r>
-            <a:endParaRPr b="0" dirty="0">
-              <a:latin typeface="a옛날목욕탕L" panose="02020600000000000000" pitchFamily="18" charset="-127"/>
-              <a:ea typeface="a옛날목욕탕L" panose="02020600000000000000" pitchFamily="18" charset="-127"/>
-            </a:endParaRPr>
-          </a:p>
-        </p:txBody>
-      </p:sp>
-      <p:sp>
-        <p:nvSpPr>
-          <p:cNvPr id="36" name="TextBox 35">
-            <a:extLst>
-              <a:ext uri="{FF2B5EF4-FFF2-40B4-BE49-F238E27FC236}">
-                <a16:creationId xmlns:a16="http://schemas.microsoft.com/office/drawing/2014/main" id="{98C1166A-865C-4F09-BDEA-43E064C2002F}"/>
-              </a:ext>
-            </a:extLst>
-          </p:cNvPr>
-          <p:cNvSpPr txBox="1"/>
-          <p:nvPr/>
-        </p:nvSpPr>
-        <p:spPr>
-          <a:xfrm>
-            <a:off x="2404460" y="2197276"/>
-            <a:ext cx="4703532" cy="1938992"/>
-          </a:xfrm>
-          <a:prstGeom prst="rect">
-            <a:avLst/>
-          </a:prstGeom>
-          <a:noFill/>
-        </p:spPr>
-        <p:txBody>
-          <a:bodyPr wrap="none" rtlCol="0">
-            <a:spAutoFit/>
-          </a:bodyPr>
-          <a:lstStyle/>
-          <a:p>
-            <a:pPr marL="228600" indent="-228600">
-              <a:buAutoNum type="arabicPeriod"/>
-            </a:pPr>
-            <a:r>
-              <a:rPr lang="ko-KR" altLang="en-US" sz="2000" dirty="0" err="1"/>
-              <a:t>아두이노에서</a:t>
-            </a:r>
-            <a:r>
-              <a:rPr lang="ko-KR" altLang="en-US" sz="2000" dirty="0"/>
-              <a:t> 점자 입력</a:t>
-            </a:r>
-            <a:endParaRPr lang="en-US" altLang="ko-KR" sz="2000" dirty="0"/>
-          </a:p>
-          <a:p>
-            <a:pPr marL="228600" indent="-228600">
-              <a:buAutoNum type="arabicPeriod"/>
-            </a:pPr>
-            <a:r>
-              <a:rPr lang="ko-KR" altLang="en-US" sz="2000" dirty="0"/>
-              <a:t>어플리케이션에서 팝업 뜸</a:t>
-            </a:r>
-            <a:endParaRPr lang="en-US" altLang="ko-KR" sz="2000" dirty="0"/>
-          </a:p>
-          <a:p>
-            <a:pPr marL="228600" indent="-228600">
-              <a:buAutoNum type="arabicPeriod"/>
-            </a:pPr>
-            <a:r>
-              <a:rPr lang="ko-KR" altLang="en-US" sz="2000" dirty="0"/>
-              <a:t>문자 변환 버튼 누름</a:t>
-            </a:r>
-            <a:endParaRPr lang="en-US" altLang="ko-KR" sz="2000" dirty="0"/>
-          </a:p>
-          <a:p>
-            <a:pPr marL="228600" indent="-228600">
-              <a:buAutoNum type="arabicPeriod"/>
-            </a:pPr>
-            <a:r>
-              <a:rPr lang="ko-KR" altLang="en-US" sz="2000" dirty="0"/>
-              <a:t>변환된 문자 노출</a:t>
-            </a:r>
-            <a:endParaRPr lang="en-US" altLang="ko-KR" sz="2000" dirty="0"/>
-          </a:p>
-          <a:p>
-            <a:pPr marL="228600" indent="-228600">
-              <a:buAutoNum type="arabicPeriod"/>
-            </a:pPr>
-            <a:r>
-              <a:rPr lang="en-US" altLang="ko-KR" sz="2000" dirty="0"/>
-              <a:t>TTS </a:t>
-            </a:r>
-            <a:r>
-              <a:rPr lang="ko-KR" altLang="en-US" sz="2000" dirty="0"/>
-              <a:t>버튼 눌러서 음성 출력</a:t>
-            </a:r>
-            <a:endParaRPr lang="en-US" altLang="ko-KR" sz="2000" dirty="0"/>
-          </a:p>
-          <a:p>
-            <a:pPr marL="228600" indent="-228600">
-              <a:buAutoNum type="arabicPeriod"/>
-            </a:pPr>
-            <a:r>
-              <a:rPr lang="ko-KR" altLang="en-US" sz="2000" dirty="0"/>
-              <a:t>답장하기로 </a:t>
-            </a:r>
-            <a:r>
-              <a:rPr lang="en-US" altLang="ko-KR" sz="2000" dirty="0"/>
-              <a:t>STT </a:t>
-            </a:r>
-            <a:r>
-              <a:rPr lang="ko-KR" altLang="en-US" sz="2000" dirty="0"/>
-              <a:t>돌아가기까지 동영상</a:t>
-            </a:r>
-          </a:p>
-        </p:txBody>
-      </p:sp>
-    </p:spTree>
-    <p:extLst>
-      <p:ext uri="{BB962C8B-B14F-4D97-AF65-F5344CB8AC3E}">
-        <p14:creationId xmlns:p14="http://schemas.microsoft.com/office/powerpoint/2010/main" val="3362543830"/>
-      </p:ext>
-    </p:extLst>
-  </p:cSld>
-  <p:clrMapOvr>
-    <a:masterClrMapping/>
-  </p:clrMapOvr>
-</p:sld>
-</file>
-
-<file path=ppt/slides/slide19.xml><?xml version="1.0" encoding="utf-8"?>
-<p:sld xmlns:a="http://schemas.openxmlformats.org/drawingml/2006/main" xmlns:r="http://schemas.openxmlformats.org/officeDocument/2006/relationships" xmlns:p="http://schemas.openxmlformats.org/presentationml/2006/main">
-  <p:cSld>
-    <p:spTree>
-      <p:nvGrpSpPr>
-        <p:cNvPr id="1" name="Shape 126"/>
-        <p:cNvGrpSpPr/>
-        <p:nvPr/>
-      </p:nvGrpSpPr>
-      <p:grpSpPr>
-        <a:xfrm>
-          <a:off x="0" y="0"/>
-          <a:ext cx="0" cy="0"/>
-          <a:chOff x="0" y="0"/>
-          <a:chExt cx="0" cy="0"/>
-        </a:xfrm>
-      </p:grpSpPr>
-      <p:sp>
-        <p:nvSpPr>
-          <p:cNvPr id="127" name="Google Shape;127;p16"/>
-          <p:cNvSpPr txBox="1">
-            <a:spLocks noGrp="1"/>
-          </p:cNvSpPr>
-          <p:nvPr>
-            <p:ph type="ctrTitle"/>
-          </p:nvPr>
-        </p:nvSpPr>
-        <p:spPr>
-          <a:xfrm>
-            <a:off x="1028475" y="2345350"/>
-            <a:ext cx="5220000" cy="1159800"/>
-          </a:xfrm>
-          <a:prstGeom prst="rect">
-            <a:avLst/>
-          </a:prstGeom>
-        </p:spPr>
-        <p:txBody>
-          <a:bodyPr spcFirstLastPara="1" wrap="square" lIns="91425" tIns="91425" rIns="91425" bIns="91425" anchor="b" anchorCtr="0">
-            <a:noAutofit/>
-          </a:bodyPr>
-          <a:lstStyle/>
-          <a:p>
-            <a:pPr marL="0" lvl="0" indent="0" algn="l" rtl="0">
-              <a:spcBef>
-                <a:spcPts val="0"/>
-              </a:spcBef>
-              <a:spcAft>
-                <a:spcPts val="0"/>
-              </a:spcAft>
-              <a:buNone/>
-            </a:pPr>
-            <a:r>
-              <a:rPr lang="en" dirty="0">
-                <a:latin typeface="a옛날목욕탕L" panose="02020600000000000000" pitchFamily="18" charset="-127"/>
-                <a:ea typeface="a옛날목욕탕L" panose="02020600000000000000" pitchFamily="18" charset="-127"/>
-              </a:rPr>
-              <a:t>3.</a:t>
+              <a:rPr lang="en-US" altLang="ko-KR" sz="6000" dirty="0">
+                <a:solidFill>
+                  <a:srgbClr val="FF8700"/>
+                </a:solidFill>
+                <a:latin typeface="a옛날목욕탕L" panose="02020600000000000000" pitchFamily="18" charset="-127"/>
+                <a:ea typeface="a옛날목욕탕L" panose="02020600000000000000" pitchFamily="18" charset="-127"/>
+              </a:rPr>
+              <a:t>Q&amp;A </a:t>
             </a:r>
             <a:br>
-              <a:rPr lang="en" dirty="0">
+              <a:rPr lang="en-US" altLang="ko-KR" sz="6000" dirty="0">
+                <a:solidFill>
+                  <a:srgbClr val="FF8700"/>
+                </a:solidFill>
                 <a:latin typeface="a옛날목욕탕L" panose="02020600000000000000" pitchFamily="18" charset="-127"/>
                 <a:ea typeface="a옛날목욕탕L" panose="02020600000000000000" pitchFamily="18" charset="-127"/>
               </a:rPr>
             </a:br>
             <a:r>
-              <a:rPr lang="ko-KR" altLang="en-US" dirty="0">
-                <a:latin typeface="a옛날목욕탕L" panose="02020600000000000000" pitchFamily="18" charset="-127"/>
-                <a:ea typeface="a옛날목욕탕L" panose="02020600000000000000" pitchFamily="18" charset="-127"/>
-              </a:rPr>
-              <a:t>향후 계획</a:t>
-            </a:r>
-            <a:r>
-              <a:rPr lang="en-US" altLang="ko-KR" dirty="0">
-                <a:latin typeface="a옛날목욕탕L" panose="02020600000000000000" pitchFamily="18" charset="-127"/>
-                <a:ea typeface="a옛날목욕탕L" panose="02020600000000000000" pitchFamily="18" charset="-127"/>
-              </a:rPr>
-              <a:t> </a:t>
-            </a:r>
-            <a:endParaRPr dirty="0">
-              <a:latin typeface="a옛날목욕탕L" panose="02020600000000000000" pitchFamily="18" charset="-127"/>
-              <a:ea typeface="a옛날목욕탕L" panose="02020600000000000000" pitchFamily="18" charset="-127"/>
-            </a:endParaRPr>
-          </a:p>
-        </p:txBody>
-      </p:sp>
-      <p:sp>
-        <p:nvSpPr>
-          <p:cNvPr id="128" name="Google Shape;128;p16"/>
-          <p:cNvSpPr txBox="1">
-            <a:spLocks noGrp="1"/>
-          </p:cNvSpPr>
-          <p:nvPr>
-            <p:ph type="subTitle" idx="1"/>
-          </p:nvPr>
-        </p:nvSpPr>
-        <p:spPr>
-          <a:xfrm>
-            <a:off x="1028475" y="3449650"/>
-            <a:ext cx="5220000" cy="570000"/>
-          </a:xfrm>
-          <a:prstGeom prst="rect">
-            <a:avLst/>
-          </a:prstGeom>
-        </p:spPr>
-        <p:txBody>
-          <a:bodyPr spcFirstLastPara="1" wrap="square" lIns="91425" tIns="91425" rIns="91425" bIns="91425" anchor="t" anchorCtr="0">
-            <a:noAutofit/>
-          </a:bodyPr>
-          <a:lstStyle/>
-          <a:p>
-            <a:pPr marL="0" lvl="0" indent="0" algn="l" rtl="0">
-              <a:spcBef>
-                <a:spcPts val="0"/>
-              </a:spcBef>
-              <a:spcAft>
-                <a:spcPts val="0"/>
-              </a:spcAft>
-              <a:buNone/>
-            </a:pPr>
-            <a:r>
-              <a:rPr lang="en-US" dirty="0">
-                <a:latin typeface="a옛날목욕탕L" panose="02020600000000000000" pitchFamily="18" charset="-127"/>
-                <a:ea typeface="a옛날목욕탕L" panose="02020600000000000000" pitchFamily="18" charset="-127"/>
-              </a:rPr>
-              <a:t>B E </a:t>
-            </a:r>
-            <a:r>
-              <a:rPr lang="en-US" dirty="0" err="1">
-                <a:latin typeface="a옛날목욕탕L" panose="02020600000000000000" pitchFamily="18" charset="-127"/>
-                <a:ea typeface="a옛날목욕탕L" panose="02020600000000000000" pitchFamily="18" charset="-127"/>
-              </a:rPr>
-              <a:t>E</a:t>
-            </a:r>
-            <a:endParaRPr dirty="0">
-              <a:latin typeface="a옛날목욕탕L" panose="02020600000000000000" pitchFamily="18" charset="-127"/>
-              <a:ea typeface="a옛날목욕탕L" panose="02020600000000000000" pitchFamily="18" charset="-127"/>
-            </a:endParaRPr>
-          </a:p>
-        </p:txBody>
-      </p:sp>
-      <p:sp>
-        <p:nvSpPr>
-          <p:cNvPr id="129" name="Google Shape;129;p16"/>
-          <p:cNvSpPr txBox="1">
-            <a:spLocks noGrp="1"/>
-          </p:cNvSpPr>
-          <p:nvPr>
-            <p:ph type="sldNum" idx="4294967295"/>
-          </p:nvPr>
-        </p:nvSpPr>
-        <p:spPr>
-          <a:xfrm>
-            <a:off x="0" y="0"/>
-            <a:ext cx="594900" cy="731700"/>
-          </a:xfrm>
-          <a:prstGeom prst="rect">
-            <a:avLst/>
-          </a:prstGeom>
-        </p:spPr>
-        <p:txBody>
-          <a:bodyPr spcFirstLastPara="1" wrap="square" lIns="91425" tIns="91425" rIns="91425" bIns="91425" anchor="ctr" anchorCtr="0">
-            <a:noAutofit/>
-          </a:bodyPr>
-          <a:lstStyle/>
-          <a:p>
-            <a:pPr marL="0" lvl="0" indent="0" algn="ctr" rtl="0">
-              <a:spcBef>
-                <a:spcPts val="0"/>
-              </a:spcBef>
-              <a:spcAft>
-                <a:spcPts val="0"/>
-              </a:spcAft>
-              <a:buNone/>
-            </a:pPr>
-            <a:endParaRPr dirty="0">
+              <a:rPr lang="ko-KR" altLang="en-US" sz="4800" dirty="0">
+                <a:solidFill>
+                  <a:schemeClr val="bg1"/>
+                </a:solidFill>
+                <a:latin typeface="a옛날목욕탕L" panose="02020600000000000000" pitchFamily="18" charset="-127"/>
+                <a:ea typeface="a옛날목욕탕L" panose="02020600000000000000" pitchFamily="18" charset="-127"/>
+              </a:rPr>
+              <a:t>감사합니다</a:t>
+            </a:r>
+            <a:endParaRPr sz="6000" dirty="0">
+              <a:solidFill>
+                <a:schemeClr val="bg1"/>
+              </a:solidFill>
               <a:latin typeface="a옛날목욕탕L" panose="02020600000000000000" pitchFamily="18" charset="-127"/>
               <a:ea typeface="a옛날목욕탕L" panose="02020600000000000000" pitchFamily="18" charset="-127"/>
             </a:endParaRPr>
@@ -10917,11 +10904,6 @@
         </p:txBody>
       </p:sp>
     </p:spTree>
-    <p:extLst>
-      <p:ext uri="{BB962C8B-B14F-4D97-AF65-F5344CB8AC3E}">
-        <p14:creationId xmlns:p14="http://schemas.microsoft.com/office/powerpoint/2010/main" val="1425291463"/>
-      </p:ext>
-    </p:extLst>
   </p:cSld>
   <p:clrMapOvr>
     <a:masterClrMapping/>
@@ -11050,7 +11032,7 @@
         </p:nvSpPr>
         <p:spPr>
           <a:xfrm>
-            <a:off x="1412603" y="2092454"/>
+            <a:off x="1247994" y="1753241"/>
             <a:ext cx="1476686" cy="307777"/>
           </a:xfrm>
           <a:prstGeom prst="rect">
@@ -11102,7 +11084,7 @@
         </p:nvSpPr>
         <p:spPr>
           <a:xfrm>
-            <a:off x="4163067" y="2092454"/>
+            <a:off x="3998458" y="1753241"/>
             <a:ext cx="1451038" cy="307777"/>
           </a:xfrm>
           <a:prstGeom prst="rect">
@@ -11143,7 +11125,7 @@
         </p:nvSpPr>
         <p:spPr>
           <a:xfrm>
-            <a:off x="1265995" y="2571750"/>
+            <a:off x="1101386" y="2232537"/>
             <a:ext cx="2005677" cy="1168012"/>
           </a:xfrm>
           <a:prstGeom prst="rect">
@@ -11251,7 +11233,7 @@
         </p:nvSpPr>
         <p:spPr>
           <a:xfrm>
-            <a:off x="3686173" y="2579045"/>
+            <a:off x="3521564" y="2239832"/>
             <a:ext cx="2404826" cy="2276008"/>
           </a:xfrm>
           <a:prstGeom prst="rect">
@@ -11453,7 +11435,7 @@
         </p:nvSpPr>
         <p:spPr>
           <a:xfrm>
-            <a:off x="6684975" y="2092454"/>
+            <a:off x="6520366" y="1753241"/>
             <a:ext cx="1130438" cy="307777"/>
           </a:xfrm>
           <a:prstGeom prst="rect">
@@ -11511,7 +11493,7 @@
         </p:nvSpPr>
         <p:spPr>
           <a:xfrm>
-            <a:off x="6403648" y="2579045"/>
+            <a:off x="6239039" y="2239832"/>
             <a:ext cx="1693092" cy="337015"/>
           </a:xfrm>
           <a:prstGeom prst="rect">
@@ -11554,462 +11536,6 @@
         <p14:creationId xmlns:p14="http://schemas.microsoft.com/office/powerpoint/2010/main" val="2199090425"/>
       </p:ext>
     </p:extLst>
-  </p:cSld>
-  <p:clrMapOvr>
-    <a:masterClrMapping/>
-  </p:clrMapOvr>
-</p:sld>
-</file>
-
-<file path=ppt/slides/slide20.xml><?xml version="1.0" encoding="utf-8"?>
-<p:sld xmlns:a="http://schemas.openxmlformats.org/drawingml/2006/main" xmlns:r="http://schemas.openxmlformats.org/officeDocument/2006/relationships" xmlns:p="http://schemas.openxmlformats.org/presentationml/2006/main">
-  <p:cSld>
-    <p:spTree>
-      <p:nvGrpSpPr>
-        <p:cNvPr id="1" name="Shape 109"/>
-        <p:cNvGrpSpPr/>
-        <p:nvPr/>
-      </p:nvGrpSpPr>
-      <p:grpSpPr>
-        <a:xfrm>
-          <a:off x="0" y="0"/>
-          <a:ext cx="0" cy="0"/>
-          <a:chOff x="0" y="0"/>
-          <a:chExt cx="0" cy="0"/>
-        </a:xfrm>
-      </p:grpSpPr>
-      <p:sp>
-        <p:nvSpPr>
-          <p:cNvPr id="110" name="Google Shape;110;p14"/>
-          <p:cNvSpPr txBox="1">
-            <a:spLocks noGrp="1"/>
-          </p:cNvSpPr>
-          <p:nvPr>
-            <p:ph type="title"/>
-          </p:nvPr>
-        </p:nvSpPr>
-        <p:spPr>
-          <a:xfrm>
-            <a:off x="1101386" y="272850"/>
-            <a:ext cx="7574400" cy="749100"/>
-          </a:xfrm>
-          <a:prstGeom prst="rect">
-            <a:avLst/>
-          </a:prstGeom>
-        </p:spPr>
-        <p:txBody>
-          <a:bodyPr spcFirstLastPara="1" wrap="square" lIns="91425" tIns="91425" rIns="91425" bIns="91425" anchor="ctr" anchorCtr="0">
-            <a:noAutofit/>
-          </a:bodyPr>
-          <a:lstStyle/>
-          <a:p>
-            <a:pPr marL="0" lvl="0" indent="0" algn="l" rtl="0">
-              <a:spcBef>
-                <a:spcPts val="0"/>
-              </a:spcBef>
-              <a:spcAft>
-                <a:spcPts val="0"/>
-              </a:spcAft>
-              <a:buNone/>
-            </a:pPr>
-            <a:r>
-              <a:rPr lang="en-US" dirty="0">
-                <a:latin typeface="a옛날목욕탕L" panose="02020600000000000000" pitchFamily="18" charset="-127"/>
-                <a:ea typeface="a옛날목욕탕L" panose="02020600000000000000" pitchFamily="18" charset="-127"/>
-                <a:cs typeface="Arial" panose="020B0604020202020204" pitchFamily="34" charset="0"/>
-              </a:rPr>
-              <a:t>Improvements</a:t>
-            </a:r>
-            <a:endParaRPr dirty="0">
-              <a:latin typeface="a옛날목욕탕L" panose="02020600000000000000" pitchFamily="18" charset="-127"/>
-              <a:ea typeface="a옛날목욕탕L" panose="02020600000000000000" pitchFamily="18" charset="-127"/>
-              <a:cs typeface="Arial" panose="020B0604020202020204" pitchFamily="34" charset="0"/>
-            </a:endParaRPr>
-          </a:p>
-        </p:txBody>
-      </p:sp>
-      <p:sp>
-        <p:nvSpPr>
-          <p:cNvPr id="114" name="Google Shape;114;p14"/>
-          <p:cNvSpPr txBox="1">
-            <a:spLocks noGrp="1"/>
-          </p:cNvSpPr>
-          <p:nvPr>
-            <p:ph type="sldNum" idx="12"/>
-          </p:nvPr>
-        </p:nvSpPr>
-        <p:spPr>
-          <a:xfrm>
-            <a:off x="0" y="0"/>
-            <a:ext cx="594900" cy="731700"/>
-          </a:xfrm>
-          <a:prstGeom prst="rect">
-            <a:avLst/>
-          </a:prstGeom>
-        </p:spPr>
-        <p:txBody>
-          <a:bodyPr spcFirstLastPara="1" wrap="square" lIns="91425" tIns="91425" rIns="91425" bIns="91425" anchor="ctr" anchorCtr="0">
-            <a:noAutofit/>
-          </a:bodyPr>
-          <a:lstStyle/>
-          <a:p>
-            <a:pPr marL="0" lvl="0" indent="0" algn="ctr" rtl="0">
-              <a:spcBef>
-                <a:spcPts val="0"/>
-              </a:spcBef>
-              <a:spcAft>
-                <a:spcPts val="0"/>
-              </a:spcAft>
-              <a:buNone/>
-            </a:pPr>
-            <a:r>
-              <a:rPr lang="en-US" b="0" dirty="0">
-                <a:latin typeface="a옛날목욕탕L" panose="02020600000000000000" pitchFamily="18" charset="-127"/>
-                <a:ea typeface="a옛날목욕탕L" panose="02020600000000000000" pitchFamily="18" charset="-127"/>
-              </a:rPr>
-              <a:t>0</a:t>
-            </a:r>
-            <a:endParaRPr b="0" dirty="0">
-              <a:latin typeface="a옛날목욕탕L" panose="02020600000000000000" pitchFamily="18" charset="-127"/>
-              <a:ea typeface="a옛날목욕탕L" panose="02020600000000000000" pitchFamily="18" charset="-127"/>
-            </a:endParaRPr>
-          </a:p>
-        </p:txBody>
-      </p:sp>
-      <p:sp>
-        <p:nvSpPr>
-          <p:cNvPr id="6" name="Google Shape;134;p17">
-            <a:extLst>
-              <a:ext uri="{FF2B5EF4-FFF2-40B4-BE49-F238E27FC236}">
-                <a16:creationId xmlns:a16="http://schemas.microsoft.com/office/drawing/2014/main" id="{E571A7BD-BB71-49F1-9E3F-BCA5BDD785A2}"/>
-              </a:ext>
-            </a:extLst>
-          </p:cNvPr>
-          <p:cNvSpPr txBox="1">
-            <a:spLocks noGrp="1"/>
-          </p:cNvSpPr>
-          <p:nvPr>
-            <p:ph type="body" idx="1"/>
-          </p:nvPr>
-        </p:nvSpPr>
-        <p:spPr>
-          <a:xfrm>
-            <a:off x="625068" y="1436914"/>
-            <a:ext cx="8527036" cy="3084067"/>
-          </a:xfrm>
-          <a:prstGeom prst="rect">
-            <a:avLst/>
-          </a:prstGeom>
-        </p:spPr>
-        <p:txBody>
-          <a:bodyPr spcFirstLastPara="1" wrap="square" lIns="91425" tIns="91425" rIns="91425" bIns="91425" anchor="ctr" anchorCtr="0">
-            <a:noAutofit/>
-          </a:bodyPr>
-          <a:lstStyle/>
-          <a:p>
-            <a:pPr lvl="2">
-              <a:lnSpc>
-                <a:spcPct val="120000"/>
-              </a:lnSpc>
-            </a:pPr>
-            <a:r>
-              <a:rPr lang="en-US" altLang="ko-KR" sz="2000" dirty="0">
-                <a:latin typeface="a옛날목욕탕L" panose="02020600000000000000" pitchFamily="18" charset="-127"/>
-                <a:ea typeface="a옛날목욕탕L" panose="02020600000000000000" pitchFamily="18" charset="-127"/>
-              </a:rPr>
-              <a:t>Device Tool</a:t>
-            </a:r>
-            <a:r>
-              <a:rPr lang="ko-KR" altLang="en-US" sz="2000" dirty="0">
-                <a:latin typeface="a옛날목욕탕L" panose="02020600000000000000" pitchFamily="18" charset="-127"/>
-                <a:ea typeface="a옛날목욕탕L" panose="02020600000000000000" pitchFamily="18" charset="-127"/>
-              </a:rPr>
-              <a:t> 구성</a:t>
-            </a:r>
-            <a:endParaRPr lang="en-US" altLang="ko-KR" sz="2000" dirty="0">
-              <a:latin typeface="a옛날목욕탕L" panose="02020600000000000000" pitchFamily="18" charset="-127"/>
-              <a:ea typeface="a옛날목욕탕L" panose="02020600000000000000" pitchFamily="18" charset="-127"/>
-            </a:endParaRPr>
-          </a:p>
-          <a:p>
-            <a:pPr marL="977900" lvl="2" indent="0">
-              <a:lnSpc>
-                <a:spcPct val="120000"/>
-              </a:lnSpc>
-              <a:buNone/>
-            </a:pPr>
-            <a:r>
-              <a:rPr lang="en-US" altLang="ko-KR" sz="1600" dirty="0">
-                <a:latin typeface="a옛날목욕탕L" panose="02020600000000000000" pitchFamily="18" charset="-127"/>
-                <a:ea typeface="a옛날목욕탕L" panose="02020600000000000000" pitchFamily="18" charset="-127"/>
-              </a:rPr>
-              <a:t>    1) </a:t>
-            </a:r>
-            <a:r>
-              <a:rPr lang="ko-KR" altLang="en-US" sz="1600" dirty="0" err="1">
-                <a:latin typeface="a옛날목욕탕L" panose="02020600000000000000" pitchFamily="18" charset="-127"/>
-                <a:ea typeface="a옛날목욕탕L" panose="02020600000000000000" pitchFamily="18" charset="-127"/>
-              </a:rPr>
-              <a:t>점자셀</a:t>
-            </a:r>
-            <a:r>
-              <a:rPr lang="ko-KR" altLang="en-US" sz="1600" dirty="0">
-                <a:latin typeface="a옛날목욕탕L" panose="02020600000000000000" pitchFamily="18" charset="-127"/>
-                <a:ea typeface="a옛날목욕탕L" panose="02020600000000000000" pitchFamily="18" charset="-127"/>
-              </a:rPr>
-              <a:t> </a:t>
-            </a:r>
-            <a:r>
-              <a:rPr lang="en-US" altLang="ko-KR" sz="1600" dirty="0">
-                <a:latin typeface="a옛날목욕탕L" panose="02020600000000000000" pitchFamily="18" charset="-127"/>
-                <a:ea typeface="a옛날목욕탕L" panose="02020600000000000000" pitchFamily="18" charset="-127"/>
-              </a:rPr>
-              <a:t>– 3D </a:t>
-            </a:r>
-            <a:r>
-              <a:rPr lang="ko-KR" altLang="en-US" sz="1600" dirty="0">
-                <a:latin typeface="a옛날목욕탕L" panose="02020600000000000000" pitchFamily="18" charset="-127"/>
-                <a:ea typeface="a옛날목욕탕L" panose="02020600000000000000" pitchFamily="18" charset="-127"/>
-              </a:rPr>
-              <a:t>프린터 이용하여 점자 돌출부 구현</a:t>
-            </a:r>
-            <a:endParaRPr lang="en-US" altLang="ko-KR" sz="1600" dirty="0">
-              <a:latin typeface="a옛날목욕탕L" panose="02020600000000000000" pitchFamily="18" charset="-127"/>
-              <a:ea typeface="a옛날목욕탕L" panose="02020600000000000000" pitchFamily="18" charset="-127"/>
-            </a:endParaRPr>
-          </a:p>
-          <a:p>
-            <a:pPr marL="977900" lvl="2" indent="0">
-              <a:lnSpc>
-                <a:spcPct val="120000"/>
-              </a:lnSpc>
-              <a:buNone/>
-            </a:pPr>
-            <a:r>
-              <a:rPr lang="en-US" altLang="ko-KR" sz="1600" dirty="0">
-                <a:latin typeface="a옛날목욕탕L" panose="02020600000000000000" pitchFamily="18" charset="-127"/>
-                <a:ea typeface="a옛날목욕탕L" panose="02020600000000000000" pitchFamily="18" charset="-127"/>
-              </a:rPr>
-              <a:t>    2) </a:t>
-            </a:r>
-            <a:r>
-              <a:rPr lang="ko-KR" altLang="en-US" sz="1600" dirty="0" err="1">
-                <a:latin typeface="a옛날목욕탕L" panose="02020600000000000000" pitchFamily="18" charset="-127"/>
-                <a:ea typeface="a옛날목욕탕L" panose="02020600000000000000" pitchFamily="18" charset="-127"/>
-              </a:rPr>
-              <a:t>입력부</a:t>
-            </a:r>
-            <a:r>
-              <a:rPr lang="ko-KR" altLang="en-US" sz="1600" dirty="0">
-                <a:latin typeface="a옛날목욕탕L" panose="02020600000000000000" pitchFamily="18" charset="-127"/>
-                <a:ea typeface="a옛날목욕탕L" panose="02020600000000000000" pitchFamily="18" charset="-127"/>
-              </a:rPr>
-              <a:t> </a:t>
-            </a:r>
-            <a:r>
-              <a:rPr lang="en-US" altLang="ko-KR" sz="1600" dirty="0">
-                <a:latin typeface="a옛날목욕탕L" panose="02020600000000000000" pitchFamily="18" charset="-127"/>
-                <a:ea typeface="a옛날목욕탕L" panose="02020600000000000000" pitchFamily="18" charset="-127"/>
-              </a:rPr>
-              <a:t>– 6</a:t>
-            </a:r>
-            <a:r>
-              <a:rPr lang="ko-KR" altLang="en-US" sz="1600" dirty="0">
-                <a:latin typeface="a옛날목욕탕L" panose="02020600000000000000" pitchFamily="18" charset="-127"/>
-                <a:ea typeface="a옛날목욕탕L" panose="02020600000000000000" pitchFamily="18" charset="-127"/>
-              </a:rPr>
-              <a:t>개의 점자부와 </a:t>
-            </a:r>
-            <a:r>
-              <a:rPr lang="en-US" altLang="ko-KR" sz="1600" dirty="0">
-                <a:latin typeface="a옛날목욕탕L" panose="02020600000000000000" pitchFamily="18" charset="-127"/>
-                <a:ea typeface="a옛날목욕탕L" panose="02020600000000000000" pitchFamily="18" charset="-127"/>
-              </a:rPr>
-              <a:t>enter, send, backspace</a:t>
-            </a:r>
-          </a:p>
-          <a:p>
-            <a:pPr lvl="2">
-              <a:lnSpc>
-                <a:spcPct val="120000"/>
-              </a:lnSpc>
-            </a:pPr>
-            <a:endParaRPr lang="en-US" altLang="ko-KR" sz="2000" dirty="0">
-              <a:latin typeface="a옛날목욕탕L" panose="02020600000000000000" pitchFamily="18" charset="-127"/>
-              <a:ea typeface="a옛날목욕탕L" panose="02020600000000000000" pitchFamily="18" charset="-127"/>
-            </a:endParaRPr>
-          </a:p>
-          <a:p>
-            <a:pPr lvl="2">
-              <a:lnSpc>
-                <a:spcPct val="120000"/>
-              </a:lnSpc>
-            </a:pPr>
-            <a:r>
-              <a:rPr lang="ko-KR" altLang="en-US" sz="2000" dirty="0">
-                <a:latin typeface="a옛날목욕탕L" panose="02020600000000000000" pitchFamily="18" charset="-127"/>
-                <a:ea typeface="a옛날목욕탕L" panose="02020600000000000000" pitchFamily="18" charset="-127"/>
-              </a:rPr>
-              <a:t>버튼 입력 시 최적화 필요</a:t>
-            </a:r>
-            <a:endParaRPr lang="en-US" altLang="ko-KR" sz="2000" dirty="0">
-              <a:latin typeface="a옛날목욕탕L" panose="02020600000000000000" pitchFamily="18" charset="-127"/>
-              <a:ea typeface="a옛날목욕탕L" panose="02020600000000000000" pitchFamily="18" charset="-127"/>
-            </a:endParaRPr>
-          </a:p>
-          <a:p>
-            <a:pPr marL="977900" lvl="2" indent="0">
-              <a:lnSpc>
-                <a:spcPct val="120000"/>
-              </a:lnSpc>
-              <a:buNone/>
-            </a:pPr>
-            <a:r>
-              <a:rPr lang="en-US" altLang="ko-KR" sz="2000" dirty="0">
-                <a:latin typeface="a옛날목욕탕L" panose="02020600000000000000" pitchFamily="18" charset="-127"/>
-                <a:ea typeface="a옛날목욕탕L" panose="02020600000000000000" pitchFamily="18" charset="-127"/>
-              </a:rPr>
-              <a:t>    </a:t>
-            </a:r>
-            <a:r>
-              <a:rPr lang="en-US" altLang="ko-KR" sz="1600" dirty="0">
-                <a:latin typeface="a옛날목욕탕L" panose="02020600000000000000" pitchFamily="18" charset="-127"/>
-                <a:ea typeface="a옛날목욕탕L" panose="02020600000000000000" pitchFamily="18" charset="-127"/>
-              </a:rPr>
-              <a:t>- </a:t>
-            </a:r>
-            <a:r>
-              <a:rPr lang="ko-KR" altLang="en-US" sz="1600" dirty="0">
-                <a:latin typeface="a옛날목욕탕L" panose="02020600000000000000" pitchFamily="18" charset="-127"/>
-                <a:ea typeface="a옛날목욕탕L" panose="02020600000000000000" pitchFamily="18" charset="-127"/>
-              </a:rPr>
-              <a:t>중복 입력을 방지하기 위한 </a:t>
-            </a:r>
-            <a:r>
-              <a:rPr lang="en-US" altLang="ko-KR" sz="1600" dirty="0">
-                <a:latin typeface="a옛날목욕탕L" panose="02020600000000000000" pitchFamily="18" charset="-127"/>
-                <a:ea typeface="a옛날목욕탕L" panose="02020600000000000000" pitchFamily="18" charset="-127"/>
-              </a:rPr>
-              <a:t>delay </a:t>
-            </a:r>
-            <a:r>
-              <a:rPr lang="ko-KR" altLang="en-US" sz="1600" dirty="0">
-                <a:latin typeface="a옛날목욕탕L" panose="02020600000000000000" pitchFamily="18" charset="-127"/>
-                <a:ea typeface="a옛날목욕탕L" panose="02020600000000000000" pitchFamily="18" charset="-127"/>
-              </a:rPr>
-              <a:t>설정</a:t>
-            </a:r>
-            <a:endParaRPr lang="en-US" altLang="ko-KR" sz="2000" dirty="0">
-              <a:latin typeface="a옛날목욕탕L" panose="02020600000000000000" pitchFamily="18" charset="-127"/>
-              <a:ea typeface="a옛날목욕탕L" panose="02020600000000000000" pitchFamily="18" charset="-127"/>
-            </a:endParaRPr>
-          </a:p>
-        </p:txBody>
-      </p:sp>
-    </p:spTree>
-    <p:extLst>
-      <p:ext uri="{BB962C8B-B14F-4D97-AF65-F5344CB8AC3E}">
-        <p14:creationId xmlns:p14="http://schemas.microsoft.com/office/powerpoint/2010/main" val="2775398467"/>
-      </p:ext>
-    </p:extLst>
-  </p:cSld>
-  <p:clrMapOvr>
-    <a:masterClrMapping/>
-  </p:clrMapOvr>
-</p:sld>
-</file>
-
-<file path=ppt/slides/slide21.xml><?xml version="1.0" encoding="utf-8"?>
-<p:sld xmlns:a="http://schemas.openxmlformats.org/drawingml/2006/main" xmlns:r="http://schemas.openxmlformats.org/officeDocument/2006/relationships" xmlns:p="http://schemas.openxmlformats.org/presentationml/2006/main">
-  <p:cSld>
-    <p:spTree>
-      <p:nvGrpSpPr>
-        <p:cNvPr id="1" name="Shape 303"/>
-        <p:cNvGrpSpPr/>
-        <p:nvPr/>
-      </p:nvGrpSpPr>
-      <p:grpSpPr>
-        <a:xfrm>
-          <a:off x="0" y="0"/>
-          <a:ext cx="0" cy="0"/>
-          <a:chOff x="0" y="0"/>
-          <a:chExt cx="0" cy="0"/>
-        </a:xfrm>
-      </p:grpSpPr>
-      <p:sp>
-        <p:nvSpPr>
-          <p:cNvPr id="305" name="Google Shape;305;p36"/>
-          <p:cNvSpPr txBox="1">
-            <a:spLocks noGrp="1"/>
-          </p:cNvSpPr>
-          <p:nvPr>
-            <p:ph type="ctrTitle" idx="4294967295"/>
-          </p:nvPr>
-        </p:nvSpPr>
-        <p:spPr>
-          <a:xfrm>
-            <a:off x="2624139" y="1518639"/>
-            <a:ext cx="4136577" cy="2203204"/>
-          </a:xfrm>
-          <a:prstGeom prst="rect">
-            <a:avLst/>
-          </a:prstGeom>
-        </p:spPr>
-        <p:txBody>
-          <a:bodyPr spcFirstLastPara="1" wrap="square" lIns="91425" tIns="91425" rIns="91425" bIns="91425" anchor="ctr" anchorCtr="0">
-            <a:noAutofit/>
-          </a:bodyPr>
-          <a:lstStyle/>
-          <a:p>
-            <a:pPr marL="0" lvl="0" indent="0" algn="ctr" rtl="0">
-              <a:spcBef>
-                <a:spcPts val="0"/>
-              </a:spcBef>
-              <a:spcAft>
-                <a:spcPts val="0"/>
-              </a:spcAft>
-              <a:buNone/>
-            </a:pPr>
-            <a:r>
-              <a:rPr lang="en-US" altLang="ko-KR" sz="6000" dirty="0">
-                <a:solidFill>
-                  <a:srgbClr val="FF8700"/>
-                </a:solidFill>
-                <a:latin typeface="a옛날목욕탕L" panose="02020600000000000000" pitchFamily="18" charset="-127"/>
-                <a:ea typeface="a옛날목욕탕L" panose="02020600000000000000" pitchFamily="18" charset="-127"/>
-              </a:rPr>
-              <a:t>Q&amp;A </a:t>
-            </a:r>
-            <a:br>
-              <a:rPr lang="en-US" altLang="ko-KR" sz="6000" dirty="0">
-                <a:solidFill>
-                  <a:srgbClr val="FF8700"/>
-                </a:solidFill>
-                <a:latin typeface="a옛날목욕탕L" panose="02020600000000000000" pitchFamily="18" charset="-127"/>
-                <a:ea typeface="a옛날목욕탕L" panose="02020600000000000000" pitchFamily="18" charset="-127"/>
-              </a:rPr>
-            </a:br>
-            <a:r>
-              <a:rPr lang="ko-KR" altLang="en-US" sz="4800" dirty="0">
-                <a:solidFill>
-                  <a:schemeClr val="bg1"/>
-                </a:solidFill>
-                <a:latin typeface="a옛날목욕탕L" panose="02020600000000000000" pitchFamily="18" charset="-127"/>
-                <a:ea typeface="a옛날목욕탕L" panose="02020600000000000000" pitchFamily="18" charset="-127"/>
-              </a:rPr>
-              <a:t>감사합니다</a:t>
-            </a:r>
-            <a:endParaRPr sz="6000" dirty="0">
-              <a:solidFill>
-                <a:schemeClr val="bg1"/>
-              </a:solidFill>
-              <a:latin typeface="a옛날목욕탕L" panose="02020600000000000000" pitchFamily="18" charset="-127"/>
-              <a:ea typeface="a옛날목욕탕L" panose="02020600000000000000" pitchFamily="18" charset="-127"/>
-            </a:endParaRPr>
-          </a:p>
-        </p:txBody>
-      </p:sp>
-    </p:spTree>
   </p:cSld>
   <p:clrMapOvr>
     <a:masterClrMapping/>
@@ -12325,11 +11851,11 @@
               <a:buNone/>
             </a:pPr>
             <a:r>
-              <a:rPr lang="en-US" b="0" dirty="0">
-                <a:latin typeface="a옛날목욕탕L" panose="02020600000000000000" pitchFamily="18" charset="-127"/>
-                <a:ea typeface="a옛날목욕탕L" panose="02020600000000000000" pitchFamily="18" charset="-127"/>
-              </a:rPr>
-              <a:t>0</a:t>
+              <a:rPr lang="en-US" altLang="ko-KR" b="0" dirty="0">
+                <a:latin typeface="a옛날목욕탕L" panose="02020600000000000000" pitchFamily="18" charset="-127"/>
+                <a:ea typeface="a옛날목욕탕L" panose="02020600000000000000" pitchFamily="18" charset="-127"/>
+              </a:rPr>
+              <a:t>1</a:t>
             </a:r>
             <a:endParaRPr b="0" dirty="0">
               <a:latin typeface="a옛날목욕탕L" panose="02020600000000000000" pitchFamily="18" charset="-127"/>
@@ -12340,10 +11866,10 @@
       </p:sp>
       <p:pic>
         <p:nvPicPr>
-          <p:cNvPr id="3" name="그림 2">
+          <p:cNvPr id="5" name="그림 4">
             <a:extLst>
               <a:ext uri="{FF2B5EF4-FFF2-40B4-BE49-F238E27FC236}">
-                <a16:creationId xmlns:a16="http://schemas.microsoft.com/office/drawing/2014/main" id="{664AB915-ED62-4BB4-9683-90EF30D7B9E8}"/>
+                <a16:creationId xmlns:a16="http://schemas.microsoft.com/office/drawing/2014/main" id="{A7A4B1C0-5147-485F-B769-A252F5BCEE24}"/>
               </a:ext>
             </a:extLst>
           </p:cNvPr>
@@ -12367,6 +11893,539 @@
           </a:prstGeom>
         </p:spPr>
       </p:pic>
+      <p:sp>
+        <p:nvSpPr>
+          <p:cNvPr id="11" name="직사각형 10">
+            <a:extLst>
+              <a:ext uri="{FF2B5EF4-FFF2-40B4-BE49-F238E27FC236}">
+                <a16:creationId xmlns:a16="http://schemas.microsoft.com/office/drawing/2014/main" id="{1ACCAA43-1D40-4FA2-8205-822BD8DF0303}"/>
+              </a:ext>
+            </a:extLst>
+          </p:cNvPr>
+          <p:cNvSpPr/>
+          <p:nvPr/>
+        </p:nvSpPr>
+        <p:spPr>
+          <a:xfrm>
+            <a:off x="1359874" y="1078523"/>
+            <a:ext cx="870444" cy="1170606"/>
+          </a:xfrm>
+          <a:prstGeom prst="rect">
+            <a:avLst/>
+          </a:prstGeom>
+          <a:noFill/>
+          <a:ln w="19050" cap="flat" cmpd="sng" algn="ctr">
+            <a:solidFill>
+              <a:srgbClr val="002060"/>
+            </a:solidFill>
+            <a:prstDash val="lgDash"/>
+            <a:round/>
+            <a:headEnd type="none" w="med" len="med"/>
+            <a:tailEnd type="none" w="med" len="med"/>
+          </a:ln>
+        </p:spPr>
+        <p:style>
+          <a:lnRef idx="0">
+            <a:scrgbClr r="0" g="0" b="0"/>
+          </a:lnRef>
+          <a:fillRef idx="0">
+            <a:scrgbClr r="0" g="0" b="0"/>
+          </a:fillRef>
+          <a:effectRef idx="0">
+            <a:scrgbClr r="0" g="0" b="0"/>
+          </a:effectRef>
+          <a:fontRef idx="minor">
+            <a:schemeClr val="accent1"/>
+          </a:fontRef>
+        </p:style>
+        <p:txBody>
+          <a:bodyPr rtlCol="0" anchor="ctr"/>
+          <a:lstStyle/>
+          <a:p>
+            <a:pPr algn="ctr"/>
+            <a:endParaRPr lang="ko-KR" altLang="en-US"/>
+          </a:p>
+        </p:txBody>
+      </p:sp>
+      <p:cxnSp>
+        <p:nvCxnSpPr>
+          <p:cNvPr id="12" name="연결선: 꺾임 11">
+            <a:extLst>
+              <a:ext uri="{FF2B5EF4-FFF2-40B4-BE49-F238E27FC236}">
+                <a16:creationId xmlns:a16="http://schemas.microsoft.com/office/drawing/2014/main" id="{912DEFD8-4EAD-411C-AD2B-15C956190DEB}"/>
+              </a:ext>
+            </a:extLst>
+          </p:cNvPr>
+          <p:cNvCxnSpPr>
+            <a:cxnSpLocks/>
+          </p:cNvCxnSpPr>
+          <p:nvPr/>
+        </p:nvCxnSpPr>
+        <p:spPr>
+          <a:xfrm rot="10800000">
+            <a:off x="2016851" y="2315363"/>
+            <a:ext cx="870443" cy="193433"/>
+          </a:xfrm>
+          <a:prstGeom prst="bentConnector2">
+            <a:avLst/>
+          </a:prstGeom>
+          <a:ln w="19050">
+            <a:tailEnd type="triangle"/>
+          </a:ln>
+        </p:spPr>
+        <p:style>
+          <a:lnRef idx="1">
+            <a:schemeClr val="accent6"/>
+          </a:lnRef>
+          <a:fillRef idx="0">
+            <a:schemeClr val="accent6"/>
+          </a:fillRef>
+          <a:effectRef idx="0">
+            <a:schemeClr val="accent6"/>
+          </a:effectRef>
+          <a:fontRef idx="minor">
+            <a:schemeClr val="tx1"/>
+          </a:fontRef>
+        </p:style>
+      </p:cxnSp>
+      <p:grpSp>
+        <p:nvGrpSpPr>
+          <p:cNvPr id="2" name="그룹 1">
+            <a:extLst>
+              <a:ext uri="{FF2B5EF4-FFF2-40B4-BE49-F238E27FC236}">
+                <a16:creationId xmlns:a16="http://schemas.microsoft.com/office/drawing/2014/main" id="{0D1D6BBC-C462-4883-AA94-36A363192586}"/>
+              </a:ext>
+            </a:extLst>
+          </p:cNvPr>
+          <p:cNvGrpSpPr/>
+          <p:nvPr/>
+        </p:nvGrpSpPr>
+        <p:grpSpPr>
+          <a:xfrm>
+            <a:off x="1327223" y="1078523"/>
+            <a:ext cx="726499" cy="1052619"/>
+            <a:chOff x="1268438" y="1078523"/>
+            <a:chExt cx="780793" cy="1146416"/>
+          </a:xfrm>
+        </p:grpSpPr>
+        <p:pic>
+          <p:nvPicPr>
+            <p:cNvPr id="6" name="그림 5">
+              <a:extLst>
+                <a:ext uri="{FF2B5EF4-FFF2-40B4-BE49-F238E27FC236}">
+                  <a16:creationId xmlns:a16="http://schemas.microsoft.com/office/drawing/2014/main" id="{0EF72122-65DF-42C6-8788-55687759330E}"/>
+                </a:ext>
+              </a:extLst>
+            </p:cNvPr>
+            <p:cNvPicPr>
+              <a:picLocks noChangeAspect="1"/>
+            </p:cNvPicPr>
+            <p:nvPr/>
+          </p:nvPicPr>
+          <p:blipFill>
+            <a:blip r:embed="rId4">
+              <a:extLst>
+                <a:ext uri="{28A0092B-C50C-407E-A947-70E740481C1C}">
+                  <a14:useLocalDpi xmlns:a14="http://schemas.microsoft.com/office/drawing/2010/main" val="0"/>
+                </a:ext>
+              </a:extLst>
+            </a:blip>
+            <a:stretch>
+              <a:fillRect/>
+            </a:stretch>
+          </p:blipFill>
+          <p:spPr>
+            <a:xfrm>
+              <a:off x="1506806" y="1078523"/>
+              <a:ext cx="524792" cy="524792"/>
+            </a:xfrm>
+            <a:prstGeom prst="rect">
+              <a:avLst/>
+            </a:prstGeom>
+          </p:spPr>
+        </p:pic>
+        <p:grpSp>
+          <p:nvGrpSpPr>
+            <p:cNvPr id="7" name="그룹 6">
+              <a:extLst>
+                <a:ext uri="{FF2B5EF4-FFF2-40B4-BE49-F238E27FC236}">
+                  <a16:creationId xmlns:a16="http://schemas.microsoft.com/office/drawing/2014/main" id="{03BCE129-2DA4-45E0-8D76-D49ECF59485C}"/>
+                </a:ext>
+              </a:extLst>
+            </p:cNvPr>
+            <p:cNvGrpSpPr/>
+            <p:nvPr/>
+          </p:nvGrpSpPr>
+          <p:grpSpPr>
+            <a:xfrm>
+              <a:off x="1268438" y="1600949"/>
+              <a:ext cx="780793" cy="623990"/>
+              <a:chOff x="4312185" y="903002"/>
+              <a:chExt cx="3994076" cy="3749681"/>
+            </a:xfrm>
+          </p:grpSpPr>
+          <p:pic>
+            <p:nvPicPr>
+              <p:cNvPr id="8" name="그림 7">
+                <a:extLst>
+                  <a:ext uri="{FF2B5EF4-FFF2-40B4-BE49-F238E27FC236}">
+                    <a16:creationId xmlns:a16="http://schemas.microsoft.com/office/drawing/2014/main" id="{6F697856-56DA-4356-98FD-D24626B3930B}"/>
+                  </a:ext>
+                </a:extLst>
+              </p:cNvPr>
+              <p:cNvPicPr>
+                <a:picLocks noChangeAspect="1"/>
+              </p:cNvPicPr>
+              <p:nvPr/>
+            </p:nvPicPr>
+            <p:blipFill>
+              <a:blip r:embed="rId5">
+                <a:extLst>
+                  <a:ext uri="{28A0092B-C50C-407E-A947-70E740481C1C}">
+                    <a14:useLocalDpi xmlns:a14="http://schemas.microsoft.com/office/drawing/2010/main" val="0"/>
+                  </a:ext>
+                </a:extLst>
+              </a:blip>
+              <a:stretch>
+                <a:fillRect/>
+              </a:stretch>
+            </p:blipFill>
+            <p:spPr>
+              <a:xfrm>
+                <a:off x="5815142" y="2163550"/>
+                <a:ext cx="2149409" cy="2149413"/>
+              </a:xfrm>
+              <a:prstGeom prst="rect">
+                <a:avLst/>
+              </a:prstGeom>
+            </p:spPr>
+          </p:pic>
+          <p:sp>
+            <p:nvSpPr>
+              <p:cNvPr id="9" name="사각형: 둥근 모서리 8">
+                <a:extLst>
+                  <a:ext uri="{FF2B5EF4-FFF2-40B4-BE49-F238E27FC236}">
+                    <a16:creationId xmlns:a16="http://schemas.microsoft.com/office/drawing/2014/main" id="{D2400007-A5F6-4B28-B5E1-53278C2089CA}"/>
+                  </a:ext>
+                </a:extLst>
+              </p:cNvPr>
+              <p:cNvSpPr/>
+              <p:nvPr/>
+            </p:nvSpPr>
+            <p:spPr>
+              <a:xfrm>
+                <a:off x="5322075" y="1823823"/>
+                <a:ext cx="2984186" cy="2828860"/>
+              </a:xfrm>
+              <a:prstGeom prst="roundRect">
+                <a:avLst/>
+              </a:prstGeom>
+              <a:noFill/>
+              <a:ln w="38100" cap="flat" cmpd="sng" algn="ctr">
+                <a:solidFill>
+                  <a:schemeClr val="accent2"/>
+                </a:solidFill>
+                <a:prstDash val="lgDash"/>
+                <a:round/>
+                <a:headEnd type="none" w="med" len="med"/>
+                <a:tailEnd type="none" w="med" len="med"/>
+              </a:ln>
+            </p:spPr>
+            <p:style>
+              <a:lnRef idx="0">
+                <a:scrgbClr r="0" g="0" b="0"/>
+              </a:lnRef>
+              <a:fillRef idx="0">
+                <a:scrgbClr r="0" g="0" b="0"/>
+              </a:fillRef>
+              <a:effectRef idx="0">
+                <a:scrgbClr r="0" g="0" b="0"/>
+              </a:effectRef>
+              <a:fontRef idx="minor">
+                <a:schemeClr val="accent2"/>
+              </a:fontRef>
+            </p:style>
+            <p:txBody>
+              <a:bodyPr rtlCol="0" anchor="ctr"/>
+              <a:lstStyle/>
+              <a:p>
+                <a:pPr algn="ctr"/>
+                <a:endParaRPr lang="ko-KR" altLang="en-US"/>
+              </a:p>
+            </p:txBody>
+          </p:sp>
+          <p:pic>
+            <p:nvPicPr>
+              <p:cNvPr id="10" name="그림 9">
+                <a:extLst>
+                  <a:ext uri="{FF2B5EF4-FFF2-40B4-BE49-F238E27FC236}">
+                    <a16:creationId xmlns:a16="http://schemas.microsoft.com/office/drawing/2014/main" id="{3D4005AA-D87E-4016-96C3-34A081F8F35A}"/>
+                  </a:ext>
+                </a:extLst>
+              </p:cNvPr>
+              <p:cNvPicPr>
+                <a:picLocks noChangeAspect="1"/>
+              </p:cNvPicPr>
+              <p:nvPr/>
+            </p:nvPicPr>
+            <p:blipFill>
+              <a:blip r:embed="rId6">
+                <a:extLst>
+                  <a:ext uri="{28A0092B-C50C-407E-A947-70E740481C1C}">
+                    <a14:useLocalDpi xmlns:a14="http://schemas.microsoft.com/office/drawing/2010/main" val="0"/>
+                  </a:ext>
+                </a:extLst>
+              </a:blip>
+              <a:stretch>
+                <a:fillRect/>
+              </a:stretch>
+            </p:blipFill>
+            <p:spPr>
+              <a:xfrm>
+                <a:off x="4312185" y="903002"/>
+                <a:ext cx="2478502" cy="2478504"/>
+              </a:xfrm>
+              <a:prstGeom prst="rect">
+                <a:avLst/>
+              </a:prstGeom>
+            </p:spPr>
+          </p:pic>
+        </p:grpSp>
+        <p:cxnSp>
+          <p:nvCxnSpPr>
+            <p:cNvPr id="13" name="직선 화살표 연결선 12">
+              <a:extLst>
+                <a:ext uri="{FF2B5EF4-FFF2-40B4-BE49-F238E27FC236}">
+                  <a16:creationId xmlns:a16="http://schemas.microsoft.com/office/drawing/2014/main" id="{23EC29A4-DB76-4C50-90FD-C7A5C9F129C3}"/>
+                </a:ext>
+              </a:extLst>
+            </p:cNvPr>
+            <p:cNvCxnSpPr>
+              <a:cxnSpLocks/>
+            </p:cNvCxnSpPr>
+            <p:nvPr/>
+          </p:nvCxnSpPr>
+          <p:spPr>
+            <a:xfrm>
+              <a:off x="1607864" y="1480222"/>
+              <a:ext cx="0" cy="181708"/>
+            </a:xfrm>
+            <a:prstGeom prst="straightConnector1">
+              <a:avLst/>
+            </a:prstGeom>
+            <a:ln w="19050">
+              <a:tailEnd type="triangle"/>
+            </a:ln>
+          </p:spPr>
+          <p:style>
+            <a:lnRef idx="1">
+              <a:schemeClr val="accent6"/>
+            </a:lnRef>
+            <a:fillRef idx="0">
+              <a:schemeClr val="accent6"/>
+            </a:fillRef>
+            <a:effectRef idx="0">
+              <a:schemeClr val="accent6"/>
+            </a:effectRef>
+            <a:fontRef idx="minor">
+              <a:schemeClr val="tx1"/>
+            </a:fontRef>
+          </p:style>
+        </p:cxnSp>
+        <p:cxnSp>
+          <p:nvCxnSpPr>
+            <p:cNvPr id="14" name="직선 화살표 연결선 13">
+              <a:extLst>
+                <a:ext uri="{FF2B5EF4-FFF2-40B4-BE49-F238E27FC236}">
+                  <a16:creationId xmlns:a16="http://schemas.microsoft.com/office/drawing/2014/main" id="{E2D5DF6A-F2BE-46D6-897B-25C881C838AA}"/>
+                </a:ext>
+              </a:extLst>
+            </p:cNvPr>
+            <p:cNvCxnSpPr>
+              <a:cxnSpLocks/>
+            </p:cNvCxnSpPr>
+            <p:nvPr/>
+          </p:nvCxnSpPr>
+          <p:spPr>
+            <a:xfrm flipV="1">
+              <a:off x="1911878" y="1494876"/>
+              <a:ext cx="0" cy="167054"/>
+            </a:xfrm>
+            <a:prstGeom prst="straightConnector1">
+              <a:avLst/>
+            </a:prstGeom>
+            <a:ln w="19050">
+              <a:tailEnd type="triangle"/>
+            </a:ln>
+          </p:spPr>
+          <p:style>
+            <a:lnRef idx="1">
+              <a:schemeClr val="accent6"/>
+            </a:lnRef>
+            <a:fillRef idx="0">
+              <a:schemeClr val="accent6"/>
+            </a:fillRef>
+            <a:effectRef idx="0">
+              <a:schemeClr val="accent6"/>
+            </a:effectRef>
+            <a:fontRef idx="minor">
+              <a:schemeClr val="tx1"/>
+            </a:fontRef>
+          </p:style>
+        </p:cxnSp>
+      </p:grpSp>
+      <p:cxnSp>
+        <p:nvCxnSpPr>
+          <p:cNvPr id="16" name="연결선: 꺾임 15">
+            <a:extLst>
+              <a:ext uri="{FF2B5EF4-FFF2-40B4-BE49-F238E27FC236}">
+                <a16:creationId xmlns:a16="http://schemas.microsoft.com/office/drawing/2014/main" id="{FE763E9B-EEF2-4825-A302-7F74E9D5A69E}"/>
+              </a:ext>
+            </a:extLst>
+          </p:cNvPr>
+          <p:cNvCxnSpPr>
+            <a:cxnSpLocks/>
+          </p:cNvCxnSpPr>
+          <p:nvPr/>
+        </p:nvCxnSpPr>
+        <p:spPr>
+          <a:xfrm>
+            <a:off x="1939428" y="2333835"/>
+            <a:ext cx="932597" cy="260037"/>
+          </a:xfrm>
+          <a:prstGeom prst="bentConnector3">
+            <a:avLst>
+              <a:gd name="adj1" fmla="val -606"/>
+            </a:avLst>
+          </a:prstGeom>
+          <a:ln w="19050">
+            <a:tailEnd type="triangle"/>
+          </a:ln>
+        </p:spPr>
+        <p:style>
+          <a:lnRef idx="1">
+            <a:schemeClr val="accent6"/>
+          </a:lnRef>
+          <a:fillRef idx="0">
+            <a:schemeClr val="accent6"/>
+          </a:fillRef>
+          <a:effectRef idx="0">
+            <a:schemeClr val="accent6"/>
+          </a:effectRef>
+          <a:fontRef idx="minor">
+            <a:schemeClr val="tx1"/>
+          </a:fontRef>
+        </p:style>
+      </p:cxnSp>
+      <p:sp>
+        <p:nvSpPr>
+          <p:cNvPr id="3" name="TextBox 2">
+            <a:extLst>
+              <a:ext uri="{FF2B5EF4-FFF2-40B4-BE49-F238E27FC236}">
+                <a16:creationId xmlns:a16="http://schemas.microsoft.com/office/drawing/2014/main" id="{BFE4F243-1D92-435E-838B-A0EE0EAD6C38}"/>
+              </a:ext>
+            </a:extLst>
+          </p:cNvPr>
+          <p:cNvSpPr txBox="1"/>
+          <p:nvPr/>
+        </p:nvSpPr>
+        <p:spPr>
+          <a:xfrm>
+            <a:off x="1496168" y="2237971"/>
+            <a:ext cx="2025314" cy="276999"/>
+          </a:xfrm>
+          <a:prstGeom prst="rect">
+            <a:avLst/>
+          </a:prstGeom>
+          <a:noFill/>
+        </p:spPr>
+        <p:txBody>
+          <a:bodyPr wrap="square" rtlCol="0">
+            <a:spAutoFit/>
+          </a:bodyPr>
+          <a:lstStyle/>
+          <a:p>
+            <a:pPr algn="ctr"/>
+            <a:r>
+              <a:rPr lang="en-US" altLang="ko-KR" sz="600" dirty="0">
+                <a:latin typeface="a옛날목욕탕L" panose="02020600000000000000" pitchFamily="18" charset="-127"/>
+                <a:ea typeface="a옛날목욕탕L" panose="02020600000000000000" pitchFamily="18" charset="-127"/>
+              </a:rPr>
+              <a:t>register/login </a:t>
+            </a:r>
+            <a:br>
+              <a:rPr lang="en-US" altLang="ko-KR" sz="600" dirty="0">
+                <a:latin typeface="a옛날목욕탕L" panose="02020600000000000000" pitchFamily="18" charset="-127"/>
+                <a:ea typeface="a옛날목욕탕L" panose="02020600000000000000" pitchFamily="18" charset="-127"/>
+              </a:rPr>
+            </a:br>
+            <a:r>
+              <a:rPr lang="en-US" altLang="ko-KR" sz="600" dirty="0">
+                <a:latin typeface="a옛날목욕탕L" panose="02020600000000000000" pitchFamily="18" charset="-127"/>
+                <a:ea typeface="a옛날목욕탕L" panose="02020600000000000000" pitchFamily="18" charset="-127"/>
+              </a:rPr>
+              <a:t>request</a:t>
+            </a:r>
+            <a:endParaRPr lang="ko-KR" altLang="en-US" sz="600" dirty="0">
+              <a:latin typeface="a옛날목욕탕L" panose="02020600000000000000" pitchFamily="18" charset="-127"/>
+              <a:ea typeface="a옛날목욕탕L" panose="02020600000000000000" pitchFamily="18" charset="-127"/>
+            </a:endParaRPr>
+          </a:p>
+        </p:txBody>
+      </p:sp>
+      <p:sp>
+        <p:nvSpPr>
+          <p:cNvPr id="18" name="TextBox 17">
+            <a:extLst>
+              <a:ext uri="{FF2B5EF4-FFF2-40B4-BE49-F238E27FC236}">
+                <a16:creationId xmlns:a16="http://schemas.microsoft.com/office/drawing/2014/main" id="{B906C51C-FCB0-4EDC-9F79-32589CB93EEA}"/>
+              </a:ext>
+            </a:extLst>
+          </p:cNvPr>
+          <p:cNvSpPr txBox="1"/>
+          <p:nvPr/>
+        </p:nvSpPr>
+        <p:spPr>
+          <a:xfrm>
+            <a:off x="705141" y="2285587"/>
+            <a:ext cx="2025314" cy="276999"/>
+          </a:xfrm>
+          <a:prstGeom prst="rect">
+            <a:avLst/>
+          </a:prstGeom>
+          <a:noFill/>
+        </p:spPr>
+        <p:txBody>
+          <a:bodyPr wrap="square" rtlCol="0">
+            <a:spAutoFit/>
+          </a:bodyPr>
+          <a:lstStyle/>
+          <a:p>
+            <a:pPr algn="ctr"/>
+            <a:r>
+              <a:rPr lang="en-US" altLang="ko-KR" sz="600" dirty="0">
+                <a:latin typeface="a옛날목욕탕L" panose="02020600000000000000" pitchFamily="18" charset="-127"/>
+                <a:ea typeface="a옛날목욕탕L" panose="02020600000000000000" pitchFamily="18" charset="-127"/>
+              </a:rPr>
+              <a:t>return </a:t>
+            </a:r>
+          </a:p>
+          <a:p>
+            <a:pPr algn="ctr"/>
+            <a:r>
+              <a:rPr lang="en-US" altLang="ko-KR" sz="600" dirty="0">
+                <a:latin typeface="a옛날목욕탕L" panose="02020600000000000000" pitchFamily="18" charset="-127"/>
+                <a:ea typeface="a옛날목욕탕L" panose="02020600000000000000" pitchFamily="18" charset="-127"/>
+              </a:rPr>
+              <a:t>result</a:t>
+            </a:r>
+            <a:endParaRPr lang="ko-KR" altLang="en-US" sz="600" dirty="0">
+              <a:latin typeface="a옛날목욕탕L" panose="02020600000000000000" pitchFamily="18" charset="-127"/>
+              <a:ea typeface="a옛날목욕탕L" panose="02020600000000000000" pitchFamily="18" charset="-127"/>
+            </a:endParaRPr>
+          </a:p>
+        </p:txBody>
+      </p:sp>
     </p:spTree>
     <p:extLst>
       <p:ext uri="{BB962C8B-B14F-4D97-AF65-F5344CB8AC3E}">
@@ -12480,11 +12539,11 @@
               <a:buNone/>
             </a:pPr>
             <a:r>
-              <a:rPr lang="en-US" b="0" dirty="0">
-                <a:latin typeface="a옛날목욕탕L" panose="02020600000000000000" pitchFamily="18" charset="-127"/>
-                <a:ea typeface="a옛날목욕탕L" panose="02020600000000000000" pitchFamily="18" charset="-127"/>
-              </a:rPr>
-              <a:t>0</a:t>
+              <a:rPr lang="en-US" altLang="ko-KR" b="0" dirty="0">
+                <a:latin typeface="a옛날목욕탕L" panose="02020600000000000000" pitchFamily="18" charset="-127"/>
+                <a:ea typeface="a옛날목욕탕L" panose="02020600000000000000" pitchFamily="18" charset="-127"/>
+              </a:rPr>
+              <a:t>1</a:t>
             </a:r>
             <a:endParaRPr b="0" dirty="0">
               <a:latin typeface="a옛날목욕탕L" panose="02020600000000000000" pitchFamily="18" charset="-127"/>
@@ -12791,11 +12850,11 @@
               <a:buNone/>
             </a:pPr>
             <a:r>
-              <a:rPr lang="en-US" b="0" dirty="0">
-                <a:latin typeface="a옛날목욕탕L" panose="02020600000000000000" pitchFamily="18" charset="-127"/>
-                <a:ea typeface="a옛날목욕탕L" panose="02020600000000000000" pitchFamily="18" charset="-127"/>
-              </a:rPr>
-              <a:t>0</a:t>
+              <a:rPr lang="en-US" altLang="ko-KR" b="0" dirty="0">
+                <a:latin typeface="a옛날목욕탕L" panose="02020600000000000000" pitchFamily="18" charset="-127"/>
+                <a:ea typeface="a옛날목욕탕L" panose="02020600000000000000" pitchFamily="18" charset="-127"/>
+              </a:rPr>
+              <a:t>1</a:t>
             </a:r>
             <a:endParaRPr b="0" dirty="0">
               <a:latin typeface="a옛날목욕탕L" panose="02020600000000000000" pitchFamily="18" charset="-127"/>
@@ -13390,7 +13449,7 @@
             <p:spPr>
               <a:xfrm>
                 <a:off x="3099327" y="1409034"/>
-                <a:ext cx="2046515" cy="1639604"/>
+                <a:ext cx="2046515" cy="1370080"/>
               </a:xfrm>
               <a:prstGeom prst="rect">
                 <a:avLst/>
@@ -13418,7 +13477,27 @@
                     <a:latin typeface="a옛날목욕탕L" panose="02020600000000000000" pitchFamily="18" charset="-127"/>
                     <a:ea typeface="a옛날목욕탕L" panose="02020600000000000000" pitchFamily="18" charset="-127"/>
                   </a:rPr>
-                  <a:t> 높은 가격과 높은 수리비</a:t>
+                  <a:t> </a:t>
+                </a:r>
+                <a:r>
+                  <a:rPr lang="ko-KR" altLang="en-US" sz="1200">
+                    <a:solidFill>
+                      <a:schemeClr val="tx1"/>
+                    </a:solidFill>
+                    <a:latin typeface="a옛날목욕탕L" panose="02020600000000000000" pitchFamily="18" charset="-127"/>
+                    <a:ea typeface="a옛날목욕탕L" panose="02020600000000000000" pitchFamily="18" charset="-127"/>
+                  </a:rPr>
+                  <a:t>높은 가격과 </a:t>
+                </a:r>
+                <a:r>
+                  <a:rPr lang="ko-KR" altLang="en-US" sz="1200" dirty="0">
+                    <a:solidFill>
+                      <a:schemeClr val="tx1"/>
+                    </a:solidFill>
+                    <a:latin typeface="a옛날목욕탕L" panose="02020600000000000000" pitchFamily="18" charset="-127"/>
+                    <a:ea typeface="a옛날목욕탕L" panose="02020600000000000000" pitchFamily="18" charset="-127"/>
+                  </a:rPr>
+                  <a:t>수리비</a:t>
                 </a:r>
                 <a:endParaRPr lang="en-US" altLang="ko-KR" sz="1200" dirty="0">
                   <a:solidFill>
@@ -14573,11 +14652,11 @@
               <a:buNone/>
             </a:pPr>
             <a:r>
-              <a:rPr lang="en-US" b="0" dirty="0">
-                <a:latin typeface="a옛날목욕탕L" panose="02020600000000000000" pitchFamily="18" charset="-127"/>
-                <a:ea typeface="a옛날목욕탕L" panose="02020600000000000000" pitchFamily="18" charset="-127"/>
-              </a:rPr>
-              <a:t>0</a:t>
+              <a:rPr lang="en-US" altLang="ko-KR" b="0" dirty="0">
+                <a:latin typeface="a옛날목욕탕L" panose="02020600000000000000" pitchFamily="18" charset="-127"/>
+                <a:ea typeface="a옛날목욕탕L" panose="02020600000000000000" pitchFamily="18" charset="-127"/>
+              </a:rPr>
+              <a:t>2</a:t>
             </a:r>
             <a:endParaRPr b="0" dirty="0">
               <a:latin typeface="a옛날목욕탕L" panose="02020600000000000000" pitchFamily="18" charset="-127"/>
@@ -14588,10 +14667,10 @@
       </p:sp>
       <p:graphicFrame>
         <p:nvGraphicFramePr>
-          <p:cNvPr id="3" name="표 2">
+          <p:cNvPr id="5" name="표 4">
             <a:extLst>
               <a:ext uri="{FF2B5EF4-FFF2-40B4-BE49-F238E27FC236}">
-                <a16:creationId xmlns:a16="http://schemas.microsoft.com/office/drawing/2014/main" id="{8E85C680-B6DB-439F-A331-F8CEAA2C14BF}"/>
+                <a16:creationId xmlns:a16="http://schemas.microsoft.com/office/drawing/2014/main" id="{DE36C303-A90C-48E7-A5E2-603273BC1944}"/>
               </a:ext>
             </a:extLst>
           </p:cNvPr>
@@ -14599,12 +14678,16 @@
             <a:graphicFrameLocks noGrp="1"/>
           </p:cNvGraphicFramePr>
           <p:nvPr>
-            <p:extLst/>
+            <p:extLst>
+              <p:ext uri="{D42A27DB-BD31-4B8C-83A1-F6EECF244321}">
+                <p14:modId xmlns:p14="http://schemas.microsoft.com/office/powerpoint/2010/main" val="3592599030"/>
+              </p:ext>
+            </p:extLst>
           </p:nvPr>
         </p:nvGraphicFramePr>
         <p:xfrm>
-          <a:off x="1101386" y="1171941"/>
-          <a:ext cx="7238460" cy="3476724"/>
+          <a:off x="1269356" y="1194063"/>
+          <a:ext cx="7238460" cy="3506202"/>
         </p:xfrm>
         <a:graphic>
           <a:graphicData uri="http://schemas.openxmlformats.org/drawingml/2006/table">
@@ -14658,7 +14741,7 @@
                       </a:r>
                     </a:p>
                   </a:txBody>
-                  <a:tcPr/>
+                  <a:tcPr anchor="ctr"/>
                 </a:tc>
                 <a:tc>
                   <a:txBody>
@@ -14675,7 +14758,7 @@
                       </a:r>
                     </a:p>
                   </a:txBody>
-                  <a:tcPr/>
+                  <a:tcPr anchor="ctr"/>
                 </a:tc>
                 <a:tc>
                   <a:txBody>
@@ -14692,7 +14775,7 @@
                       </a:r>
                     </a:p>
                   </a:txBody>
-                  <a:tcPr/>
+                  <a:tcPr anchor="ctr"/>
                 </a:tc>
                 <a:tc>
                   <a:txBody>
@@ -14709,7 +14792,7 @@
                       </a:r>
                     </a:p>
                   </a:txBody>
-                  <a:tcPr/>
+                  <a:tcPr anchor="ctr"/>
                 </a:tc>
                 <a:extLst>
                   <a:ext uri="{0D108BD9-81ED-4DB2-BD59-A6C34878D82A}">
@@ -14737,7 +14820,7 @@
                       </a:endParaRPr>
                     </a:p>
                   </a:txBody>
-                  <a:tcPr/>
+                  <a:tcPr anchor="ctr"/>
                 </a:tc>
                 <a:tc>
                   <a:txBody>
@@ -14754,7 +14837,7 @@
                       </a:r>
                     </a:p>
                   </a:txBody>
-                  <a:tcPr/>
+                  <a:tcPr anchor="ctr"/>
                 </a:tc>
                 <a:tc>
                   <a:txBody>
@@ -14781,11 +14864,25 @@
                           <a:latin typeface="a옛날목욕탕L" panose="02020600000000000000" pitchFamily="18" charset="-127"/>
                           <a:ea typeface="a옛날목욕탕L" panose="02020600000000000000" pitchFamily="18" charset="-127"/>
                         </a:rPr>
-                        <a:t>방식으로 로그인 요청</a:t>
+                        <a:t>방식으로 </a:t>
+                      </a:r>
+                      <a:r>
+                        <a:rPr lang="ko-KR" altLang="en-US" sz="900" b="1" dirty="0">
+                          <a:latin typeface="a옛날목욕탕L" panose="02020600000000000000" pitchFamily="18" charset="-127"/>
+                          <a:ea typeface="a옛날목욕탕L" panose="02020600000000000000" pitchFamily="18" charset="-127"/>
+                        </a:rPr>
+                        <a:t>로그인 요청 </a:t>
+                      </a:r>
+                      <a:r>
+                        <a:rPr lang="ko-KR" altLang="en-US" sz="900" dirty="0">
+                          <a:latin typeface="a옛날목욕탕L" panose="02020600000000000000" pitchFamily="18" charset="-127"/>
+                          <a:ea typeface="a옛날목욕탕L" panose="02020600000000000000" pitchFamily="18" charset="-127"/>
+                        </a:rPr>
+                        <a:t>모듈</a:t>
                       </a:r>
                     </a:p>
                   </a:txBody>
-                  <a:tcPr/>
+                  <a:tcPr anchor="ctr"/>
                 </a:tc>
                 <a:tc>
                   <a:txBody>
@@ -14806,7 +14903,7 @@
                       </a:endParaRPr>
                     </a:p>
                   </a:txBody>
-                  <a:tcPr/>
+                  <a:tcPr anchor="ctr"/>
                 </a:tc>
                 <a:extLst>
                   <a:ext uri="{0D108BD9-81ED-4DB2-BD59-A6C34878D82A}">
@@ -14834,7 +14931,7 @@
                       </a:endParaRPr>
                     </a:p>
                   </a:txBody>
-                  <a:tcPr/>
+                  <a:tcPr anchor="ctr"/>
                 </a:tc>
                 <a:tc>
                   <a:txBody>
@@ -14851,7 +14948,7 @@
                       </a:r>
                     </a:p>
                   </a:txBody>
-                  <a:tcPr/>
+                  <a:tcPr anchor="ctr"/>
                 </a:tc>
                 <a:tc>
                   <a:txBody>
@@ -14878,11 +14975,25 @@
                           <a:latin typeface="a옛날목욕탕L" panose="02020600000000000000" pitchFamily="18" charset="-127"/>
                           <a:ea typeface="a옛날목욕탕L" panose="02020600000000000000" pitchFamily="18" charset="-127"/>
                         </a:rPr>
-                        <a:t>방식으로 회원가입 요청</a:t>
+                        <a:t>방식으로 </a:t>
+                      </a:r>
+                      <a:r>
+                        <a:rPr lang="ko-KR" altLang="en-US" sz="900" b="1" dirty="0">
+                          <a:latin typeface="a옛날목욕탕L" panose="02020600000000000000" pitchFamily="18" charset="-127"/>
+                          <a:ea typeface="a옛날목욕탕L" panose="02020600000000000000" pitchFamily="18" charset="-127"/>
+                        </a:rPr>
+                        <a:t>회원가입 요청 </a:t>
+                      </a:r>
+                      <a:r>
+                        <a:rPr lang="ko-KR" altLang="en-US" sz="900" dirty="0">
+                          <a:latin typeface="a옛날목욕탕L" panose="02020600000000000000" pitchFamily="18" charset="-127"/>
+                          <a:ea typeface="a옛날목욕탕L" panose="02020600000000000000" pitchFamily="18" charset="-127"/>
+                        </a:rPr>
+                        <a:t>모듈</a:t>
                       </a:r>
                     </a:p>
                   </a:txBody>
-                  <a:tcPr/>
+                  <a:tcPr anchor="ctr"/>
                 </a:tc>
                 <a:tc>
                   <a:txBody>
@@ -14903,7 +15014,7 @@
                       </a:endParaRPr>
                     </a:p>
                   </a:txBody>
-                  <a:tcPr/>
+                  <a:tcPr anchor="ctr"/>
                 </a:tc>
                 <a:extLst>
                   <a:ext uri="{0D108BD9-81ED-4DB2-BD59-A6C34878D82A}">
@@ -14931,7 +15042,7 @@
                       </a:endParaRPr>
                     </a:p>
                   </a:txBody>
-                  <a:tcPr/>
+                  <a:tcPr anchor="ctr"/>
                 </a:tc>
                 <a:tc>
                   <a:txBody>
@@ -14944,39 +15055,25 @@
                           <a:latin typeface="a옛날목욕탕L" panose="02020600000000000000" pitchFamily="18" charset="-127"/>
                           <a:ea typeface="a옛날목욕탕L" panose="02020600000000000000" pitchFamily="18" charset="-127"/>
                         </a:rPr>
-                        <a:t>로그인 </a:t>
+                        <a:t>유효 </a:t>
                       </a:r>
                       <a:r>
                         <a:rPr lang="en-US" altLang="ko-KR" sz="900" dirty="0">
                           <a:latin typeface="a옛날목욕탕L" panose="02020600000000000000" pitchFamily="18" charset="-127"/>
                           <a:ea typeface="a옛날목욕탕L" panose="02020600000000000000" pitchFamily="18" charset="-127"/>
                         </a:rPr>
-                        <a:t>&amp; </a:t>
+                        <a:t>ID</a:t>
                       </a:r>
                       <a:r>
                         <a:rPr lang="ko-KR" altLang="en-US" sz="900" dirty="0">
                           <a:latin typeface="a옛날목욕탕L" panose="02020600000000000000" pitchFamily="18" charset="-127"/>
                           <a:ea typeface="a옛날목욕탕L" panose="02020600000000000000" pitchFamily="18" charset="-127"/>
                         </a:rPr>
-                        <a:t>회원가입  </a:t>
-                      </a:r>
-                      <a:endParaRPr lang="en-US" altLang="ko-KR" sz="900" dirty="0">
-                        <a:latin typeface="a옛날목욕탕L" panose="02020600000000000000" pitchFamily="18" charset="-127"/>
-                        <a:ea typeface="a옛날목욕탕L" panose="02020600000000000000" pitchFamily="18" charset="-127"/>
-                      </a:endParaRPr>
-                    </a:p>
-                    <a:p>
-                      <a:pPr algn="ctr" latinLnBrk="1"/>
-                      <a:r>
-                        <a:rPr lang="ko-KR" altLang="en-US" sz="900" dirty="0">
-                          <a:latin typeface="a옛날목욕탕L" panose="02020600000000000000" pitchFamily="18" charset="-127"/>
-                          <a:ea typeface="a옛날목욕탕L" panose="02020600000000000000" pitchFamily="18" charset="-127"/>
-                        </a:rPr>
-                        <a:t>확인 요청 모듈</a:t>
+                        <a:t> 요청 확인 모듈</a:t>
                       </a:r>
                     </a:p>
                   </a:txBody>
-                  <a:tcPr/>
+                  <a:tcPr anchor="ctr"/>
                 </a:tc>
                 <a:tc>
                   <a:txBody>
@@ -15003,7 +15100,21 @@
                           <a:latin typeface="a옛날목욕탕L" panose="02020600000000000000" pitchFamily="18" charset="-127"/>
                           <a:ea typeface="a옛날목욕탕L" panose="02020600000000000000" pitchFamily="18" charset="-127"/>
                         </a:rPr>
-                        <a:t>방식으로 로그인 및</a:t>
+                        <a:t>방식으로 </a:t>
+                      </a:r>
+                      <a:r>
+                        <a:rPr lang="en-US" altLang="ko-KR" sz="900" dirty="0">
+                          <a:latin typeface="a옛날목욕탕L" panose="02020600000000000000" pitchFamily="18" charset="-127"/>
+                          <a:ea typeface="a옛날목욕탕L" panose="02020600000000000000" pitchFamily="18" charset="-127"/>
+                        </a:rPr>
+                        <a:t>ID</a:t>
+                      </a:r>
+                      <a:r>
+                        <a:rPr lang="ko-KR" altLang="en-US" sz="900" dirty="0">
+                          <a:latin typeface="a옛날목욕탕L" panose="02020600000000000000" pitchFamily="18" charset="-127"/>
+                          <a:ea typeface="a옛날목욕탕L" panose="02020600000000000000" pitchFamily="18" charset="-127"/>
+                        </a:rPr>
+                        <a:t> 전송해</a:t>
                       </a:r>
                       <a:endParaRPr lang="en-US" altLang="ko-KR" sz="900" dirty="0">
                         <a:latin typeface="a옛날목욕탕L" panose="02020600000000000000" pitchFamily="18" charset="-127"/>
@@ -15013,15 +15124,36 @@
                     <a:p>
                       <a:pPr algn="ctr" latinLnBrk="1"/>
                       <a:r>
+                        <a:rPr lang="ko-KR" altLang="en-US" sz="900" b="1" dirty="0">
+                          <a:latin typeface="a옛날목욕탕L" panose="02020600000000000000" pitchFamily="18" charset="-127"/>
+                          <a:ea typeface="a옛날목욕탕L" panose="02020600000000000000" pitchFamily="18" charset="-127"/>
+                        </a:rPr>
+                        <a:t>회원가입 가능한 </a:t>
+                      </a:r>
+                      <a:r>
+                        <a:rPr lang="en-US" altLang="ko-KR" sz="900" b="1" dirty="0">
+                          <a:latin typeface="a옛날목욕탕L" panose="02020600000000000000" pitchFamily="18" charset="-127"/>
+                          <a:ea typeface="a옛날목욕탕L" panose="02020600000000000000" pitchFamily="18" charset="-127"/>
+                        </a:rPr>
+                        <a:t>ID</a:t>
+                      </a:r>
+                      <a:r>
+                        <a:rPr lang="ko-KR" altLang="en-US" sz="900" b="1" dirty="0">
+                          <a:latin typeface="a옛날목욕탕L" panose="02020600000000000000" pitchFamily="18" charset="-127"/>
+                          <a:ea typeface="a옛날목욕탕L" panose="02020600000000000000" pitchFamily="18" charset="-127"/>
+                        </a:rPr>
+                        <a:t>인지 확인 요청</a:t>
+                      </a:r>
+                      <a:r>
                         <a:rPr lang="ko-KR" altLang="en-US" sz="900" dirty="0">
                           <a:latin typeface="a옛날목욕탕L" panose="02020600000000000000" pitchFamily="18" charset="-127"/>
                           <a:ea typeface="a옛날목욕탕L" panose="02020600000000000000" pitchFamily="18" charset="-127"/>
                         </a:rPr>
-                        <a:t>회원가입 요청 모듈 실행</a:t>
+                        <a:t> 모듈</a:t>
                       </a:r>
                     </a:p>
                   </a:txBody>
-                  <a:tcPr/>
+                  <a:tcPr anchor="ctr"/>
                 </a:tc>
                 <a:tc>
                   <a:txBody>
@@ -15034,7 +15166,7 @@
                           <a:latin typeface="a옛날목욕탕L" panose="02020600000000000000" pitchFamily="18" charset="-127"/>
                           <a:ea typeface="a옛날목욕탕L" panose="02020600000000000000" pitchFamily="18" charset="-127"/>
                         </a:rPr>
-                        <a:t>RegisterActivity.java</a:t>
+                        <a:t>ValidateRequest.java</a:t>
                       </a:r>
                       <a:endParaRPr lang="ko-KR" altLang="en-US" sz="900" dirty="0">
                         <a:latin typeface="a옛날목욕탕L" panose="02020600000000000000" pitchFamily="18" charset="-127"/>
@@ -15042,7 +15174,7 @@
                       </a:endParaRPr>
                     </a:p>
                   </a:txBody>
-                  <a:tcPr/>
+                  <a:tcPr anchor="ctr"/>
                 </a:tc>
                 <a:extLst>
                   <a:ext uri="{0D108BD9-81ED-4DB2-BD59-A6C34878D82A}">
@@ -15070,7 +15202,7 @@
                       </a:endParaRPr>
                     </a:p>
                   </a:txBody>
-                  <a:tcPr/>
+                  <a:tcPr anchor="ctr"/>
                 </a:tc>
                 <a:tc>
                   <a:txBody>
@@ -15083,25 +15215,11 @@
                           <a:latin typeface="a옛날목욕탕L" panose="02020600000000000000" pitchFamily="18" charset="-127"/>
                           <a:ea typeface="a옛날목욕탕L" panose="02020600000000000000" pitchFamily="18" charset="-127"/>
                         </a:rPr>
-                        <a:t>로그인 </a:t>
-                      </a:r>
-                      <a:r>
-                        <a:rPr lang="en-US" altLang="ko-KR" sz="900" dirty="0">
-                          <a:latin typeface="a옛날목욕탕L" panose="02020600000000000000" pitchFamily="18" charset="-127"/>
-                          <a:ea typeface="a옛날목욕탕L" panose="02020600000000000000" pitchFamily="18" charset="-127"/>
-                        </a:rPr>
-                        <a:t>&amp; </a:t>
-                      </a:r>
-                      <a:r>
-                        <a:rPr lang="ko-KR" altLang="en-US" sz="900" dirty="0">
-                          <a:latin typeface="a옛날목욕탕L" panose="02020600000000000000" pitchFamily="18" charset="-127"/>
-                          <a:ea typeface="a옛날목욕탕L" panose="02020600000000000000" pitchFamily="18" charset="-127"/>
-                        </a:rPr>
-                        <a:t>회원가입 수행 모듈</a:t>
+                        <a:t>메인 액티비티</a:t>
                       </a:r>
                     </a:p>
                   </a:txBody>
-                  <a:tcPr/>
+                  <a:tcPr anchor="ctr"/>
                 </a:tc>
                 <a:tc>
                   <a:txBody>
@@ -15128,39 +15246,11 @@
                         <a:defRPr/>
                       </a:pPr>
                       <a:r>
-                        <a:rPr lang="en-US" altLang="ko-KR" sz="900" dirty="0" err="1">
-                          <a:latin typeface="a옛날목욕탕L" panose="02020600000000000000" pitchFamily="18" charset="-127"/>
-                          <a:ea typeface="a옛날목욕탕L" panose="02020600000000000000" pitchFamily="18" charset="-127"/>
-                        </a:rPr>
-                        <a:t>LoginRequest</a:t>
-                      </a:r>
-                      <a:r>
                         <a:rPr lang="ko-KR" altLang="en-US" sz="900" dirty="0">
                           <a:latin typeface="a옛날목욕탕L" panose="02020600000000000000" pitchFamily="18" charset="-127"/>
                           <a:ea typeface="a옛날목욕탕L" panose="02020600000000000000" pitchFamily="18" charset="-127"/>
                         </a:rPr>
-                        <a:t>와 </a:t>
-                      </a:r>
-                      <a:r>
-                        <a:rPr lang="en-US" altLang="ko-KR" sz="900" dirty="0" err="1">
-                          <a:latin typeface="a옛날목욕탕L" panose="02020600000000000000" pitchFamily="18" charset="-127"/>
-                          <a:ea typeface="a옛날목욕탕L" panose="02020600000000000000" pitchFamily="18" charset="-127"/>
-                        </a:rPr>
-                        <a:t>RegisterRequest</a:t>
-                      </a:r>
-                      <a:r>
-                        <a:rPr lang="en-US" altLang="ko-KR" sz="900" dirty="0">
-                          <a:latin typeface="a옛날목욕탕L" panose="02020600000000000000" pitchFamily="18" charset="-127"/>
-                          <a:ea typeface="a옛날목욕탕L" panose="02020600000000000000" pitchFamily="18" charset="-127"/>
-                        </a:rPr>
-                        <a:t> </a:t>
-                      </a:r>
-                      <a:r>
-                        <a:rPr lang="ko-KR" altLang="en-US" sz="900" dirty="0">
-                          <a:latin typeface="a옛날목욕탕L" panose="02020600000000000000" pitchFamily="18" charset="-127"/>
-                          <a:ea typeface="a옛날목욕탕L" panose="02020600000000000000" pitchFamily="18" charset="-127"/>
-                        </a:rPr>
-                        <a:t>요청하여 </a:t>
+                        <a:t>로그인 요청과 회원가입 액티비티로의 이동이 가능한</a:t>
                       </a:r>
                       <a:endParaRPr lang="en-US" altLang="ko-KR" sz="900" dirty="0">
                         <a:latin typeface="a옛날목욕탕L" panose="02020600000000000000" pitchFamily="18" charset="-127"/>
@@ -15192,25 +15282,11 @@
                           <a:latin typeface="a옛날목욕탕L" panose="02020600000000000000" pitchFamily="18" charset="-127"/>
                           <a:ea typeface="a옛날목욕탕L" panose="02020600000000000000" pitchFamily="18" charset="-127"/>
                         </a:rPr>
-                        <a:t>로그인 및 회원가입 수행 및 </a:t>
-                      </a:r>
-                      <a:r>
-                        <a:rPr lang="en-US" altLang="ko-KR" sz="900" dirty="0">
-                          <a:latin typeface="a옛날목욕탕L" panose="02020600000000000000" pitchFamily="18" charset="-127"/>
-                          <a:ea typeface="a옛날목욕탕L" panose="02020600000000000000" pitchFamily="18" charset="-127"/>
-                        </a:rPr>
-                        <a:t>Activity </a:t>
-                      </a:r>
-                      <a:r>
-                        <a:rPr lang="ko-KR" altLang="en-US" sz="900" dirty="0">
-                          <a:latin typeface="a옛날목욕탕L" panose="02020600000000000000" pitchFamily="18" charset="-127"/>
-                          <a:ea typeface="a옛날목욕탕L" panose="02020600000000000000" pitchFamily="18" charset="-127"/>
-                        </a:rPr>
-                        <a:t>설정</a:t>
+                        <a:t>메인 안드로이드 액티비티</a:t>
                       </a:r>
                     </a:p>
                   </a:txBody>
-                  <a:tcPr/>
+                  <a:tcPr anchor="ctr"/>
                 </a:tc>
                 <a:tc>
                   <a:txBody>
@@ -15231,7 +15307,7 @@
                       </a:endParaRPr>
                     </a:p>
                   </a:txBody>
-                  <a:tcPr/>
+                  <a:tcPr anchor="ctr"/>
                 </a:tc>
                 <a:extLst>
                   <a:ext uri="{0D108BD9-81ED-4DB2-BD59-A6C34878D82A}">
@@ -15259,7 +15335,7 @@
                       </a:endParaRPr>
                     </a:p>
                   </a:txBody>
-                  <a:tcPr/>
+                  <a:tcPr anchor="ctr"/>
                 </a:tc>
                 <a:tc>
                   <a:txBody>
@@ -15272,11 +15348,11 @@
                           <a:latin typeface="a옛날목욕탕L" panose="02020600000000000000" pitchFamily="18" charset="-127"/>
                           <a:ea typeface="a옛날목욕탕L" panose="02020600000000000000" pitchFamily="18" charset="-127"/>
                         </a:rPr>
-                        <a:t>유효 요청 확인 모듈</a:t>
+                        <a:t>회원가입 액티비티</a:t>
                       </a:r>
                     </a:p>
                   </a:txBody>
-                  <a:tcPr/>
+                  <a:tcPr anchor="ctr"/>
                 </a:tc>
                 <a:tc>
                   <a:txBody>
@@ -15289,39 +15365,53 @@
                           <a:latin typeface="a옛날목욕탕L" panose="02020600000000000000" pitchFamily="18" charset="-127"/>
                           <a:ea typeface="a옛날목욕탕L" panose="02020600000000000000" pitchFamily="18" charset="-127"/>
                         </a:rPr>
-                        <a:t>지정 </a:t>
+                        <a:t>회원가입 요청 모듈 및 유효 </a:t>
                       </a:r>
                       <a:r>
                         <a:rPr lang="en-US" altLang="ko-KR" sz="900" dirty="0">
                           <a:latin typeface="a옛날목욕탕L" panose="02020600000000000000" pitchFamily="18" charset="-127"/>
                           <a:ea typeface="a옛날목욕탕L" panose="02020600000000000000" pitchFamily="18" charset="-127"/>
                         </a:rPr>
-                        <a:t>URL</a:t>
+                        <a:t>ID </a:t>
                       </a:r>
                       <a:r>
                         <a:rPr lang="ko-KR" altLang="en-US" sz="900" dirty="0">
                           <a:latin typeface="a옛날목욕탕L" panose="02020600000000000000" pitchFamily="18" charset="-127"/>
                           <a:ea typeface="a옛날목욕탕L" panose="02020600000000000000" pitchFamily="18" charset="-127"/>
                         </a:rPr>
-                        <a:t>에 </a:t>
+                        <a:t>확인 요청 모듈 </a:t>
+                      </a:r>
+                      <a:endParaRPr lang="en-US" altLang="ko-KR" sz="900" dirty="0">
+                        <a:latin typeface="a옛날목욕탕L" panose="02020600000000000000" pitchFamily="18" charset="-127"/>
+                        <a:ea typeface="a옛날목욕탕L" panose="02020600000000000000" pitchFamily="18" charset="-127"/>
+                      </a:endParaRPr>
+                    </a:p>
+                    <a:p>
+                      <a:pPr algn="ctr" latinLnBrk="1"/>
+                      <a:r>
+                        <a:rPr lang="ko-KR" altLang="en-US" sz="900" dirty="0">
+                          <a:latin typeface="a옛날목욕탕L" panose="02020600000000000000" pitchFamily="18" charset="-127"/>
+                          <a:ea typeface="a옛날목욕탕L" panose="02020600000000000000" pitchFamily="18" charset="-127"/>
+                        </a:rPr>
+                        <a:t>실행 가능한</a:t>
                       </a:r>
                       <a:r>
                         <a:rPr lang="en-US" altLang="ko-KR" sz="900" dirty="0">
                           <a:latin typeface="a옛날목욕탕L" panose="02020600000000000000" pitchFamily="18" charset="-127"/>
                           <a:ea typeface="a옛날목욕탕L" panose="02020600000000000000" pitchFamily="18" charset="-127"/>
                         </a:rPr>
-                        <a:t>POST </a:t>
+                        <a:t> </a:t>
                       </a:r>
                       <a:r>
                         <a:rPr lang="ko-KR" altLang="en-US" sz="900" dirty="0">
                           <a:latin typeface="a옛날목욕탕L" panose="02020600000000000000" pitchFamily="18" charset="-127"/>
                           <a:ea typeface="a옛날목욕탕L" panose="02020600000000000000" pitchFamily="18" charset="-127"/>
                         </a:rPr>
-                        <a:t>방식으로 파라미터 전송</a:t>
+                        <a:t>회원가입 안드로이드 액티비티</a:t>
                       </a:r>
                     </a:p>
                   </a:txBody>
-                  <a:tcPr/>
+                  <a:tcPr anchor="ctr"/>
                 </a:tc>
                 <a:tc>
                   <a:txBody>
@@ -15334,7 +15424,7 @@
                           <a:latin typeface="a옛날목욕탕L" panose="02020600000000000000" pitchFamily="18" charset="-127"/>
                           <a:ea typeface="a옛날목욕탕L" panose="02020600000000000000" pitchFamily="18" charset="-127"/>
                         </a:rPr>
-                        <a:t>ValidateRequest.java</a:t>
+                        <a:t>RegisterActivity.java</a:t>
                       </a:r>
                       <a:endParaRPr lang="ko-KR" altLang="en-US" sz="900" dirty="0">
                         <a:latin typeface="a옛날목욕탕L" panose="02020600000000000000" pitchFamily="18" charset="-127"/>
@@ -15342,7 +15432,7 @@
                       </a:endParaRPr>
                     </a:p>
                   </a:txBody>
-                  <a:tcPr/>
+                  <a:tcPr anchor="ctr"/>
                 </a:tc>
                 <a:extLst>
                   <a:ext uri="{0D108BD9-81ED-4DB2-BD59-A6C34878D82A}">
@@ -15370,7 +15460,7 @@
                       </a:endParaRPr>
                     </a:p>
                   </a:txBody>
-                  <a:tcPr/>
+                  <a:tcPr anchor="ctr"/>
                 </a:tc>
                 <a:tc>
                   <a:txBody>
@@ -15397,11 +15487,11 @@
                           <a:latin typeface="a옛날목욕탕L" panose="02020600000000000000" pitchFamily="18" charset="-127"/>
                           <a:ea typeface="a옛날목욕탕L" panose="02020600000000000000" pitchFamily="18" charset="-127"/>
                         </a:rPr>
-                        <a:t>문자 변환 요청 모듈</a:t>
+                        <a:t>문자 변환 액티비티</a:t>
                       </a:r>
                     </a:p>
                   </a:txBody>
-                  <a:tcPr/>
+                  <a:tcPr anchor="ctr"/>
                 </a:tc>
                 <a:tc>
                   <a:txBody>
@@ -15410,43 +15500,60 @@
                     <a:p>
                       <a:pPr algn="ctr" latinLnBrk="1"/>
                       <a:r>
+                        <a:rPr lang="ko-KR" altLang="en-US" sz="900" b="1" dirty="0">
+                          <a:latin typeface="a옛날목욕탕L" panose="02020600000000000000" pitchFamily="18" charset="-127"/>
+                          <a:ea typeface="a옛날목욕탕L" panose="02020600000000000000" pitchFamily="18" charset="-127"/>
+                        </a:rPr>
+                        <a:t>음성인식 기능 수행</a:t>
+                      </a:r>
+                      <a:r>
                         <a:rPr lang="ko-KR" altLang="en-US" sz="900" dirty="0">
                           <a:latin typeface="a옛날목욕탕L" panose="02020600000000000000" pitchFamily="18" charset="-127"/>
                           <a:ea typeface="a옛날목욕탕L" panose="02020600000000000000" pitchFamily="18" charset="-127"/>
                         </a:rPr>
-                        <a:t>음성인식 기능 수행 및 </a:t>
+                        <a:t> 및 </a:t>
                       </a:r>
                       <a:r>
                         <a:rPr lang="en-US" altLang="ko-KR" sz="900" dirty="0">
                           <a:latin typeface="a옛날목욕탕L" panose="02020600000000000000" pitchFamily="18" charset="-127"/>
                           <a:ea typeface="a옛날목욕탕L" panose="02020600000000000000" pitchFamily="18" charset="-127"/>
                         </a:rPr>
-                        <a:t>Web Server</a:t>
+                        <a:t>BEE API</a:t>
                       </a:r>
                       <a:r>
                         <a:rPr lang="ko-KR" altLang="en-US" sz="900" dirty="0">
                           <a:latin typeface="a옛날목욕탕L" panose="02020600000000000000" pitchFamily="18" charset="-127"/>
                           <a:ea typeface="a옛날목욕탕L" panose="02020600000000000000" pitchFamily="18" charset="-127"/>
                         </a:rPr>
-                        <a:t>에 음성 정보</a:t>
+                        <a:t>에 </a:t>
                       </a:r>
-                      <a:endParaRPr lang="en-US" altLang="ko-KR" sz="900" dirty="0">
-                        <a:latin typeface="a옛날목욕탕L" panose="02020600000000000000" pitchFamily="18" charset="-127"/>
-                        <a:ea typeface="a옛날목욕탕L" panose="02020600000000000000" pitchFamily="18" charset="-127"/>
-                      </a:endParaRPr>
+                      <a:r>
+                        <a:rPr lang="en-US" altLang="ko-KR" sz="900" b="1" dirty="0">
+                          <a:latin typeface="a옛날목욕탕L" panose="02020600000000000000" pitchFamily="18" charset="-127"/>
+                          <a:ea typeface="a옛날목욕탕L" panose="02020600000000000000" pitchFamily="18" charset="-127"/>
+                        </a:rPr>
+                        <a:t>STT</a:t>
+                      </a:r>
                     </a:p>
                     <a:p>
                       <a:pPr algn="ctr" latinLnBrk="1"/>
+                      <a:r>
+                        <a:rPr lang="ko-KR" altLang="en-US" sz="900" b="1" dirty="0">
+                          <a:latin typeface="a옛날목욕탕L" panose="02020600000000000000" pitchFamily="18" charset="-127"/>
+                          <a:ea typeface="a옛날목욕탕L" panose="02020600000000000000" pitchFamily="18" charset="-127"/>
+                        </a:rPr>
+                        <a:t>변환 요청</a:t>
+                      </a:r>
                       <a:r>
                         <a:rPr lang="ko-KR" altLang="en-US" sz="900" dirty="0">
                           <a:latin typeface="a옛날목욕탕L" panose="02020600000000000000" pitchFamily="18" charset="-127"/>
                           <a:ea typeface="a옛날목욕탕L" panose="02020600000000000000" pitchFamily="18" charset="-127"/>
                         </a:rPr>
-                        <a:t> 문자 변환 요청 전송</a:t>
+                        <a:t> 수행하는 안드로이드 액티비티</a:t>
                       </a:r>
                     </a:p>
                   </a:txBody>
-                  <a:tcPr/>
+                  <a:tcPr anchor="ctr"/>
                 </a:tc>
                 <a:tc>
                   <a:txBody>
@@ -15467,7 +15574,7 @@
                       </a:endParaRPr>
                     </a:p>
                   </a:txBody>
-                  <a:tcPr/>
+                  <a:tcPr anchor="ctr"/>
                 </a:tc>
                 <a:extLst>
                   <a:ext uri="{0D108BD9-81ED-4DB2-BD59-A6C34878D82A}">
@@ -15495,7 +15602,7 @@
                       </a:endParaRPr>
                     </a:p>
                   </a:txBody>
-                  <a:tcPr/>
+                  <a:tcPr anchor="ctr"/>
                 </a:tc>
                 <a:tc>
                   <a:txBody>
@@ -15508,57 +15615,12 @@
                           <a:latin typeface="a옛날목욕탕L" panose="02020600000000000000" pitchFamily="18" charset="-127"/>
                           <a:ea typeface="a옛날목욕탕L" panose="02020600000000000000" pitchFamily="18" charset="-127"/>
                         </a:rPr>
-                        <a:t>문자</a:t>
+                        <a:t>음성인식 결과 확인 및</a:t>
                       </a:r>
-                      <a:r>
-                        <a:rPr lang="en-US" altLang="ko-KR" sz="900" dirty="0">
-                          <a:latin typeface="a옛날목욕탕L" panose="02020600000000000000" pitchFamily="18" charset="-127"/>
-                          <a:ea typeface="a옛날목욕탕L" panose="02020600000000000000" pitchFamily="18" charset="-127"/>
-                        </a:rPr>
-                        <a:t>-</a:t>
-                      </a:r>
-                      <a:r>
-                        <a:rPr lang="ko-KR" altLang="en-US" sz="900" dirty="0">
-                          <a:latin typeface="a옛날목욕탕L" panose="02020600000000000000" pitchFamily="18" charset="-127"/>
-                          <a:ea typeface="a옛날목욕탕L" panose="02020600000000000000" pitchFamily="18" charset="-127"/>
-                        </a:rPr>
-                        <a:t>점자 </a:t>
-                      </a:r>
-                      <a:r>
-                        <a:rPr lang="en-US" altLang="ko-KR" sz="900" dirty="0">
-                          <a:latin typeface="a옛날목욕탕L" panose="02020600000000000000" pitchFamily="18" charset="-127"/>
-                          <a:ea typeface="a옛날목욕탕L" panose="02020600000000000000" pitchFamily="18" charset="-127"/>
-                        </a:rPr>
-                        <a:t>(</a:t>
-                      </a:r>
-                      <a:r>
-                        <a:rPr lang="ko-KR" altLang="en-US" sz="900" dirty="0">
-                          <a:latin typeface="a옛날목욕탕L" panose="02020600000000000000" pitchFamily="18" charset="-127"/>
-                          <a:ea typeface="a옛날목욕탕L" panose="02020600000000000000" pitchFamily="18" charset="-127"/>
-                        </a:rPr>
-                        <a:t>점자</a:t>
-                      </a:r>
-                      <a:r>
-                        <a:rPr lang="en-US" altLang="ko-KR" sz="900" dirty="0">
-                          <a:latin typeface="a옛날목욕탕L" panose="02020600000000000000" pitchFamily="18" charset="-127"/>
-                          <a:ea typeface="a옛날목욕탕L" panose="02020600000000000000" pitchFamily="18" charset="-127"/>
-                        </a:rPr>
-                        <a:t>-</a:t>
-                      </a:r>
-                      <a:r>
-                        <a:rPr lang="ko-KR" altLang="en-US" sz="900" dirty="0">
-                          <a:latin typeface="a옛날목욕탕L" panose="02020600000000000000" pitchFamily="18" charset="-127"/>
-                          <a:ea typeface="a옛날목욕탕L" panose="02020600000000000000" pitchFamily="18" charset="-127"/>
-                        </a:rPr>
-                        <a:t>문자</a:t>
-                      </a:r>
-                      <a:r>
-                        <a:rPr lang="en-US" altLang="ko-KR" sz="900" dirty="0">
-                          <a:latin typeface="a옛날목욕탕L" panose="02020600000000000000" pitchFamily="18" charset="-127"/>
-                          <a:ea typeface="a옛날목욕탕L" panose="02020600000000000000" pitchFamily="18" charset="-127"/>
-                        </a:rPr>
-                        <a:t>)</a:t>
-                      </a:r>
+                      <a:endParaRPr lang="en-US" altLang="ko-KR" sz="900" dirty="0">
+                        <a:latin typeface="a옛날목욕탕L" panose="02020600000000000000" pitchFamily="18" charset="-127"/>
+                        <a:ea typeface="a옛날목욕탕L" panose="02020600000000000000" pitchFamily="18" charset="-127"/>
+                      </a:endParaRPr>
                     </a:p>
                     <a:p>
                       <a:pPr algn="ctr" latinLnBrk="1"/>
@@ -15567,11 +15629,11 @@
                           <a:latin typeface="a옛날목욕탕L" panose="02020600000000000000" pitchFamily="18" charset="-127"/>
                           <a:ea typeface="a옛날목욕탕L" panose="02020600000000000000" pitchFamily="18" charset="-127"/>
                         </a:rPr>
-                        <a:t>변환 요청 모듈</a:t>
+                        <a:t>점자 변환 액티비티</a:t>
                       </a:r>
                     </a:p>
                   </a:txBody>
-                  <a:tcPr/>
+                  <a:tcPr anchor="ctr"/>
                 </a:tc>
                 <a:tc>
                   <a:txBody>
@@ -15580,22 +15642,43 @@
                     <a:p>
                       <a:pPr algn="ctr" latinLnBrk="1"/>
                       <a:r>
+                        <a:rPr lang="ko-KR" altLang="en-US" sz="900" dirty="0">
+                          <a:latin typeface="a옛날목욕탕L" panose="02020600000000000000" pitchFamily="18" charset="-127"/>
+                          <a:ea typeface="a옛날목욕탕L" panose="02020600000000000000" pitchFamily="18" charset="-127"/>
+                        </a:rPr>
+                        <a:t>음성인식 결과를 점자 정보로 변환하도록 </a:t>
+                      </a:r>
+                      <a:r>
                         <a:rPr lang="en-US" altLang="ko-KR" sz="900" dirty="0">
                           <a:latin typeface="a옛날목욕탕L" panose="02020600000000000000" pitchFamily="18" charset="-127"/>
                           <a:ea typeface="a옛날목욕탕L" panose="02020600000000000000" pitchFamily="18" charset="-127"/>
                         </a:rPr>
-                        <a:t>JSON </a:t>
+                        <a:t>BEE API</a:t>
                       </a:r>
                       <a:r>
                         <a:rPr lang="ko-KR" altLang="en-US" sz="900" dirty="0">
                           <a:latin typeface="a옛날목욕탕L" panose="02020600000000000000" pitchFamily="18" charset="-127"/>
                           <a:ea typeface="a옛날목욕탕L" panose="02020600000000000000" pitchFamily="18" charset="-127"/>
                         </a:rPr>
-                        <a:t>데이터 포맷으로 점자 변환 정보 요청</a:t>
+                        <a:t>에 </a:t>
+                      </a:r>
+                      <a:endParaRPr lang="en-US" altLang="ko-KR" sz="900" dirty="0">
+                        <a:latin typeface="a옛날목욕탕L" panose="02020600000000000000" pitchFamily="18" charset="-127"/>
+                        <a:ea typeface="a옛날목욕탕L" panose="02020600000000000000" pitchFamily="18" charset="-127"/>
+                      </a:endParaRPr>
+                    </a:p>
+                    <a:p>
+                      <a:pPr algn="ctr" latinLnBrk="1"/>
+                      <a:r>
+                        <a:rPr lang="ko-KR" altLang="en-US" sz="900" dirty="0">
+                          <a:latin typeface="a옛날목욕탕L" panose="02020600000000000000" pitchFamily="18" charset="-127"/>
+                          <a:ea typeface="a옛날목욕탕L" panose="02020600000000000000" pitchFamily="18" charset="-127"/>
+                        </a:rPr>
+                        <a:t>요청하는 안드로이드 액티비티</a:t>
                       </a:r>
                     </a:p>
                   </a:txBody>
-                  <a:tcPr/>
+                  <a:tcPr anchor="ctr"/>
                 </a:tc>
                 <a:tc>
                   <a:txBody>
@@ -15612,7 +15695,7 @@
                       </a:r>
                     </a:p>
                   </a:txBody>
-                  <a:tcPr/>
+                  <a:tcPr anchor="ctr"/>
                 </a:tc>
                 <a:extLst>
                   <a:ext uri="{0D108BD9-81ED-4DB2-BD59-A6C34878D82A}">
@@ -15640,7 +15723,7 @@
                       </a:endParaRPr>
                     </a:p>
                   </a:txBody>
-                  <a:tcPr/>
+                  <a:tcPr anchor="ctr"/>
                 </a:tc>
                 <a:tc>
                   <a:txBody>
@@ -15653,11 +15736,146 @@
                           <a:latin typeface="a옛날목욕탕L" panose="02020600000000000000" pitchFamily="18" charset="-127"/>
                           <a:ea typeface="a옛날목욕탕L" panose="02020600000000000000" pitchFamily="18" charset="-127"/>
                         </a:rPr>
-                        <a:t>문자 정보 음성 출력 모듈</a:t>
+                        <a:t>블루투스 통신 액티비티</a:t>
                       </a:r>
                     </a:p>
                   </a:txBody>
-                  <a:tcPr/>
+                  <a:tcPr anchor="ctr"/>
+                </a:tc>
+                <a:tc>
+                  <a:txBody>
+                    <a:bodyPr/>
+                    <a:lstStyle/>
+                    <a:p>
+                      <a:pPr algn="ctr" latinLnBrk="1"/>
+                      <a:r>
+                        <a:rPr lang="en-US" altLang="ko-KR" sz="900" dirty="0">
+                          <a:latin typeface="a옛날목욕탕L" panose="02020600000000000000" pitchFamily="18" charset="-127"/>
+                          <a:ea typeface="a옛날목욕탕L" panose="02020600000000000000" pitchFamily="18" charset="-127"/>
+                        </a:rPr>
+                        <a:t>BEE Device</a:t>
+                      </a:r>
+                      <a:r>
+                        <a:rPr lang="ko-KR" altLang="en-US" sz="900" dirty="0">
+                          <a:latin typeface="a옛날목욕탕L" panose="02020600000000000000" pitchFamily="18" charset="-127"/>
+                          <a:ea typeface="a옛날목욕탕L" panose="02020600000000000000" pitchFamily="18" charset="-127"/>
+                        </a:rPr>
+                        <a:t>와 </a:t>
+                      </a:r>
+                      <a:r>
+                        <a:rPr lang="ko-KR" altLang="en-US" sz="900" b="1" dirty="0">
+                          <a:latin typeface="a옛날목욕탕L" panose="02020600000000000000" pitchFamily="18" charset="-127"/>
+                          <a:ea typeface="a옛날목욕탕L" panose="02020600000000000000" pitchFamily="18" charset="-127"/>
+                        </a:rPr>
+                        <a:t>블루투스 연결</a:t>
+                      </a:r>
+                      <a:r>
+                        <a:rPr lang="ko-KR" altLang="en-US" sz="900" dirty="0">
+                          <a:latin typeface="a옛날목욕탕L" panose="02020600000000000000" pitchFamily="18" charset="-127"/>
+                          <a:ea typeface="a옛날목욕탕L" panose="02020600000000000000" pitchFamily="18" charset="-127"/>
+                        </a:rPr>
+                        <a:t>을 수행 후</a:t>
+                      </a:r>
+                      <a:r>
+                        <a:rPr lang="en-US" altLang="ko-KR" sz="900" dirty="0">
+                          <a:latin typeface="a옛날목욕탕L" panose="02020600000000000000" pitchFamily="18" charset="-127"/>
+                          <a:ea typeface="a옛날목욕탕L" panose="02020600000000000000" pitchFamily="18" charset="-127"/>
+                        </a:rPr>
+                        <a:t>,</a:t>
+                      </a:r>
+                    </a:p>
+                    <a:p>
+                      <a:pPr algn="ctr" latinLnBrk="1"/>
+                      <a:r>
+                        <a:rPr lang="ko-KR" altLang="en-US" sz="900" dirty="0">
+                          <a:latin typeface="a옛날목욕탕L" panose="02020600000000000000" pitchFamily="18" charset="-127"/>
+                          <a:ea typeface="a옛날목욕탕L" panose="02020600000000000000" pitchFamily="18" charset="-127"/>
+                        </a:rPr>
+                        <a:t>점자 정보를 주고 받는 안드로이드 액티비티</a:t>
+                      </a:r>
+                    </a:p>
+                  </a:txBody>
+                  <a:tcPr anchor="ctr"/>
+                </a:tc>
+                <a:tc>
+                  <a:txBody>
+                    <a:bodyPr/>
+                    <a:lstStyle/>
+                    <a:p>
+                      <a:pPr algn="ctr" latinLnBrk="1"/>
+                      <a:r>
+                        <a:rPr lang="en-US" altLang="ko-KR" sz="900" dirty="0">
+                          <a:latin typeface="a옛날목욕탕L" panose="02020600000000000000" pitchFamily="18" charset="-127"/>
+                          <a:ea typeface="a옛날목욕탕L" panose="02020600000000000000" pitchFamily="18" charset="-127"/>
+                        </a:rPr>
+                        <a:t>BluetoothActivity.java</a:t>
+                      </a:r>
+                      <a:endParaRPr lang="ko-KR" altLang="en-US" sz="900" dirty="0">
+                        <a:latin typeface="a옛날목욕탕L" panose="02020600000000000000" pitchFamily="18" charset="-127"/>
+                        <a:ea typeface="a옛날목욕탕L" panose="02020600000000000000" pitchFamily="18" charset="-127"/>
+                      </a:endParaRPr>
+                    </a:p>
+                  </a:txBody>
+                  <a:tcPr anchor="ctr"/>
+                </a:tc>
+                <a:extLst>
+                  <a:ext uri="{0D108BD9-81ED-4DB2-BD59-A6C34878D82A}">
+                    <a16:rowId xmlns:a16="http://schemas.microsoft.com/office/drawing/2014/main" val="3786920499"/>
+                  </a:ext>
+                </a:extLst>
+              </a:tr>
+              <a:tr h="351021">
+                <a:tc>
+                  <a:txBody>
+                    <a:bodyPr/>
+                    <a:lstStyle/>
+                    <a:p>
+                      <a:pPr algn="ctr" latinLnBrk="1"/>
+                      <a:r>
+                        <a:rPr lang="en-US" altLang="ko-KR" sz="1000" dirty="0">
+                          <a:latin typeface="a옛날목욕탕L" panose="02020600000000000000" pitchFamily="18" charset="-127"/>
+                          <a:ea typeface="a옛날목욕탕L" panose="02020600000000000000" pitchFamily="18" charset="-127"/>
+                        </a:rPr>
+                        <a:t>9</a:t>
+                      </a:r>
+                      <a:endParaRPr lang="ko-KR" altLang="en-US" sz="1000" dirty="0">
+                        <a:latin typeface="a옛날목욕탕L" panose="02020600000000000000" pitchFamily="18" charset="-127"/>
+                        <a:ea typeface="a옛날목욕탕L" panose="02020600000000000000" pitchFamily="18" charset="-127"/>
+                      </a:endParaRPr>
+                    </a:p>
+                  </a:txBody>
+                  <a:tcPr anchor="ctr"/>
+                </a:tc>
+                <a:tc>
+                  <a:txBody>
+                    <a:bodyPr/>
+                    <a:lstStyle/>
+                    <a:p>
+                      <a:pPr algn="ctr" latinLnBrk="1"/>
+                      <a:r>
+                        <a:rPr lang="ko-KR" altLang="en-US" sz="900" dirty="0">
+                          <a:latin typeface="a옛날목욕탕L" panose="02020600000000000000" pitchFamily="18" charset="-127"/>
+                          <a:ea typeface="a옛날목욕탕L" panose="02020600000000000000" pitchFamily="18" charset="-127"/>
+                        </a:rPr>
+                        <a:t>문자 정보 음성 출력</a:t>
+                      </a:r>
+                      <a:endParaRPr lang="en-US" altLang="ko-KR" sz="900" dirty="0">
+                        <a:latin typeface="a옛날목욕탕L" panose="02020600000000000000" pitchFamily="18" charset="-127"/>
+                        <a:ea typeface="a옛날목욕탕L" panose="02020600000000000000" pitchFamily="18" charset="-127"/>
+                      </a:endParaRPr>
+                    </a:p>
+                    <a:p>
+                      <a:pPr algn="ctr" latinLnBrk="1"/>
+                      <a:r>
+                        <a:rPr lang="ko-KR" altLang="en-US" sz="900" dirty="0">
+                          <a:latin typeface="a옛날목욕탕L" panose="02020600000000000000" pitchFamily="18" charset="-127"/>
+                          <a:ea typeface="a옛날목욕탕L" panose="02020600000000000000" pitchFamily="18" charset="-127"/>
+                        </a:rPr>
+                        <a:t>액티비티</a:t>
+                      </a:r>
+                    </a:p>
+                  </a:txBody>
+                  <a:tcPr anchor="ctr"/>
                 </a:tc>
                 <a:tc>
                   <a:txBody>
@@ -15684,11 +15902,45 @@
                           <a:latin typeface="a옛날목욕탕L" panose="02020600000000000000" pitchFamily="18" charset="-127"/>
                           <a:ea typeface="a옛날목욕탕L" panose="02020600000000000000" pitchFamily="18" charset="-127"/>
                         </a:rPr>
-                        <a:t>객체 생성하여 음성 출력</a:t>
+                        <a:t>객체 생성하여 </a:t>
+                      </a:r>
+                      <a:r>
+                        <a:rPr lang="en-US" altLang="ko-KR" sz="900" dirty="0">
+                          <a:latin typeface="a옛날목욕탕L" panose="02020600000000000000" pitchFamily="18" charset="-127"/>
+                          <a:ea typeface="a옛날목욕탕L" panose="02020600000000000000" pitchFamily="18" charset="-127"/>
+                        </a:rPr>
+                        <a:t>BEE API</a:t>
+                      </a:r>
+                      <a:r>
+                        <a:rPr lang="ko-KR" altLang="en-US" sz="900" dirty="0">
+                          <a:latin typeface="a옛날목욕탕L" panose="02020600000000000000" pitchFamily="18" charset="-127"/>
+                          <a:ea typeface="a옛날목욕탕L" panose="02020600000000000000" pitchFamily="18" charset="-127"/>
+                        </a:rPr>
+                        <a:t>로부터 반환 받은 </a:t>
+                      </a:r>
+                      <a:br>
+                        <a:rPr lang="en-US" altLang="ko-KR" sz="900" dirty="0">
+                          <a:latin typeface="a옛날목욕탕L" panose="02020600000000000000" pitchFamily="18" charset="-127"/>
+                          <a:ea typeface="a옛날목욕탕L" panose="02020600000000000000" pitchFamily="18" charset="-127"/>
+                        </a:rPr>
+                      </a:br>
+                      <a:r>
+                        <a:rPr lang="ko-KR" altLang="en-US" sz="900" b="1" dirty="0">
+                          <a:latin typeface="a옛날목욕탕L" panose="02020600000000000000" pitchFamily="18" charset="-127"/>
+                          <a:ea typeface="a옛날목욕탕L" panose="02020600000000000000" pitchFamily="18" charset="-127"/>
+                        </a:rPr>
+                        <a:t>텍스트를 음성 출력</a:t>
+                      </a:r>
+                      <a:r>
+                        <a:rPr lang="ko-KR" altLang="en-US" sz="900" dirty="0">
+                          <a:latin typeface="a옛날목욕탕L" panose="02020600000000000000" pitchFamily="18" charset="-127"/>
+                          <a:ea typeface="a옛날목욕탕L" panose="02020600000000000000" pitchFamily="18" charset="-127"/>
+                        </a:rPr>
+                        <a:t>하는 안드로이드 액티비티</a:t>
                       </a:r>
                     </a:p>
                   </a:txBody>
-                  <a:tcPr/>
+                  <a:tcPr anchor="ctr"/>
                 </a:tc>
                 <a:tc>
                   <a:txBody>
@@ -15726,98 +15978,8 @@
                         <a:ea typeface="a옛날목욕탕L" panose="02020600000000000000" pitchFamily="18" charset="-127"/>
                       </a:endParaRPr>
                     </a:p>
-                    <a:p>
-                      <a:pPr algn="ctr" latinLnBrk="1"/>
-                      <a:endParaRPr lang="ko-KR" altLang="en-US" sz="900" dirty="0">
-                        <a:latin typeface="a옛날목욕탕L" panose="02020600000000000000" pitchFamily="18" charset="-127"/>
-                        <a:ea typeface="a옛날목욕탕L" panose="02020600000000000000" pitchFamily="18" charset="-127"/>
-                      </a:endParaRPr>
-                    </a:p>
                   </a:txBody>
-                  <a:tcPr/>
-                </a:tc>
-                <a:extLst>
-                  <a:ext uri="{0D108BD9-81ED-4DB2-BD59-A6C34878D82A}">
-                    <a16:rowId xmlns:a16="http://schemas.microsoft.com/office/drawing/2014/main" val="3786920499"/>
-                  </a:ext>
-                </a:extLst>
-              </a:tr>
-              <a:tr h="351021">
-                <a:tc>
-                  <a:txBody>
-                    <a:bodyPr/>
-                    <a:lstStyle/>
-                    <a:p>
-                      <a:pPr algn="ctr" latinLnBrk="1"/>
-                      <a:r>
-                        <a:rPr lang="en-US" altLang="ko-KR" sz="1000" dirty="0">
-                          <a:latin typeface="a옛날목욕탕L" panose="02020600000000000000" pitchFamily="18" charset="-127"/>
-                          <a:ea typeface="a옛날목욕탕L" panose="02020600000000000000" pitchFamily="18" charset="-127"/>
-                        </a:rPr>
-                        <a:t>9</a:t>
-                      </a:r>
-                      <a:endParaRPr lang="ko-KR" altLang="en-US" sz="1000" dirty="0">
-                        <a:latin typeface="a옛날목욕탕L" panose="02020600000000000000" pitchFamily="18" charset="-127"/>
-                        <a:ea typeface="a옛날목욕탕L" panose="02020600000000000000" pitchFamily="18" charset="-127"/>
-                      </a:endParaRPr>
-                    </a:p>
-                  </a:txBody>
-                  <a:tcPr/>
-                </a:tc>
-                <a:tc>
-                  <a:txBody>
-                    <a:bodyPr/>
-                    <a:lstStyle/>
-                    <a:p>
-                      <a:pPr algn="ctr" latinLnBrk="1"/>
-                      <a:r>
-                        <a:rPr lang="ko-KR" altLang="en-US" sz="900" dirty="0">
-                          <a:latin typeface="a옛날목욕탕L" panose="02020600000000000000" pitchFamily="18" charset="-127"/>
-                          <a:ea typeface="a옛날목욕탕L" panose="02020600000000000000" pitchFamily="18" charset="-127"/>
-                        </a:rPr>
-                        <a:t>블루투스 통신 모듈</a:t>
-                      </a:r>
-                    </a:p>
-                  </a:txBody>
-                  <a:tcPr/>
-                </a:tc>
-                <a:tc>
-                  <a:txBody>
-                    <a:bodyPr/>
-                    <a:lstStyle/>
-                    <a:p>
-                      <a:pPr algn="ctr" latinLnBrk="1"/>
-                      <a:r>
-                        <a:rPr lang="ko-KR" altLang="en-US" sz="900" dirty="0">
-                          <a:latin typeface="a옛날목욕탕L" panose="02020600000000000000" pitchFamily="18" charset="-127"/>
-                          <a:ea typeface="a옛날목욕탕L" panose="02020600000000000000" pitchFamily="18" charset="-127"/>
-                        </a:rPr>
-                        <a:t>소켓을 통해 디바이스와 블루투스 연결</a:t>
-                      </a:r>
-                    </a:p>
-                  </a:txBody>
-                  <a:tcPr/>
-                </a:tc>
-                <a:tc>
-                  <a:txBody>
-                    <a:bodyPr/>
-                    <a:lstStyle/>
-                    <a:p>
-                      <a:pPr algn="ctr" latinLnBrk="1"/>
-                      <a:r>
-                        <a:rPr lang="en-US" altLang="ko-KR" sz="900" dirty="0">
-                          <a:latin typeface="a옛날목욕탕L" panose="02020600000000000000" pitchFamily="18" charset="-127"/>
-                          <a:ea typeface="a옛날목욕탕L" panose="02020600000000000000" pitchFamily="18" charset="-127"/>
-                        </a:rPr>
-                        <a:t>BluetoothActivity.java</a:t>
-                      </a:r>
-                      <a:endParaRPr lang="ko-KR" altLang="en-US" sz="900" dirty="0">
-                        <a:latin typeface="a옛날목욕탕L" panose="02020600000000000000" pitchFamily="18" charset="-127"/>
-                        <a:ea typeface="a옛날목욕탕L" panose="02020600000000000000" pitchFamily="18" charset="-127"/>
-                      </a:endParaRPr>
-                    </a:p>
-                  </a:txBody>
-                  <a:tcPr/>
+                  <a:tcPr anchor="ctr"/>
                 </a:tc>
                 <a:extLst>
                   <a:ext uri="{0D108BD9-81ED-4DB2-BD59-A6C34878D82A}">
@@ -15938,7 +16100,7 @@
                 <a:latin typeface="a옛날목욕탕L" panose="02020600000000000000" pitchFamily="18" charset="-127"/>
                 <a:ea typeface="a옛날목욕탕L" panose="02020600000000000000" pitchFamily="18" charset="-127"/>
               </a:rPr>
-              <a:t>0</a:t>
+              <a:t>2</a:t>
             </a:r>
             <a:endParaRPr b="0" dirty="0">
               <a:latin typeface="a옛날목욕탕L" panose="02020600000000000000" pitchFamily="18" charset="-127"/>
